--- a/material/slides/icub-skin-sw.pptx
+++ b/material/slides/icub-skin-sw.pptx
@@ -1,21 +1,27 @@
 
 <file path=ppt/presentation.xml><?xml version="1.0" encoding="utf-8"?>
-<p:presentation xmlns:a="http://purl.oclc.org/ooxml/drawingml/main" xmlns:r="http://purl.oclc.org/ooxml/officeDocument/relationships" xmlns:p="http://purl.oclc.org/ooxml/presentationml/main" autoCompressPictures="0" conformance="strict">
+<p:presentation xmlns:a="http://schemas.openxmlformats.org/drawingml/2006/main" xmlns:r="http://schemas.openxmlformats.org/officeDocument/2006/relationships" xmlns:p="http://schemas.openxmlformats.org/presentationml/2006/main" autoCompressPictures="0">
   <p:sldMasterIdLst>
     <p:sldMasterId id="2147483648" r:id="rId1"/>
   </p:sldMasterIdLst>
   <p:sldIdLst>
     <p:sldId id="256" r:id="rId2"/>
     <p:sldId id="257" r:id="rId3"/>
-    <p:sldId id="260" r:id="rId4"/>
-    <p:sldId id="259" r:id="rId5"/>
-    <p:sldId id="258" r:id="rId6"/>
-    <p:sldId id="261" r:id="rId7"/>
-    <p:sldId id="262" r:id="rId8"/>
-    <p:sldId id="263" r:id="rId9"/>
-    <p:sldId id="264" r:id="rId10"/>
-    <p:sldId id="265" r:id="rId11"/>
-    <p:sldId id="267" r:id="rId12"/>
+    <p:sldId id="271" r:id="rId4"/>
+    <p:sldId id="270" r:id="rId5"/>
+    <p:sldId id="272" r:id="rId6"/>
+    <p:sldId id="273" r:id="rId7"/>
+    <p:sldId id="260" r:id="rId8"/>
+    <p:sldId id="259" r:id="rId9"/>
+    <p:sldId id="258" r:id="rId10"/>
+    <p:sldId id="261" r:id="rId11"/>
+    <p:sldId id="262" r:id="rId12"/>
+    <p:sldId id="263" r:id="rId13"/>
+    <p:sldId id="264" r:id="rId14"/>
+    <p:sldId id="268" r:id="rId15"/>
+    <p:sldId id="269" r:id="rId16"/>
+    <p:sldId id="265" r:id="rId17"/>
+    <p:sldId id="267" r:id="rId18"/>
   </p:sldIdLst>
   <p:sldSz cx="12192000" cy="6858000"/>
   <p:notesSz cx="6858000" cy="9144000"/>
@@ -123,15 +129,17 @@
 </file>
 
 <file path=ppt/revisionInfo.xml><?xml version="1.0" encoding="utf-8"?>
-<p1510:revInfo xmlns:a="http://purl.oclc.org/ooxml/drawingml/main" xmlns:r="http://purl.oclc.org/ooxml/officeDocument/relationships" xmlns:p1510="http://schemas.microsoft.com/office/powerpoint/2015/10/main">
+<p1510:revInfo xmlns:a="http://schemas.openxmlformats.org/drawingml/2006/main" xmlns:r="http://schemas.openxmlformats.org/officeDocument/2006/relationships" xmlns:p1510="http://schemas.microsoft.com/office/powerpoint/2015/10/main">
   <p1510:revLst>
-    <p1510:client id="{5EF47389-6151-4FD1-BD7C-0F6E8F684E09}" v="97" dt="2021-11-24T11:34:03.923"/>
+    <p1510:client id="{03B7DFF4-23E0-B809-F16F-FF9F38CF81ED}" v="1024" dt="2021-11-25T16:15:36.853"/>
+    <p1510:client id="{3C450B18-EBB8-AD8A-0E4A-39DD493132F8}" v="14" dt="2021-11-25T16:49:06.476"/>
+    <p1510:client id="{5EF47389-6151-4FD1-BD7C-0F6E8F684E09}" v="150" dt="2021-11-25T17:00:58.568"/>
   </p1510:revLst>
 </p1510:revInfo>
 </file>
 
 <file path=ppt/slideLayouts/slideLayout1.xml><?xml version="1.0" encoding="utf-8"?>
-<p:sldLayout xmlns:a="http://purl.oclc.org/ooxml/drawingml/main" xmlns:r="http://purl.oclc.org/ooxml/officeDocument/relationships" xmlns:p="http://purl.oclc.org/ooxml/presentationml/main" type="title" preserve="1">
+<p:sldLayout xmlns:a="http://schemas.openxmlformats.org/drawingml/2006/main" xmlns:r="http://schemas.openxmlformats.org/officeDocument/2006/relationships" xmlns:p="http://schemas.openxmlformats.org/presentationml/2006/main" type="title" preserve="1">
   <p:cSld name="Diapositiva titolo">
     <p:spTree>
       <p:nvGrpSpPr>
@@ -177,7 +185,7 @@
               <a:rPr lang="it-IT"/>
               <a:t>Fare clic per modificare lo stile del titolo dello schema</a:t>
             </a:r>
-            <a:endParaRPr lang="en-US" dirty="0"/>
+            <a:endParaRPr lang="en-US"/>
           </a:p>
         </p:txBody>
       </p:sp>
@@ -204,7 +212,7 @@
           <a:lstStyle>
             <a:lvl1pPr marL="0" indent="0" algn="l">
               <a:buNone/>
-              <a:defRPr sz="1800" b="0" cap="all" baseline="0%">
+              <a:defRPr sz="1800" b="0" cap="all" baseline="0">
                 <a:solidFill>
                   <a:schemeClr val="tx1"/>
                 </a:solidFill>
@@ -248,7 +256,7 @@
               <a:rPr lang="it-IT"/>
               <a:t>Fare clic per modificare lo stile del sottotitolo dello schema</a:t>
             </a:r>
-            <a:endParaRPr lang="en-US" dirty="0"/>
+            <a:endParaRPr lang="en-US"/>
           </a:p>
         </p:txBody>
       </p:sp>
@@ -269,9 +277,9 @@
           <a:p>
             <a:fld id="{48A87A34-81AB-432B-8DAE-1953F412C126}" type="datetimeFigureOut">
               <a:rPr lang="en-US" dirty="0"/>
-              <a:t>11/24/2021</a:t>
+              <a:t>11/25/2021</a:t>
             </a:fld>
-            <a:endParaRPr lang="en-US" dirty="0"/>
+            <a:endParaRPr lang="en-US"/>
           </a:p>
         </p:txBody>
       </p:sp>
@@ -295,7 +303,7 @@
           <a:bodyPr/>
           <a:lstStyle/>
           <a:p>
-            <a:endParaRPr lang="en-US" dirty="0"/>
+            <a:endParaRPr lang="en-US"/>
           </a:p>
         </p:txBody>
       </p:sp>
@@ -323,7 +331,7 @@
               <a:rPr lang="en-US" dirty="0"/>
               <a:t>‹N›</a:t>
             </a:fld>
-            <a:endParaRPr lang="en-US" dirty="0"/>
+            <a:endParaRPr lang="en-US"/>
           </a:p>
         </p:txBody>
       </p:sp>
@@ -367,7 +375,7 @@
 </file>
 
 <file path=ppt/slideLayouts/slideLayout10.xml><?xml version="1.0" encoding="utf-8"?>
-<p:sldLayout xmlns:a="http://purl.oclc.org/ooxml/drawingml/main" xmlns:r="http://purl.oclc.org/ooxml/officeDocument/relationships" xmlns:p="http://purl.oclc.org/ooxml/presentationml/main" type="vertTx" preserve="1">
+<p:sldLayout xmlns:a="http://schemas.openxmlformats.org/drawingml/2006/main" xmlns:r="http://schemas.openxmlformats.org/officeDocument/2006/relationships" xmlns:p="http://schemas.openxmlformats.org/presentationml/2006/main" type="vertTx" preserve="1">
   <p:cSld name="Titolo e testo verticale">
     <p:spTree>
       <p:nvGrpSpPr>
@@ -402,7 +410,7 @@
               <a:rPr lang="it-IT"/>
               <a:t>Fare clic per modificare lo stile del titolo dello schema</a:t>
             </a:r>
-            <a:endParaRPr lang="en-US" dirty="0"/>
+            <a:endParaRPr lang="en-US"/>
           </a:p>
         </p:txBody>
       </p:sp>
@@ -454,7 +462,7 @@
               <a:rPr lang="it-IT"/>
               <a:t>Quinto livello</a:t>
             </a:r>
-            <a:endParaRPr lang="en-US" dirty="0"/>
+            <a:endParaRPr lang="en-US"/>
           </a:p>
         </p:txBody>
       </p:sp>
@@ -475,9 +483,9 @@
           <a:p>
             <a:fld id="{48A87A34-81AB-432B-8DAE-1953F412C126}" type="datetimeFigureOut">
               <a:rPr lang="en-US" dirty="0"/>
-              <a:t>11/24/2021</a:t>
+              <a:t>11/25/2021</a:t>
             </a:fld>
-            <a:endParaRPr lang="en-US" dirty="0"/>
+            <a:endParaRPr lang="en-US"/>
           </a:p>
         </p:txBody>
       </p:sp>
@@ -496,7 +504,7 @@
           <a:bodyPr/>
           <a:lstStyle/>
           <a:p>
-            <a:endParaRPr lang="en-US" dirty="0"/>
+            <a:endParaRPr lang="en-US"/>
           </a:p>
         </p:txBody>
       </p:sp>
@@ -519,7 +527,7 @@
               <a:rPr lang="en-US" dirty="0"/>
               <a:t>‹N›</a:t>
             </a:fld>
-            <a:endParaRPr lang="en-US" dirty="0"/>
+            <a:endParaRPr lang="en-US"/>
           </a:p>
         </p:txBody>
       </p:sp>
@@ -563,7 +571,7 @@
 </file>
 
 <file path=ppt/slideLayouts/slideLayout11.xml><?xml version="1.0" encoding="utf-8"?>
-<p:sldLayout xmlns:a="http://purl.oclc.org/ooxml/drawingml/main" xmlns:r="http://purl.oclc.org/ooxml/officeDocument/relationships" xmlns:p="http://purl.oclc.org/ooxml/presentationml/main" type="vertTitleAndTx" preserve="1">
+<p:sldLayout xmlns:a="http://schemas.openxmlformats.org/drawingml/2006/main" xmlns:r="http://schemas.openxmlformats.org/officeDocument/2006/relationships" xmlns:p="http://schemas.openxmlformats.org/presentationml/2006/main" type="vertTitleAndTx" preserve="1">
   <p:cSld name="Titolo e testo verticale">
     <p:spTree>
       <p:nvGrpSpPr>
@@ -607,7 +615,7 @@
               <a:rPr lang="it-IT"/>
               <a:t>Fare clic per modificare lo stile del titolo dello schema</a:t>
             </a:r>
-            <a:endParaRPr lang="en-US" dirty="0"/>
+            <a:endParaRPr lang="en-US"/>
           </a:p>
         </p:txBody>
       </p:sp>
@@ -664,7 +672,7 @@
               <a:rPr lang="it-IT"/>
               <a:t>Quinto livello</a:t>
             </a:r>
-            <a:endParaRPr lang="en-US" dirty="0"/>
+            <a:endParaRPr lang="en-US"/>
           </a:p>
         </p:txBody>
       </p:sp>
@@ -685,9 +693,9 @@
           <a:p>
             <a:fld id="{48A87A34-81AB-432B-8DAE-1953F412C126}" type="datetimeFigureOut">
               <a:rPr lang="en-US" dirty="0"/>
-              <a:t>11/24/2021</a:t>
+              <a:t>11/25/2021</a:t>
             </a:fld>
-            <a:endParaRPr lang="en-US" dirty="0"/>
+            <a:endParaRPr lang="en-US"/>
           </a:p>
         </p:txBody>
       </p:sp>
@@ -706,7 +714,7 @@
           <a:bodyPr/>
           <a:lstStyle/>
           <a:p>
-            <a:endParaRPr lang="en-US" dirty="0"/>
+            <a:endParaRPr lang="en-US"/>
           </a:p>
         </p:txBody>
       </p:sp>
@@ -729,7 +737,7 @@
               <a:rPr lang="en-US" dirty="0"/>
               <a:t>‹N›</a:t>
             </a:fld>
-            <a:endParaRPr lang="en-US" dirty="0"/>
+            <a:endParaRPr lang="en-US"/>
           </a:p>
         </p:txBody>
       </p:sp>
@@ -773,7 +781,7 @@
 </file>
 
 <file path=ppt/slideLayouts/slideLayout2.xml><?xml version="1.0" encoding="utf-8"?>
-<p:sldLayout xmlns:a="http://purl.oclc.org/ooxml/drawingml/main" xmlns:r="http://purl.oclc.org/ooxml/officeDocument/relationships" xmlns:p="http://purl.oclc.org/ooxml/presentationml/main" type="obj" preserve="1">
+<p:sldLayout xmlns:a="http://schemas.openxmlformats.org/drawingml/2006/main" xmlns:r="http://schemas.openxmlformats.org/officeDocument/2006/relationships" xmlns:p="http://schemas.openxmlformats.org/presentationml/2006/main" type="obj" preserve="1">
   <p:cSld name="Titolo e contenuto">
     <p:spTree>
       <p:nvGrpSpPr>
@@ -808,7 +816,7 @@
               <a:rPr lang="it-IT"/>
               <a:t>Fare clic per modificare lo stile del titolo dello schema</a:t>
             </a:r>
-            <a:endParaRPr lang="en-US" dirty="0"/>
+            <a:endParaRPr lang="en-US"/>
           </a:p>
         </p:txBody>
       </p:sp>
@@ -860,7 +868,7 @@
               <a:rPr lang="it-IT"/>
               <a:t>Quinto livello</a:t>
             </a:r>
-            <a:endParaRPr lang="en-US" dirty="0"/>
+            <a:endParaRPr lang="en-US"/>
           </a:p>
         </p:txBody>
       </p:sp>
@@ -881,9 +889,9 @@
           <a:p>
             <a:fld id="{48A87A34-81AB-432B-8DAE-1953F412C126}" type="datetimeFigureOut">
               <a:rPr lang="en-US" dirty="0"/>
-              <a:t>11/24/2021</a:t>
+              <a:t>11/25/2021</a:t>
             </a:fld>
-            <a:endParaRPr lang="en-US" dirty="0"/>
+            <a:endParaRPr lang="en-US"/>
           </a:p>
         </p:txBody>
       </p:sp>
@@ -902,7 +910,7 @@
           <a:bodyPr/>
           <a:lstStyle/>
           <a:p>
-            <a:endParaRPr lang="en-US" dirty="0"/>
+            <a:endParaRPr lang="en-US"/>
           </a:p>
         </p:txBody>
       </p:sp>
@@ -925,7 +933,7 @@
               <a:rPr lang="en-US" dirty="0"/>
               <a:t>‹N›</a:t>
             </a:fld>
-            <a:endParaRPr lang="en-US" dirty="0"/>
+            <a:endParaRPr lang="en-US"/>
           </a:p>
         </p:txBody>
       </p:sp>
@@ -969,7 +977,7 @@
 </file>
 
 <file path=ppt/slideLayouts/slideLayout3.xml><?xml version="1.0" encoding="utf-8"?>
-<p:sldLayout xmlns:a="http://purl.oclc.org/ooxml/drawingml/main" xmlns:r="http://purl.oclc.org/ooxml/officeDocument/relationships" xmlns:p="http://purl.oclc.org/ooxml/presentationml/main" type="secHead" preserve="1">
+<p:sldLayout xmlns:a="http://schemas.openxmlformats.org/drawingml/2006/main" xmlns:r="http://schemas.openxmlformats.org/officeDocument/2006/relationships" xmlns:p="http://schemas.openxmlformats.org/presentationml/2006/main" type="secHead" preserve="1">
   <p:cSld name="Intestazione sezione">
     <p:spTree>
       <p:nvGrpSpPr>
@@ -1015,7 +1023,7 @@
               <a:rPr lang="it-IT"/>
               <a:t>Fare clic per modificare lo stile del titolo dello schema</a:t>
             </a:r>
-            <a:endParaRPr lang="en-US" dirty="0"/>
+            <a:endParaRPr lang="en-US"/>
           </a:p>
         </p:txBody>
       </p:sp>
@@ -1053,7 +1061,7 @@
               <a:defRPr sz="1800">
                 <a:solidFill>
                   <a:schemeClr val="tx1">
-                    <a:tint val="75%"/>
+                    <a:tint val="75000"/>
                   </a:schemeClr>
                 </a:solidFill>
               </a:defRPr>
@@ -1063,7 +1071,7 @@
               <a:defRPr sz="1800">
                 <a:solidFill>
                   <a:schemeClr val="tx1">
-                    <a:tint val="75%"/>
+                    <a:tint val="75000"/>
                   </a:schemeClr>
                 </a:solidFill>
               </a:defRPr>
@@ -1073,7 +1081,7 @@
               <a:defRPr sz="1600">
                 <a:solidFill>
                   <a:schemeClr val="tx1">
-                    <a:tint val="75%"/>
+                    <a:tint val="75000"/>
                   </a:schemeClr>
                 </a:solidFill>
               </a:defRPr>
@@ -1083,7 +1091,7 @@
               <a:defRPr sz="1600">
                 <a:solidFill>
                   <a:schemeClr val="tx1">
-                    <a:tint val="75%"/>
+                    <a:tint val="75000"/>
                   </a:schemeClr>
                 </a:solidFill>
               </a:defRPr>
@@ -1093,7 +1101,7 @@
               <a:defRPr sz="1600">
                 <a:solidFill>
                   <a:schemeClr val="tx1">
-                    <a:tint val="75%"/>
+                    <a:tint val="75000"/>
                   </a:schemeClr>
                 </a:solidFill>
               </a:defRPr>
@@ -1103,7 +1111,7 @@
               <a:defRPr sz="1600">
                 <a:solidFill>
                   <a:schemeClr val="tx1">
-                    <a:tint val="75%"/>
+                    <a:tint val="75000"/>
                   </a:schemeClr>
                 </a:solidFill>
               </a:defRPr>
@@ -1113,7 +1121,7 @@
               <a:defRPr sz="1600">
                 <a:solidFill>
                   <a:schemeClr val="tx1">
-                    <a:tint val="75%"/>
+                    <a:tint val="75000"/>
                   </a:schemeClr>
                 </a:solidFill>
               </a:defRPr>
@@ -1123,7 +1131,7 @@
               <a:defRPr sz="1600">
                 <a:solidFill>
                   <a:schemeClr val="tx1">
-                    <a:tint val="75%"/>
+                    <a:tint val="75000"/>
                   </a:schemeClr>
                 </a:solidFill>
               </a:defRPr>
@@ -1155,9 +1163,9 @@
           <a:p>
             <a:fld id="{48A87A34-81AB-432B-8DAE-1953F412C126}" type="datetimeFigureOut">
               <a:rPr lang="en-US" dirty="0"/>
-              <a:t>11/24/2021</a:t>
+              <a:t>11/25/2021</a:t>
             </a:fld>
-            <a:endParaRPr lang="en-US" dirty="0"/>
+            <a:endParaRPr lang="en-US"/>
           </a:p>
         </p:txBody>
       </p:sp>
@@ -1176,7 +1184,7 @@
           <a:bodyPr/>
           <a:lstStyle/>
           <a:p>
-            <a:endParaRPr lang="en-US" dirty="0"/>
+            <a:endParaRPr lang="en-US"/>
           </a:p>
         </p:txBody>
       </p:sp>
@@ -1199,7 +1207,7 @@
               <a:rPr lang="en-US" dirty="0"/>
               <a:t>‹N›</a:t>
             </a:fld>
-            <a:endParaRPr lang="en-US" dirty="0"/>
+            <a:endParaRPr lang="en-US"/>
           </a:p>
         </p:txBody>
       </p:sp>
@@ -1243,7 +1251,7 @@
 </file>
 
 <file path=ppt/slideLayouts/slideLayout4.xml><?xml version="1.0" encoding="utf-8"?>
-<p:sldLayout xmlns:a="http://purl.oclc.org/ooxml/drawingml/main" xmlns:r="http://purl.oclc.org/ooxml/officeDocument/relationships" xmlns:p="http://purl.oclc.org/ooxml/presentationml/main" type="twoObj" preserve="1">
+<p:sldLayout xmlns:a="http://schemas.openxmlformats.org/drawingml/2006/main" xmlns:r="http://schemas.openxmlformats.org/officeDocument/2006/relationships" xmlns:p="http://schemas.openxmlformats.org/presentationml/2006/main" type="twoObj" preserve="1">
   <p:cSld name="Due contenuti">
     <p:spTree>
       <p:nvGrpSpPr>
@@ -1283,7 +1291,7 @@
               <a:rPr lang="it-IT"/>
               <a:t>Fare clic per modificare lo stile del titolo dello schema</a:t>
             </a:r>
-            <a:endParaRPr lang="en-US" dirty="0"/>
+            <a:endParaRPr lang="en-US"/>
           </a:p>
         </p:txBody>
       </p:sp>
@@ -1340,7 +1348,7 @@
               <a:rPr lang="it-IT"/>
               <a:t>Quinto livello</a:t>
             </a:r>
-            <a:endParaRPr lang="en-US" dirty="0"/>
+            <a:endParaRPr lang="en-US"/>
           </a:p>
         </p:txBody>
       </p:sp>
@@ -1397,7 +1405,7 @@
               <a:rPr lang="it-IT"/>
               <a:t>Quinto livello</a:t>
             </a:r>
-            <a:endParaRPr lang="en-US" dirty="0"/>
+            <a:endParaRPr lang="en-US"/>
           </a:p>
         </p:txBody>
       </p:sp>
@@ -1418,9 +1426,9 @@
           <a:p>
             <a:fld id="{48A87A34-81AB-432B-8DAE-1953F412C126}" type="datetimeFigureOut">
               <a:rPr lang="en-US" dirty="0"/>
-              <a:t>11/24/2021</a:t>
+              <a:t>11/25/2021</a:t>
             </a:fld>
-            <a:endParaRPr lang="en-US" dirty="0"/>
+            <a:endParaRPr lang="en-US"/>
           </a:p>
         </p:txBody>
       </p:sp>
@@ -1439,7 +1447,7 @@
           <a:bodyPr/>
           <a:lstStyle/>
           <a:p>
-            <a:endParaRPr lang="en-US" dirty="0"/>
+            <a:endParaRPr lang="en-US"/>
           </a:p>
         </p:txBody>
       </p:sp>
@@ -1462,7 +1470,7 @@
               <a:rPr lang="en-US" dirty="0"/>
               <a:t>‹N›</a:t>
             </a:fld>
-            <a:endParaRPr lang="en-US" dirty="0"/>
+            <a:endParaRPr lang="en-US"/>
           </a:p>
         </p:txBody>
       </p:sp>
@@ -1506,7 +1514,7 @@
 </file>
 
 <file path=ppt/slideLayouts/slideLayout5.xml><?xml version="1.0" encoding="utf-8"?>
-<p:sldLayout xmlns:a="http://purl.oclc.org/ooxml/drawingml/main" xmlns:r="http://purl.oclc.org/ooxml/officeDocument/relationships" xmlns:p="http://purl.oclc.org/ooxml/presentationml/main" type="twoTxTwoObj" preserve="1">
+<p:sldLayout xmlns:a="http://schemas.openxmlformats.org/drawingml/2006/main" xmlns:r="http://schemas.openxmlformats.org/officeDocument/2006/relationships" xmlns:p="http://schemas.openxmlformats.org/presentationml/2006/main" type="twoTxTwoObj" preserve="1">
   <p:cSld name="Confronto">
     <p:spTree>
       <p:nvGrpSpPr>
@@ -1546,7 +1554,7 @@
               <a:rPr lang="it-IT"/>
               <a:t>Fare clic per modificare lo stile del titolo dello schema</a:t>
             </a:r>
-            <a:endParaRPr lang="en-US" dirty="0"/>
+            <a:endParaRPr lang="en-US"/>
           </a:p>
         </p:txBody>
       </p:sp>
@@ -1573,10 +1581,10 @@
           <a:lstStyle>
             <a:lvl1pPr marL="0" indent="0">
               <a:lnSpc>
-                <a:spcPct val="100%"/>
+                <a:spcPct val="100000"/>
               </a:lnSpc>
               <a:buNone/>
-              <a:defRPr sz="2200" b="0" cap="all" baseline="0%">
+              <a:defRPr sz="2200" b="0" cap="all" baseline="0">
                 <a:solidFill>
                   <a:schemeClr val="accent1"/>
                 </a:solidFill>
@@ -1677,7 +1685,7 @@
               <a:rPr lang="it-IT"/>
               <a:t>Quinto livello</a:t>
             </a:r>
-            <a:endParaRPr lang="en-US" dirty="0"/>
+            <a:endParaRPr lang="en-US"/>
           </a:p>
         </p:txBody>
       </p:sp>
@@ -1704,10 +1712,10 @@
           <a:lstStyle>
             <a:lvl1pPr marL="0" indent="0">
               <a:lnSpc>
-                <a:spcPct val="100%"/>
+                <a:spcPct val="100000"/>
               </a:lnSpc>
               <a:buNone/>
-              <a:defRPr sz="2200" b="0" cap="all" baseline="0%">
+              <a:defRPr sz="2200" b="0" cap="all" baseline="0">
                 <a:solidFill>
                   <a:schemeClr val="accent1"/>
                 </a:solidFill>
@@ -1808,7 +1816,7 @@
               <a:rPr lang="it-IT"/>
               <a:t>Quinto livello</a:t>
             </a:r>
-            <a:endParaRPr lang="en-US" dirty="0"/>
+            <a:endParaRPr lang="en-US"/>
           </a:p>
         </p:txBody>
       </p:sp>
@@ -1829,9 +1837,9 @@
           <a:p>
             <a:fld id="{48A87A34-81AB-432B-8DAE-1953F412C126}" type="datetimeFigureOut">
               <a:rPr lang="en-US" dirty="0"/>
-              <a:t>11/24/2021</a:t>
+              <a:t>11/25/2021</a:t>
             </a:fld>
-            <a:endParaRPr lang="en-US" dirty="0"/>
+            <a:endParaRPr lang="en-US"/>
           </a:p>
         </p:txBody>
       </p:sp>
@@ -1850,7 +1858,7 @@
           <a:bodyPr/>
           <a:lstStyle/>
           <a:p>
-            <a:endParaRPr lang="en-US" dirty="0"/>
+            <a:endParaRPr lang="en-US"/>
           </a:p>
         </p:txBody>
       </p:sp>
@@ -1873,7 +1881,7 @@
               <a:rPr lang="en-US" dirty="0"/>
               <a:t>‹N›</a:t>
             </a:fld>
-            <a:endParaRPr lang="en-US" dirty="0"/>
+            <a:endParaRPr lang="en-US"/>
           </a:p>
         </p:txBody>
       </p:sp>
@@ -1917,7 +1925,7 @@
 </file>
 
 <file path=ppt/slideLayouts/slideLayout6.xml><?xml version="1.0" encoding="utf-8"?>
-<p:sldLayout xmlns:a="http://purl.oclc.org/ooxml/drawingml/main" xmlns:r="http://purl.oclc.org/ooxml/officeDocument/relationships" xmlns:p="http://purl.oclc.org/ooxml/presentationml/main" type="titleOnly" preserve="1">
+<p:sldLayout xmlns:a="http://schemas.openxmlformats.org/drawingml/2006/main" xmlns:r="http://schemas.openxmlformats.org/officeDocument/2006/relationships" xmlns:p="http://schemas.openxmlformats.org/presentationml/2006/main" type="titleOnly" preserve="1">
   <p:cSld name="Solo titolo">
     <p:spTree>
       <p:nvGrpSpPr>
@@ -1952,7 +1960,7 @@
               <a:rPr lang="it-IT"/>
               <a:t>Fare clic per modificare lo stile del titolo dello schema</a:t>
             </a:r>
-            <a:endParaRPr lang="en-US" dirty="0"/>
+            <a:endParaRPr lang="en-US"/>
           </a:p>
         </p:txBody>
       </p:sp>
@@ -1973,9 +1981,9 @@
           <a:p>
             <a:fld id="{48A87A34-81AB-432B-8DAE-1953F412C126}" type="datetimeFigureOut">
               <a:rPr lang="en-US" dirty="0"/>
-              <a:t>11/24/2021</a:t>
+              <a:t>11/25/2021</a:t>
             </a:fld>
-            <a:endParaRPr lang="en-US" dirty="0"/>
+            <a:endParaRPr lang="en-US"/>
           </a:p>
         </p:txBody>
       </p:sp>
@@ -1994,7 +2002,7 @@
           <a:bodyPr/>
           <a:lstStyle/>
           <a:p>
-            <a:endParaRPr lang="en-US" dirty="0"/>
+            <a:endParaRPr lang="en-US"/>
           </a:p>
         </p:txBody>
       </p:sp>
@@ -2017,7 +2025,7 @@
               <a:rPr lang="en-US" dirty="0"/>
               <a:t>‹N›</a:t>
             </a:fld>
-            <a:endParaRPr lang="en-US" dirty="0"/>
+            <a:endParaRPr lang="en-US"/>
           </a:p>
         </p:txBody>
       </p:sp>
@@ -2061,7 +2069,7 @@
 </file>
 
 <file path=ppt/slideLayouts/slideLayout7.xml><?xml version="1.0" encoding="utf-8"?>
-<p:sldLayout xmlns:a="http://purl.oclc.org/ooxml/drawingml/main" xmlns:r="http://purl.oclc.org/ooxml/officeDocument/relationships" xmlns:p="http://purl.oclc.org/ooxml/presentationml/main" type="blank" preserve="1">
+<p:sldLayout xmlns:a="http://schemas.openxmlformats.org/drawingml/2006/main" xmlns:r="http://schemas.openxmlformats.org/officeDocument/2006/relationships" xmlns:p="http://schemas.openxmlformats.org/presentationml/2006/main" type="blank" preserve="1">
   <p:cSld name="Vuota">
     <p:spTree>
       <p:nvGrpSpPr>
@@ -2094,9 +2102,9 @@
           <a:p>
             <a:fld id="{48A87A34-81AB-432B-8DAE-1953F412C126}" type="datetimeFigureOut">
               <a:rPr lang="en-US" dirty="0"/>
-              <a:t>11/24/2021</a:t>
+              <a:t>11/25/2021</a:t>
             </a:fld>
-            <a:endParaRPr lang="en-US" dirty="0"/>
+            <a:endParaRPr lang="en-US"/>
           </a:p>
         </p:txBody>
       </p:sp>
@@ -2115,7 +2123,7 @@
           <a:bodyPr/>
           <a:lstStyle/>
           <a:p>
-            <a:endParaRPr lang="en-US" dirty="0"/>
+            <a:endParaRPr lang="en-US"/>
           </a:p>
         </p:txBody>
       </p:sp>
@@ -2138,7 +2146,7 @@
               <a:rPr lang="en-US" dirty="0"/>
               <a:t>‹N›</a:t>
             </a:fld>
-            <a:endParaRPr lang="en-US" dirty="0"/>
+            <a:endParaRPr lang="en-US"/>
           </a:p>
         </p:txBody>
       </p:sp>
@@ -2151,7 +2159,7 @@
 </file>
 
 <file path=ppt/slideLayouts/slideLayout8.xml><?xml version="1.0" encoding="utf-8"?>
-<p:sldLayout xmlns:a="http://purl.oclc.org/ooxml/drawingml/main" xmlns:r="http://purl.oclc.org/ooxml/officeDocument/relationships" xmlns:p="http://purl.oclc.org/ooxml/presentationml/main" type="objTx" preserve="1">
+<p:sldLayout xmlns:a="http://schemas.openxmlformats.org/drawingml/2006/main" xmlns:r="http://schemas.openxmlformats.org/officeDocument/2006/relationships" xmlns:p="http://schemas.openxmlformats.org/presentationml/2006/main" type="objTx" preserve="1">
   <p:cSld name="Contenuto con didascalia">
     <p:spTree>
       <p:nvGrpSpPr>
@@ -2197,7 +2205,7 @@
               <a:rPr lang="it-IT"/>
               <a:t>Fare clic per modificare lo stile del titolo dello schema</a:t>
             </a:r>
-            <a:endParaRPr lang="en-US" dirty="0"/>
+            <a:endParaRPr lang="en-US"/>
           </a:p>
         </p:txBody>
       </p:sp>
@@ -2254,7 +2262,7 @@
               <a:rPr lang="it-IT"/>
               <a:t>Quinto livello</a:t>
             </a:r>
-            <a:endParaRPr lang="en-US" dirty="0"/>
+            <a:endParaRPr lang="en-US"/>
           </a:p>
         </p:txBody>
       </p:sp>
@@ -2340,9 +2348,9 @@
           <a:p>
             <a:fld id="{48A87A34-81AB-432B-8DAE-1953F412C126}" type="datetimeFigureOut">
               <a:rPr lang="en-US" dirty="0"/>
-              <a:t>11/24/2021</a:t>
+              <a:t>11/25/2021</a:t>
             </a:fld>
-            <a:endParaRPr lang="en-US" dirty="0"/>
+            <a:endParaRPr lang="en-US"/>
           </a:p>
         </p:txBody>
       </p:sp>
@@ -2361,7 +2369,7 @@
           <a:bodyPr/>
           <a:lstStyle/>
           <a:p>
-            <a:endParaRPr lang="en-US" dirty="0"/>
+            <a:endParaRPr lang="en-US"/>
           </a:p>
         </p:txBody>
       </p:sp>
@@ -2384,7 +2392,7 @@
               <a:rPr lang="en-US" dirty="0"/>
               <a:t>‹N›</a:t>
             </a:fld>
-            <a:endParaRPr lang="en-US" dirty="0"/>
+            <a:endParaRPr lang="en-US"/>
           </a:p>
         </p:txBody>
       </p:sp>
@@ -2428,7 +2436,7 @@
 </file>
 
 <file path=ppt/slideLayouts/slideLayout9.xml><?xml version="1.0" encoding="utf-8"?>
-<p:sldLayout xmlns:a="http://purl.oclc.org/ooxml/drawingml/main" xmlns:r="http://purl.oclc.org/ooxml/officeDocument/relationships" xmlns:p="http://purl.oclc.org/ooxml/presentationml/main" type="picTx" preserve="1">
+<p:sldLayout xmlns:a="http://schemas.openxmlformats.org/drawingml/2006/main" xmlns:r="http://schemas.openxmlformats.org/officeDocument/2006/relationships" xmlns:p="http://schemas.openxmlformats.org/presentationml/2006/main" type="picTx" preserve="1">
   <p:cSld name="Immagine con didascalia">
     <p:spTree>
       <p:nvGrpSpPr>
@@ -2474,22 +2482,22 @@
             </a:prstGeom>
             <a:gradFill>
               <a:gsLst>
-                <a:gs pos="0%">
+                <a:gs pos="0">
                   <a:srgbClr val="000001"/>
                 </a:gs>
-                <a:gs pos="100%">
+                <a:gs pos="100000">
                   <a:srgbClr val="191919"/>
                 </a:gs>
               </a:gsLst>
             </a:gradFill>
             <a:ln w="76200" cmpd="sng">
               <a:noFill/>
-              <a:miter lim="800%"/>
+              <a:miter lim="800000"/>
             </a:ln>
             <a:effectLst>
-              <a:outerShdw blurRad="127000" dist="228600" dir="4740000" sx="98%" sy="98%" algn="tl" rotWithShape="0">
+              <a:outerShdw blurRad="127000" dist="228600" dir="4740000" sx="98000" sy="98000" algn="tl" rotWithShape="0">
                 <a:srgbClr val="000000">
-                  <a:alpha val="34%"/>
+                  <a:alpha val="34000"/>
                 </a:srgbClr>
               </a:outerShdw>
             </a:effectLst>
@@ -2532,10 +2540,10 @@
             </a:prstGeom>
             <a:gradFill>
               <a:gsLst>
-                <a:gs pos="0%">
+                <a:gs pos="0">
                   <a:srgbClr val="DADADA"/>
                 </a:gs>
-                <a:gs pos="100%">
+                <a:gs pos="100000">
                   <a:srgbClr val="FFFFFE"/>
                 </a:gs>
               </a:gsLst>
@@ -2545,12 +2553,12 @@
               <a:solidFill>
                 <a:srgbClr val="191919"/>
               </a:solidFill>
-              <a:miter lim="800%"/>
+              <a:miter lim="800000"/>
             </a:ln>
             <a:effectLst>
               <a:innerShdw blurRad="63500" dist="88900" dir="14100000">
                 <a:srgbClr val="000000">
-                  <a:alpha val="30%"/>
+                  <a:alpha val="30000"/>
                 </a:srgbClr>
               </a:innerShdw>
             </a:effectLst>
@@ -2608,7 +2616,7 @@
               <a:rPr lang="it-IT"/>
               <a:t>Fare clic per modificare lo stile del titolo dello schema</a:t>
             </a:r>
-            <a:endParaRPr lang="en-US" dirty="0"/>
+            <a:endParaRPr lang="en-US"/>
           </a:p>
         </p:txBody>
       </p:sp>
@@ -2629,12 +2637,12 @@
           </a:xfrm>
           <a:solidFill>
             <a:schemeClr val="bg1">
-              <a:lumMod val="85%"/>
+              <a:lumMod val="85000"/>
             </a:schemeClr>
           </a:solidFill>
           <a:ln w="9525" cap="sq">
             <a:noFill/>
-            <a:miter lim="800%"/>
+            <a:miter lim="800000"/>
           </a:ln>
           <a:effectLst/>
         </p:spPr>
@@ -2683,7 +2691,7 @@
               <a:rPr lang="it-IT"/>
               <a:t>Fare clic sull'icona per inserire un'immagine</a:t>
             </a:r>
-            <a:endParaRPr lang="en-US" dirty="0"/>
+            <a:endParaRPr lang="en-US"/>
           </a:p>
         </p:txBody>
       </p:sp>
@@ -2781,9 +2789,9 @@
             <a:fld id="{48A87A34-81AB-432B-8DAE-1953F412C126}" type="datetimeFigureOut">
               <a:rPr lang="en-US" dirty="0"/>
               <a:pPr/>
-              <a:t>11/24/2021</a:t>
+              <a:t>11/25/2021</a:t>
             </a:fld>
-            <a:endParaRPr lang="en-US" dirty="0"/>
+            <a:endParaRPr lang="en-US"/>
           </a:p>
         </p:txBody>
       </p:sp>
@@ -2807,7 +2815,7 @@
           <a:bodyPr/>
           <a:lstStyle/>
           <a:p>
-            <a:endParaRPr lang="en-US" dirty="0"/>
+            <a:endParaRPr lang="en-US"/>
           </a:p>
         </p:txBody>
       </p:sp>
@@ -2830,7 +2838,7 @@
               <a:rPr lang="en-US" dirty="0"/>
               <a:t>‹N›</a:t>
             </a:fld>
-            <a:endParaRPr lang="en-US" dirty="0"/>
+            <a:endParaRPr lang="en-US"/>
           </a:p>
         </p:txBody>
       </p:sp>
@@ -2874,7 +2882,7 @@
 </file>
 
 <file path=ppt/slideMasters/slideMaster1.xml><?xml version="1.0" encoding="utf-8"?>
-<p:sldMaster xmlns:a="http://purl.oclc.org/ooxml/drawingml/main" xmlns:r="http://purl.oclc.org/ooxml/officeDocument/relationships" xmlns:p="http://purl.oclc.org/ooxml/presentationml/main">
+<p:sldMaster xmlns:a="http://schemas.openxmlformats.org/drawingml/2006/main" xmlns:r="http://schemas.openxmlformats.org/officeDocument/2006/relationships" xmlns:p="http://schemas.openxmlformats.org/presentationml/2006/main">
   <p:cSld>
     <p:bg>
       <p:bgRef idx="1003">
@@ -2911,12 +2919,12 @@
           </a:prstGeom>
           <a:gradFill flip="none" rotWithShape="1">
             <a:gsLst>
-              <a:gs pos="0%">
+              <a:gs pos="0">
                 <a:schemeClr val="bg2">
-                  <a:alpha val="0%"/>
+                  <a:alpha val="0"/>
                 </a:schemeClr>
               </a:gs>
-              <a:gs pos="100%">
+              <a:gs pos="100000">
                 <a:schemeClr val="bg2"/>
               </a:gs>
             </a:gsLst>
@@ -2930,7 +2938,7 @@
         <p:style>
           <a:lnRef idx="2">
             <a:schemeClr val="accent1">
-              <a:shade val="50%"/>
+              <a:shade val="50000"/>
             </a:schemeClr>
           </a:lnRef>
           <a:fillRef idx="1">
@@ -2960,7 +2968,7 @@
               </a:ext>
             </a:extLst>
           </a:blip>
-          <a:srcRect t="1.538%" b="-1.538%"/>
+          <a:srcRect t="1538" b="-1538"/>
           <a:stretch/>
         </p:blipFill>
         <p:spPr bwMode="black">
@@ -3002,7 +3010,7 @@
               <a:rPr lang="it-IT"/>
               <a:t>Fare clic per modificare lo stile del titolo dello schema</a:t>
             </a:r>
-            <a:endParaRPr lang="en-US" dirty="0"/>
+            <a:endParaRPr lang="en-US"/>
           </a:p>
         </p:txBody>
       </p:sp>
@@ -3064,7 +3072,7 @@
               <a:rPr lang="it-IT"/>
               <a:t>Quinto livello</a:t>
             </a:r>
-            <a:endParaRPr lang="en-US" dirty="0"/>
+            <a:endParaRPr lang="en-US"/>
           </a:p>
         </p:txBody>
       </p:sp>
@@ -3094,7 +3102,7 @@
               <a:defRPr sz="1000">
                 <a:solidFill>
                   <a:schemeClr val="tx1">
-                    <a:tint val="75%"/>
+                    <a:tint val="75000"/>
                   </a:schemeClr>
                 </a:solidFill>
               </a:defRPr>
@@ -3104,9 +3112,9 @@
             <a:fld id="{48A87A34-81AB-432B-8DAE-1953F412C126}" type="datetimeFigureOut">
               <a:rPr lang="en-US" dirty="0"/>
               <a:pPr/>
-              <a:t>11/24/2021</a:t>
+              <a:t>11/25/2021</a:t>
             </a:fld>
-            <a:endParaRPr lang="en-US" dirty="0"/>
+            <a:endParaRPr lang="en-US"/>
           </a:p>
         </p:txBody>
       </p:sp>
@@ -3136,14 +3144,14 @@
               <a:defRPr sz="1000">
                 <a:solidFill>
                   <a:schemeClr val="tx1">
-                    <a:tint val="75%"/>
+                    <a:tint val="75000"/>
                   </a:schemeClr>
                 </a:solidFill>
               </a:defRPr>
             </a:lvl1pPr>
           </a:lstStyle>
           <a:p>
-            <a:endParaRPr lang="en-US" dirty="0"/>
+            <a:endParaRPr lang="en-US"/>
           </a:p>
         </p:txBody>
       </p:sp>
@@ -3183,7 +3191,7 @@
               <a:pPr/>
               <a:t>‹N›</a:t>
             </a:fld>
-            <a:endParaRPr lang="en-US" dirty="0"/>
+            <a:endParaRPr lang="en-US"/>
           </a:p>
         </p:txBody>
       </p:sp>
@@ -3204,7 +3212,7 @@
           <a:ln w="12700">
             <a:solidFill>
               <a:srgbClr val="000001">
-                <a:alpha val="20%"/>
+                <a:alpha val="20000"/>
               </a:srgbClr>
             </a:solidFill>
           </a:ln>
@@ -3244,10 +3252,10 @@
     <p:titleStyle>
       <a:lvl1pPr algn="l" defTabSz="914400" rtl="0" eaLnBrk="1" latinLnBrk="0" hangingPunct="1">
         <a:lnSpc>
-          <a:spcPct val="90%"/>
+          <a:spcPct val="90000"/>
         </a:lnSpc>
         <a:spcBef>
-          <a:spcPct val="0%"/>
+          <a:spcPct val="0"/>
         </a:spcBef>
         <a:buNone/>
         <a:defRPr sz="3200" b="0" i="0" kern="1200" cap="all">
@@ -3264,7 +3272,7 @@
     <p:bodyStyle>
       <a:lvl1pPr marL="228600" indent="-228600" algn="l" defTabSz="914400" rtl="0" eaLnBrk="1" latinLnBrk="0" hangingPunct="1">
         <a:lnSpc>
-          <a:spcPct val="120%"/>
+          <a:spcPct val="120000"/>
         </a:lnSpc>
         <a:spcBef>
           <a:spcPts val="1000"/>
@@ -3272,7 +3280,7 @@
         <a:buClr>
           <a:schemeClr val="accent1"/>
         </a:buClr>
-        <a:buSzPct val="100%"/>
+        <a:buSzPct val="100000"/>
         <a:buFont typeface="Arial" panose="020B0604020202020204" pitchFamily="34" charset="0"/>
         <a:buChar char="•"/>
         <a:defRPr sz="2000" kern="1200">
@@ -3287,7 +3295,7 @@
       </a:lvl1pPr>
       <a:lvl2pPr marL="685800" indent="-228600" algn="l" defTabSz="914400" rtl="0" eaLnBrk="1" latinLnBrk="0" hangingPunct="1">
         <a:lnSpc>
-          <a:spcPct val="120%"/>
+          <a:spcPct val="120000"/>
         </a:lnSpc>
         <a:spcBef>
           <a:spcPts val="500"/>
@@ -3295,10 +3303,10 @@
         <a:buClr>
           <a:schemeClr val="accent1"/>
         </a:buClr>
-        <a:buSzPct val="100%"/>
+        <a:buSzPct val="100000"/>
         <a:buFont typeface="Arial" panose="020B0604020202020204" pitchFamily="34" charset="0"/>
         <a:buChar char="•"/>
-        <a:defRPr sz="1800" kern="1200" cap="none" baseline="0%">
+        <a:defRPr sz="1800" kern="1200" cap="none" baseline="0">
           <a:solidFill>
             <a:schemeClr val="tx1"/>
           </a:solidFill>
@@ -3310,7 +3318,7 @@
       </a:lvl2pPr>
       <a:lvl3pPr marL="1143000" indent="-228600" algn="l" defTabSz="914400" rtl="0" eaLnBrk="1" latinLnBrk="0" hangingPunct="1">
         <a:lnSpc>
-          <a:spcPct val="120%"/>
+          <a:spcPct val="120000"/>
         </a:lnSpc>
         <a:spcBef>
           <a:spcPts val="500"/>
@@ -3318,7 +3326,7 @@
         <a:buClr>
           <a:schemeClr val="accent1"/>
         </a:buClr>
-        <a:buSzPct val="100%"/>
+        <a:buSzPct val="100000"/>
         <a:buFont typeface="Arial" panose="020B0604020202020204" pitchFamily="34" charset="0"/>
         <a:buChar char="•"/>
         <a:defRPr sz="1600" kern="1200">
@@ -3333,7 +3341,7 @@
       </a:lvl3pPr>
       <a:lvl4pPr marL="1600200" indent="-228600" algn="l" defTabSz="914400" rtl="0" eaLnBrk="1" latinLnBrk="0" hangingPunct="1">
         <a:lnSpc>
-          <a:spcPct val="120%"/>
+          <a:spcPct val="120000"/>
         </a:lnSpc>
         <a:spcBef>
           <a:spcPts val="500"/>
@@ -3341,10 +3349,10 @@
         <a:buClr>
           <a:schemeClr val="accent1"/>
         </a:buClr>
-        <a:buSzPct val="100%"/>
+        <a:buSzPct val="100000"/>
         <a:buFont typeface="Arial" panose="020B0604020202020204" pitchFamily="34" charset="0"/>
         <a:buChar char="•"/>
-        <a:defRPr sz="1400" kern="1200" cap="none" baseline="0%">
+        <a:defRPr sz="1400" kern="1200" cap="none" baseline="0">
           <a:solidFill>
             <a:schemeClr val="tx1"/>
           </a:solidFill>
@@ -3356,7 +3364,7 @@
       </a:lvl4pPr>
       <a:lvl5pPr marL="2057400" indent="-228600" algn="l" defTabSz="914400" rtl="0" eaLnBrk="1" latinLnBrk="0" hangingPunct="1">
         <a:lnSpc>
-          <a:spcPct val="120%"/>
+          <a:spcPct val="120000"/>
         </a:lnSpc>
         <a:spcBef>
           <a:spcPts val="500"/>
@@ -3364,7 +3372,7 @@
         <a:buClr>
           <a:schemeClr val="accent1"/>
         </a:buClr>
-        <a:buSzPct val="100%"/>
+        <a:buSzPct val="100000"/>
         <a:buFont typeface="Arial" panose="020B0604020202020204" pitchFamily="34" charset="0"/>
         <a:buChar char="•"/>
         <a:defRPr sz="1200" kern="1200">
@@ -3379,7 +3387,7 @@
       </a:lvl5pPr>
       <a:lvl6pPr marL="2514600" indent="-228600" algn="l" defTabSz="914400" rtl="0" eaLnBrk="1" latinLnBrk="0" hangingPunct="1">
         <a:lnSpc>
-          <a:spcPct val="120%"/>
+          <a:spcPct val="120000"/>
         </a:lnSpc>
         <a:spcBef>
           <a:spcPts val="500"/>
@@ -3387,7 +3395,7 @@
         <a:buClr>
           <a:schemeClr val="accent1"/>
         </a:buClr>
-        <a:buSzPct val="100%"/>
+        <a:buSzPct val="100000"/>
         <a:buFont typeface="Arial" panose="020B0604020202020204" pitchFamily="34" charset="0"/>
         <a:buChar char="•"/>
         <a:defRPr sz="1200" kern="1200">
@@ -3402,7 +3410,7 @@
       </a:lvl6pPr>
       <a:lvl7pPr marL="2971800" indent="-228600" algn="l" defTabSz="914400" rtl="0" eaLnBrk="1" latinLnBrk="0" hangingPunct="1">
         <a:lnSpc>
-          <a:spcPct val="120%"/>
+          <a:spcPct val="120000"/>
         </a:lnSpc>
         <a:spcBef>
           <a:spcPts val="500"/>
@@ -3410,7 +3418,7 @@
         <a:buClr>
           <a:schemeClr val="accent1"/>
         </a:buClr>
-        <a:buSzPct val="100%"/>
+        <a:buSzPct val="100000"/>
         <a:buFont typeface="Arial" panose="020B0604020202020204" pitchFamily="34" charset="0"/>
         <a:buChar char="•"/>
         <a:defRPr sz="1200" kern="1200">
@@ -3425,7 +3433,7 @@
       </a:lvl7pPr>
       <a:lvl8pPr marL="3429000" indent="-228600" algn="l" defTabSz="914400" rtl="0" eaLnBrk="1" latinLnBrk="0" hangingPunct="1">
         <a:lnSpc>
-          <a:spcPct val="120%"/>
+          <a:spcPct val="120000"/>
         </a:lnSpc>
         <a:spcBef>
           <a:spcPts val="500"/>
@@ -3433,10 +3441,10 @@
         <a:buClr>
           <a:schemeClr val="accent1"/>
         </a:buClr>
-        <a:buSzPct val="100%"/>
+        <a:buSzPct val="100000"/>
         <a:buFont typeface="Arial" panose="020B0604020202020204" pitchFamily="34" charset="0"/>
         <a:buChar char="•"/>
-        <a:defRPr sz="1200" kern="1200" baseline="0%">
+        <a:defRPr sz="1200" kern="1200" baseline="0">
           <a:solidFill>
             <a:schemeClr val="tx1"/>
           </a:solidFill>
@@ -3448,7 +3456,7 @@
       </a:lvl8pPr>
       <a:lvl9pPr marL="3886200" indent="-228600" algn="l" defTabSz="914400" rtl="0" eaLnBrk="1" latinLnBrk="0" hangingPunct="1">
         <a:lnSpc>
-          <a:spcPct val="120%"/>
+          <a:spcPct val="120000"/>
         </a:lnSpc>
         <a:spcBef>
           <a:spcPts val="500"/>
@@ -3456,10 +3464,10 @@
         <a:buClr>
           <a:schemeClr val="accent1"/>
         </a:buClr>
-        <a:buSzPct val="100%"/>
+        <a:buSzPct val="100000"/>
         <a:buFont typeface="Arial" panose="020B0604020202020204" pitchFamily="34" charset="0"/>
         <a:buChar char="•"/>
-        <a:defRPr sz="1200" kern="1200" baseline="0%">
+        <a:defRPr sz="1200" kern="1200" baseline="0">
           <a:solidFill>
             <a:schemeClr val="tx1"/>
           </a:solidFill>
@@ -3570,7 +3578,7 @@
 </file>
 
 <file path=ppt/slides/slide1.xml><?xml version="1.0" encoding="utf-8"?>
-<p:sld xmlns:a="http://purl.oclc.org/ooxml/drawingml/main" xmlns:r="http://purl.oclc.org/ooxml/officeDocument/relationships" xmlns:p="http://purl.oclc.org/ooxml/presentationml/main">
+<p:sld xmlns:a="http://schemas.openxmlformats.org/drawingml/2006/main" xmlns:r="http://schemas.openxmlformats.org/officeDocument/2006/relationships" xmlns:p="http://schemas.openxmlformats.org/presentationml/2006/main">
   <p:cSld>
     <p:spTree>
       <p:nvGrpSpPr>
@@ -3605,17 +3613,17 @@
         <p:spPr/>
         <p:txBody>
           <a:bodyPr>
-            <a:normAutofit fontScale="90%"/>
+            <a:normAutofit fontScale="90000"/>
           </a:bodyPr>
           <a:lstStyle/>
           <a:p>
             <a:r>
-              <a:rPr lang="en-US" dirty="0" err="1"/>
+              <a:rPr lang="en-US" err="1"/>
               <a:t>IcUB</a:t>
             </a:r>
             <a:r>
-              <a:rPr lang="en-US" dirty="0"/>
-              <a:t> Skin – GUI and High level software</a:t>
+              <a:rPr lang="en-US"/>
+              <a:t> Skin – From Hardware to High level software</a:t>
             </a:r>
           </a:p>
         </p:txBody>
@@ -3641,6 +3649,10 @@
           <a:bodyPr/>
           <a:lstStyle/>
           <a:p>
+            <a:r>
+              <a:rPr lang="en-US" dirty="0"/>
+              <a:t>Simeone Dussoni &amp; </a:t>
+            </a:r>
             <a:r>
               <a:rPr lang="en-US" dirty="0" err="1"/>
               <a:t>Nicolò</a:t>
@@ -3696,7 +3708,7 @@
 </file>
 
 <file path=ppt/slides/slide10.xml><?xml version="1.0" encoding="utf-8"?>
-<p:sld xmlns:a="http://purl.oclc.org/ooxml/drawingml/main" xmlns:r="http://purl.oclc.org/ooxml/officeDocument/relationships" xmlns:p="http://purl.oclc.org/ooxml/presentationml/main">
+<p:sld xmlns:a="http://schemas.openxmlformats.org/drawingml/2006/main" xmlns:r="http://schemas.openxmlformats.org/officeDocument/2006/relationships" xmlns:p="http://schemas.openxmlformats.org/presentationml/2006/main">
   <p:cSld>
     <p:spTree>
       <p:nvGrpSpPr>
@@ -3734,458 +3746,12 @@
           <a:lstStyle/>
           <a:p>
             <a:r>
-              <a:rPr lang="en-US" dirty="0" err="1"/>
-              <a:t>icubskingui</a:t>
-            </a:r>
-            <a:endParaRPr lang="en-US" dirty="0"/>
-          </a:p>
-        </p:txBody>
-      </p:sp>
-      <p:pic>
-        <p:nvPicPr>
-          <p:cNvPr id="5" name="Picture 2" descr="A close up of a sign&#10;&#10;Description automatically generated">
-            <a:extLst>
-              <a:ext uri="{FF2B5EF4-FFF2-40B4-BE49-F238E27FC236}">
-                <a16:creationId xmlns:a16="http://schemas.microsoft.com/office/drawing/2014/main" id="{445DAE2F-ECE5-43AE-BC57-3A0B3C0FF7CB}"/>
-              </a:ext>
-            </a:extLst>
-          </p:cNvPr>
-          <p:cNvPicPr>
-            <a:picLocks noChangeAspect="1"/>
-          </p:cNvPicPr>
-          <p:nvPr/>
-        </p:nvPicPr>
-        <p:blipFill>
-          <a:blip r:embed="rId2"/>
-          <a:stretch>
-            <a:fillRect/>
-          </a:stretch>
-        </p:blipFill>
-        <p:spPr>
-          <a:xfrm>
-            <a:off x="10756810" y="0"/>
-            <a:ext cx="1639471" cy="1639471"/>
-          </a:xfrm>
-          <a:prstGeom prst="rect">
-            <a:avLst/>
-          </a:prstGeom>
-        </p:spPr>
-      </p:pic>
-      <p:sp>
-        <p:nvSpPr>
-          <p:cNvPr id="3" name="Segnaposto contenuto 2">
-            <a:extLst>
-              <a:ext uri="{FF2B5EF4-FFF2-40B4-BE49-F238E27FC236}">
-                <a16:creationId xmlns:a16="http://schemas.microsoft.com/office/drawing/2014/main" id="{BBC08A79-9DFF-4C3F-B977-9C7CED9AB5C0}"/>
-              </a:ext>
-            </a:extLst>
-          </p:cNvPr>
-          <p:cNvSpPr>
-            <a:spLocks noGrp="1"/>
-          </p:cNvSpPr>
-          <p:nvPr>
-            <p:ph idx="1"/>
-          </p:nvPr>
-        </p:nvSpPr>
-        <p:spPr>
-          <a:xfrm>
-            <a:off x="6096000" y="1950609"/>
-            <a:ext cx="4447435" cy="3450613"/>
-          </a:xfrm>
-        </p:spPr>
-        <p:txBody>
-          <a:bodyPr/>
-          <a:lstStyle/>
-          <a:p>
-            <a:pPr marL="0" indent="0">
-              <a:buNone/>
-            </a:pPr>
-            <a:r>
-              <a:rPr lang="en-US" i="1" dirty="0" err="1"/>
-              <a:t>iCubSkinGui</a:t>
-            </a:r>
-            <a:r>
-              <a:rPr lang="en-US" dirty="0"/>
-              <a:t> is a GUI to display the output of fingertips/skin tactile sensors.</a:t>
-            </a:r>
-          </a:p>
-          <a:p>
-            <a:pPr marL="0" indent="0">
-              <a:buNone/>
-            </a:pPr>
-            <a:r>
-              <a:rPr lang="en-US" dirty="0"/>
-              <a:t>It is defined by the configuration files located in</a:t>
-            </a:r>
-          </a:p>
-          <a:p>
-            <a:pPr marL="0" indent="0">
-              <a:buNone/>
-            </a:pPr>
-            <a:r>
-              <a:rPr lang="en-US" dirty="0" err="1"/>
-              <a:t>icub</a:t>
-            </a:r>
-            <a:r>
-              <a:rPr lang="en-US" dirty="0"/>
-              <a:t>-main/apps/</a:t>
-            </a:r>
-            <a:r>
-              <a:rPr lang="en-US" dirty="0" err="1"/>
-              <a:t>skinGui</a:t>
-            </a:r>
-            <a:r>
-              <a:rPr lang="en-US" dirty="0"/>
-              <a:t>/conf/</a:t>
-            </a:r>
-            <a:r>
-              <a:rPr lang="en-US" dirty="0" err="1"/>
-              <a:t>skinGui</a:t>
-            </a:r>
-            <a:r>
-              <a:rPr lang="en-US" dirty="0"/>
-              <a:t>.</a:t>
-            </a:r>
-          </a:p>
-        </p:txBody>
-      </p:sp>
-      <p:pic>
-        <p:nvPicPr>
-          <p:cNvPr id="3074" name="Picture 2" descr="Image">
-            <a:extLst>
-              <a:ext uri="{FF2B5EF4-FFF2-40B4-BE49-F238E27FC236}">
-                <a16:creationId xmlns:a16="http://schemas.microsoft.com/office/drawing/2014/main" id="{EC567765-80FE-403B-8C9B-B03C11EAFB1E}"/>
-              </a:ext>
-            </a:extLst>
-          </p:cNvPr>
-          <p:cNvPicPr>
-            <a:picLocks noChangeAspect="1" noChangeArrowheads="1"/>
-          </p:cNvPicPr>
-          <p:nvPr/>
-        </p:nvPicPr>
-        <p:blipFill>
-          <a:blip r:embed="rId3">
-            <a:extLst>
-              <a:ext uri="{28A0092B-C50C-407E-A947-70E740481C1C}">
-                <a14:useLocalDpi xmlns:a14="http://schemas.microsoft.com/office/drawing/2010/main" val="0"/>
-              </a:ext>
-            </a:extLst>
-          </a:blip>
-          <a:srcRect/>
-          <a:stretch>
-            <a:fillRect/>
-          </a:stretch>
-        </p:blipFill>
-        <p:spPr bwMode="auto">
-          <a:xfrm>
-            <a:off x="1328615" y="1950609"/>
-            <a:ext cx="4694115" cy="3852313"/>
-          </a:xfrm>
-          <a:prstGeom prst="rect">
-            <a:avLst/>
-          </a:prstGeom>
-          <a:noFill/>
-          <a:extLst>
-            <a:ext uri="{909E8E84-426E-40DD-AFC4-6F175D3DCCD1}">
-              <a14:hiddenFill xmlns:a14="http://schemas.microsoft.com/office/drawing/2010/main">
-                <a:solidFill>
-                  <a:srgbClr val="FFFFFF"/>
-                </a:solidFill>
-              </a14:hiddenFill>
-            </a:ext>
-          </a:extLst>
-        </p:spPr>
-      </p:pic>
-    </p:spTree>
-    <p:extLst>
-      <p:ext uri="{BB962C8B-B14F-4D97-AF65-F5344CB8AC3E}">
-        <p14:creationId xmlns:p14="http://schemas.microsoft.com/office/powerpoint/2010/main" val="685961193"/>
-      </p:ext>
-    </p:extLst>
-  </p:cSld>
-  <p:clrMapOvr>
-    <a:masterClrMapping/>
-  </p:clrMapOvr>
-</p:sld>
-</file>
-
-<file path=ppt/slides/slide11.xml><?xml version="1.0" encoding="utf-8"?>
-<p:sld xmlns:a="http://purl.oclc.org/ooxml/drawingml/main" xmlns:r="http://purl.oclc.org/ooxml/officeDocument/relationships" xmlns:p="http://purl.oclc.org/ooxml/presentationml/main">
-  <p:cSld>
-    <p:spTree>
-      <p:nvGrpSpPr>
-        <p:cNvPr id="1" name=""/>
-        <p:cNvGrpSpPr/>
-        <p:nvPr/>
-      </p:nvGrpSpPr>
-      <p:grpSpPr>
-        <a:xfrm>
-          <a:off x="0" y="0"/>
-          <a:ext cx="0" cy="0"/>
-          <a:chOff x="0" y="0"/>
-          <a:chExt cx="0" cy="0"/>
-        </a:xfrm>
-      </p:grpSpPr>
-      <p:sp>
-        <p:nvSpPr>
-          <p:cNvPr id="2" name="Titolo 1">
-            <a:extLst>
-              <a:ext uri="{FF2B5EF4-FFF2-40B4-BE49-F238E27FC236}">
-                <a16:creationId xmlns:a16="http://schemas.microsoft.com/office/drawing/2014/main" id="{96966719-826B-4DBF-AD56-D3B3DC0FDBD4}"/>
-              </a:ext>
-            </a:extLst>
-          </p:cNvPr>
-          <p:cNvSpPr>
-            <a:spLocks noGrp="1"/>
-          </p:cNvSpPr>
-          <p:nvPr>
-            <p:ph type="title"/>
-          </p:nvPr>
-        </p:nvSpPr>
-        <p:spPr/>
-        <p:txBody>
-          <a:bodyPr/>
-          <a:lstStyle/>
-          <a:p>
-            <a:r>
-              <a:rPr lang="en-US" dirty="0"/>
-              <a:t>Run skin on the robot</a:t>
-            </a:r>
-          </a:p>
-        </p:txBody>
-      </p:sp>
-      <p:pic>
-        <p:nvPicPr>
-          <p:cNvPr id="5" name="Picture 2" descr="A close up of a sign&#10;&#10;Description automatically generated">
-            <a:extLst>
-              <a:ext uri="{FF2B5EF4-FFF2-40B4-BE49-F238E27FC236}">
-                <a16:creationId xmlns:a16="http://schemas.microsoft.com/office/drawing/2014/main" id="{445DAE2F-ECE5-43AE-BC57-3A0B3C0FF7CB}"/>
-              </a:ext>
-            </a:extLst>
-          </p:cNvPr>
-          <p:cNvPicPr>
-            <a:picLocks noChangeAspect="1"/>
-          </p:cNvPicPr>
-          <p:nvPr/>
-        </p:nvPicPr>
-        <p:blipFill>
-          <a:blip r:embed="rId2"/>
-          <a:stretch>
-            <a:fillRect/>
-          </a:stretch>
-        </p:blipFill>
-        <p:spPr>
-          <a:xfrm>
-            <a:off x="10756810" y="0"/>
-            <a:ext cx="1639471" cy="1639471"/>
-          </a:xfrm>
-          <a:prstGeom prst="rect">
-            <a:avLst/>
-          </a:prstGeom>
-        </p:spPr>
-      </p:pic>
-      <p:sp>
-        <p:nvSpPr>
-          <p:cNvPr id="3" name="Segnaposto contenuto 2">
-            <a:extLst>
-              <a:ext uri="{FF2B5EF4-FFF2-40B4-BE49-F238E27FC236}">
-                <a16:creationId xmlns:a16="http://schemas.microsoft.com/office/drawing/2014/main" id="{BBC08A79-9DFF-4C3F-B977-9C7CED9AB5C0}"/>
-              </a:ext>
-            </a:extLst>
-          </p:cNvPr>
-          <p:cNvSpPr>
-            <a:spLocks noGrp="1"/>
-          </p:cNvSpPr>
-          <p:nvPr>
-            <p:ph idx="1"/>
-          </p:nvPr>
-        </p:nvSpPr>
-        <p:spPr>
-          <a:xfrm>
-            <a:off x="1406388" y="1950609"/>
-            <a:ext cx="3379303" cy="3450613"/>
-          </a:xfrm>
-        </p:spPr>
-        <p:txBody>
-          <a:bodyPr>
-            <a:normAutofit lnSpcReduction="10%"/>
-          </a:bodyPr>
-          <a:lstStyle/>
-          <a:p>
-            <a:pPr marL="0" indent="0">
-              <a:buNone/>
-            </a:pPr>
-            <a:r>
-              <a:rPr lang="en-US" dirty="0"/>
-              <a:t>In order to have the skin working on the robot, the relative devices has to be launched through </a:t>
-            </a:r>
-            <a:r>
-              <a:rPr lang="en-US" i="1" dirty="0" err="1"/>
-              <a:t>yarprobotinterface</a:t>
-            </a:r>
-            <a:r>
-              <a:rPr lang="en-US" i="1" dirty="0"/>
-              <a:t>. </a:t>
-            </a:r>
-            <a:r>
-              <a:rPr lang="en-US" dirty="0"/>
-              <a:t>Once done that, running the </a:t>
-            </a:r>
-            <a:r>
-              <a:rPr lang="en-US" i="1" dirty="0"/>
-              <a:t>“Skin” </a:t>
-            </a:r>
-            <a:r>
-              <a:rPr lang="en-US" dirty="0"/>
-              <a:t>application in </a:t>
-            </a:r>
-            <a:r>
-              <a:rPr lang="en-US" i="1" dirty="0" err="1"/>
-              <a:t>yarpmanager</a:t>
-            </a:r>
-            <a:r>
-              <a:rPr lang="en-US" i="1" dirty="0"/>
-              <a:t>,</a:t>
-            </a:r>
-            <a:r>
-              <a:rPr lang="en-US" dirty="0"/>
-              <a:t> it launch </a:t>
-            </a:r>
-            <a:r>
-              <a:rPr lang="en-US" dirty="0" err="1"/>
+              <a:rPr lang="en-US" err="1"/>
               <a:t>SkinManager</a:t>
             </a:r>
             <a:r>
-              <a:rPr lang="en-US" dirty="0"/>
-              <a:t>, </a:t>
-            </a:r>
-            <a:r>
-              <a:rPr lang="en-US" dirty="0" err="1"/>
-              <a:t>SkinManagerGui</a:t>
-            </a:r>
-            <a:r>
-              <a:rPr lang="en-US" dirty="0"/>
-              <a:t> and all the </a:t>
-            </a:r>
-            <a:r>
-              <a:rPr lang="en-US" dirty="0" err="1"/>
-              <a:t>iCubSkinGuis</a:t>
-            </a:r>
-            <a:r>
-              <a:rPr lang="en-US" dirty="0"/>
-              <a:t>.</a:t>
-            </a:r>
-            <a:endParaRPr lang="en-US" i="1" dirty="0"/>
-          </a:p>
-          <a:p>
-            <a:pPr marL="0" indent="0">
-              <a:buNone/>
-            </a:pPr>
-            <a:endParaRPr lang="en-US" i="1" dirty="0"/>
-          </a:p>
-        </p:txBody>
-      </p:sp>
-      <p:pic>
-        <p:nvPicPr>
-          <p:cNvPr id="6" name="Picture 2" descr="Image">
-            <a:extLst>
-              <a:ext uri="{FF2B5EF4-FFF2-40B4-BE49-F238E27FC236}">
-                <a16:creationId xmlns:a16="http://schemas.microsoft.com/office/drawing/2014/main" id="{5CDA2214-AC81-4A96-B783-62AEBF5201A8}"/>
-              </a:ext>
-            </a:extLst>
-          </p:cNvPr>
-          <p:cNvPicPr>
-            <a:picLocks noChangeAspect="1" noChangeArrowheads="1"/>
-          </p:cNvPicPr>
-          <p:nvPr/>
-        </p:nvPicPr>
-        <p:blipFill>
-          <a:blip r:embed="rId3">
-            <a:extLst>
-              <a:ext uri="{28A0092B-C50C-407E-A947-70E740481C1C}">
-                <a14:useLocalDpi xmlns:a14="http://schemas.microsoft.com/office/drawing/2010/main" val="0"/>
-              </a:ext>
-            </a:extLst>
-          </a:blip>
-          <a:srcRect/>
-          <a:stretch>
-            <a:fillRect/>
-          </a:stretch>
-        </p:blipFill>
-        <p:spPr bwMode="auto">
-          <a:xfrm>
-            <a:off x="4735111" y="1896083"/>
-            <a:ext cx="6858885" cy="3966053"/>
-          </a:xfrm>
-          <a:prstGeom prst="rect">
-            <a:avLst/>
-          </a:prstGeom>
-          <a:noFill/>
-          <a:extLst>
-            <a:ext uri="{909E8E84-426E-40DD-AFC4-6F175D3DCCD1}">
-              <a14:hiddenFill xmlns:a14="http://schemas.microsoft.com/office/drawing/2010/main">
-                <a:solidFill>
-                  <a:srgbClr val="FFFFFF"/>
-                </a:solidFill>
-              </a14:hiddenFill>
-            </a:ext>
-          </a:extLst>
-        </p:spPr>
-      </p:pic>
-    </p:spTree>
-    <p:extLst>
-      <p:ext uri="{BB962C8B-B14F-4D97-AF65-F5344CB8AC3E}">
-        <p14:creationId xmlns:p14="http://schemas.microsoft.com/office/powerpoint/2010/main" val="3073500028"/>
-      </p:ext>
-    </p:extLst>
-  </p:cSld>
-  <p:clrMapOvr>
-    <a:masterClrMapping/>
-  </p:clrMapOvr>
-</p:sld>
-</file>
-
-<file path=ppt/slides/slide2.xml><?xml version="1.0" encoding="utf-8"?>
-<p:sld xmlns:a="http://purl.oclc.org/ooxml/drawingml/main" xmlns:r="http://purl.oclc.org/ooxml/officeDocument/relationships" xmlns:p="http://purl.oclc.org/ooxml/presentationml/main">
-  <p:cSld>
-    <p:spTree>
-      <p:nvGrpSpPr>
-        <p:cNvPr id="1" name=""/>
-        <p:cNvGrpSpPr/>
-        <p:nvPr/>
-      </p:nvGrpSpPr>
-      <p:grpSpPr>
-        <a:xfrm>
-          <a:off x="0" y="0"/>
-          <a:ext cx="0" cy="0"/>
-          <a:chOff x="0" y="0"/>
-          <a:chExt cx="0" cy="0"/>
-        </a:xfrm>
-      </p:grpSpPr>
-      <p:sp>
-        <p:nvSpPr>
-          <p:cNvPr id="2" name="Titolo 1">
-            <a:extLst>
-              <a:ext uri="{FF2B5EF4-FFF2-40B4-BE49-F238E27FC236}">
-                <a16:creationId xmlns:a16="http://schemas.microsoft.com/office/drawing/2014/main" id="{96966719-826B-4DBF-AD56-D3B3DC0FDBD4}"/>
-              </a:ext>
-            </a:extLst>
-          </p:cNvPr>
-          <p:cNvSpPr>
-            <a:spLocks noGrp="1"/>
-          </p:cNvSpPr>
-          <p:nvPr>
-            <p:ph type="title"/>
-          </p:nvPr>
-        </p:nvSpPr>
-        <p:spPr/>
-        <p:txBody>
-          <a:bodyPr/>
-          <a:lstStyle/>
-          <a:p>
-            <a:r>
-              <a:rPr lang="en-US" dirty="0"/>
-              <a:t>Introduction</a:t>
+              <a:rPr lang="en-US"/>
+              <a:t> - Touch threshold</a:t>
             </a:r>
           </a:p>
         </p:txBody>
@@ -4215,984 +3781,79 @@
               <a:buNone/>
             </a:pPr>
             <a:r>
-              <a:rPr lang="en-US" dirty="0"/>
+              <a:rPr lang="en-US"/>
+              <a:t>Each skin </a:t>
+            </a:r>
+            <a:r>
+              <a:rPr lang="en-US" err="1"/>
+              <a:t>taxel</a:t>
+            </a:r>
+            <a:r>
+              <a:rPr lang="en-US"/>
+              <a:t> is subject to a different noise hence the touch threshold should be different </a:t>
+            </a:r>
+            <a:br>
+              <a:rPr lang="en-US"/>
+            </a:br>
+            <a:r>
+              <a:rPr lang="en-US"/>
+              <a:t>for each </a:t>
+            </a:r>
+            <a:r>
+              <a:rPr lang="en-US" err="1"/>
+              <a:t>taxel</a:t>
+            </a:r>
+            <a:r>
+              <a:rPr lang="en-US"/>
+              <a:t>. </a:t>
+            </a:r>
+            <a:br>
+              <a:rPr lang="en-US"/>
+            </a:br>
+            <a:r>
+              <a:rPr lang="en-US"/>
               <a:t>The </a:t>
             </a:r>
             <a:r>
-              <a:rPr lang="en-US" dirty="0" err="1"/>
-              <a:t>iCub</a:t>
-            </a:r>
-            <a:r>
-              <a:rPr lang="en-US" dirty="0"/>
-              <a:t> skin is divided in patches, that identifies the robot’s parts like forearm, </a:t>
-            </a:r>
-            <a:r>
-              <a:rPr lang="en-US" dirty="0" err="1"/>
-              <a:t>upperarm</a:t>
-            </a:r>
-            <a:r>
-              <a:rPr lang="en-US" dirty="0"/>
-              <a:t>, hand etc.</a:t>
-            </a:r>
-          </a:p>
-          <a:p>
-            <a:pPr marL="0" indent="0">
-              <a:buNone/>
-            </a:pPr>
-            <a:r>
-              <a:rPr lang="en-US" dirty="0"/>
-              <a:t>The data of the skin is streamed at 50Hz, each patch:</a:t>
-            </a:r>
-          </a:p>
-          <a:p>
-            <a:r>
-              <a:rPr lang="en-US" dirty="0"/>
-              <a:t>Has its own microcontroller</a:t>
-            </a:r>
-          </a:p>
-          <a:p>
-            <a:r>
-              <a:rPr lang="en-US" dirty="0"/>
-              <a:t>Can read at most 192 values(16 triangles)</a:t>
-            </a:r>
-          </a:p>
-          <a:p>
-            <a:r>
-              <a:rPr lang="en-US" dirty="0"/>
-              <a:t>Is organized in triangular modules, each triangle contains 12 </a:t>
-            </a:r>
-            <a:r>
-              <a:rPr lang="en-US" dirty="0" err="1"/>
-              <a:t>taxels</a:t>
-            </a:r>
-            <a:r>
-              <a:rPr lang="en-US" dirty="0"/>
-              <a:t>.</a:t>
-            </a:r>
-          </a:p>
-        </p:txBody>
-      </p:sp>
-      <p:pic>
-        <p:nvPicPr>
-          <p:cNvPr id="4" name="Picture 3">
-            <a:extLst>
-              <a:ext uri="{FF2B5EF4-FFF2-40B4-BE49-F238E27FC236}">
-                <a16:creationId xmlns:a16="http://schemas.microsoft.com/office/drawing/2014/main" id="{687F6B15-EB3D-4E68-B363-D95B64F14970}"/>
-              </a:ext>
-            </a:extLst>
-          </p:cNvPr>
-          <p:cNvPicPr>
-            <a:picLocks noChangeAspect="1"/>
-          </p:cNvPicPr>
-          <p:nvPr/>
-        </p:nvPicPr>
-        <p:blipFill>
-          <a:blip r:embed="rId2">
-            <a:extLst>
-              <a:ext uri="{BEBA8EAE-BF5A-486C-A8C5-ECC9F3942E4B}">
-                <a14:imgProps xmlns:a14="http://schemas.microsoft.com/office/drawing/2010/main">
-                  <a14:imgLayer r:embed="rId3">
-                    <a14:imgEffect>
-                      <a14:saturation sat="200%"/>
-                    </a14:imgEffect>
-                    <a14:imgEffect>
-                      <a14:brightnessContrast bright="20%"/>
-                    </a14:imgEffect>
-                  </a14:imgLayer>
-                </a14:imgProps>
-              </a:ext>
-            </a:extLst>
-          </a:blip>
-          <a:stretch>
-            <a:fillRect/>
-          </a:stretch>
-        </p:blipFill>
-        <p:spPr>
-          <a:xfrm>
-            <a:off x="9230242" y="3586982"/>
-            <a:ext cx="1881707" cy="1777775"/>
-          </a:xfrm>
-          <a:prstGeom prst="rect">
-            <a:avLst/>
-          </a:prstGeom>
-          <a:ln w="38100">
-            <a:solidFill>
-              <a:srgbClr val="FF0000"/>
-            </a:solidFill>
-          </a:ln>
-        </p:spPr>
-      </p:pic>
-      <p:pic>
-        <p:nvPicPr>
-          <p:cNvPr id="5" name="Picture 2" descr="A close up of a sign&#10;&#10;Description automatically generated">
-            <a:extLst>
-              <a:ext uri="{FF2B5EF4-FFF2-40B4-BE49-F238E27FC236}">
-                <a16:creationId xmlns:a16="http://schemas.microsoft.com/office/drawing/2014/main" id="{445DAE2F-ECE5-43AE-BC57-3A0B3C0FF7CB}"/>
-              </a:ext>
-            </a:extLst>
-          </p:cNvPr>
-          <p:cNvPicPr>
-            <a:picLocks noChangeAspect="1"/>
-          </p:cNvPicPr>
-          <p:nvPr/>
-        </p:nvPicPr>
-        <p:blipFill>
-          <a:blip r:embed="rId4"/>
-          <a:stretch>
-            <a:fillRect/>
-          </a:stretch>
-        </p:blipFill>
-        <p:spPr>
-          <a:xfrm>
-            <a:off x="10756810" y="0"/>
-            <a:ext cx="1639471" cy="1639471"/>
-          </a:xfrm>
-          <a:prstGeom prst="rect">
-            <a:avLst/>
-          </a:prstGeom>
-        </p:spPr>
-      </p:pic>
-    </p:spTree>
-    <p:extLst>
-      <p:ext uri="{BB962C8B-B14F-4D97-AF65-F5344CB8AC3E}">
-        <p14:creationId xmlns:p14="http://schemas.microsoft.com/office/powerpoint/2010/main" val="3824664084"/>
-      </p:ext>
-    </p:extLst>
-  </p:cSld>
-  <p:clrMapOvr>
-    <a:masterClrMapping/>
-  </p:clrMapOvr>
-</p:sld>
-</file>
-
-<file path=ppt/slides/slide3.xml><?xml version="1.0" encoding="utf-8"?>
-<p:sld xmlns:a="http://purl.oclc.org/ooxml/drawingml/main" xmlns:r="http://purl.oclc.org/ooxml/officeDocument/relationships" xmlns:p="http://purl.oclc.org/ooxml/presentationml/main">
-  <p:cSld>
-    <p:spTree>
-      <p:nvGrpSpPr>
-        <p:cNvPr id="1" name=""/>
-        <p:cNvGrpSpPr/>
-        <p:nvPr/>
-      </p:nvGrpSpPr>
-      <p:grpSpPr>
-        <a:xfrm>
-          <a:off x="0" y="0"/>
-          <a:ext cx="0" cy="0"/>
-          <a:chOff x="0" y="0"/>
-          <a:chExt cx="0" cy="0"/>
-        </a:xfrm>
-      </p:grpSpPr>
-      <p:sp>
-        <p:nvSpPr>
-          <p:cNvPr id="2" name="Titolo 1">
-            <a:extLst>
-              <a:ext uri="{FF2B5EF4-FFF2-40B4-BE49-F238E27FC236}">
-                <a16:creationId xmlns:a16="http://schemas.microsoft.com/office/drawing/2014/main" id="{96966719-826B-4DBF-AD56-D3B3DC0FDBD4}"/>
-              </a:ext>
-            </a:extLst>
-          </p:cNvPr>
-          <p:cNvSpPr>
-            <a:spLocks noGrp="1"/>
-          </p:cNvSpPr>
-          <p:nvPr>
-            <p:ph type="title"/>
-          </p:nvPr>
-        </p:nvSpPr>
-        <p:spPr/>
-        <p:txBody>
-          <a:bodyPr/>
-          <a:lstStyle/>
-          <a:p>
-            <a:r>
-              <a:rPr lang="en-US" dirty="0"/>
-              <a:t>skin output</a:t>
-            </a:r>
-          </a:p>
-        </p:txBody>
-      </p:sp>
-      <p:sp>
-        <p:nvSpPr>
-          <p:cNvPr id="3" name="Segnaposto contenuto 2">
-            <a:extLst>
-              <a:ext uri="{FF2B5EF4-FFF2-40B4-BE49-F238E27FC236}">
-                <a16:creationId xmlns:a16="http://schemas.microsoft.com/office/drawing/2014/main" id="{A1DA1AC7-F5BA-4E6A-B800-4865F045D68E}"/>
-              </a:ext>
-            </a:extLst>
-          </p:cNvPr>
-          <p:cNvSpPr>
-            <a:spLocks noGrp="1"/>
-          </p:cNvSpPr>
-          <p:nvPr>
-            <p:ph idx="1"/>
-          </p:nvPr>
-        </p:nvSpPr>
-        <p:spPr/>
-        <p:txBody>
-          <a:bodyPr>
-            <a:normAutofit/>
-          </a:bodyPr>
-          <a:lstStyle/>
-          <a:p>
-            <a:pPr marL="0" indent="0">
-              <a:buNone/>
-            </a:pPr>
-            <a:r>
-              <a:rPr lang="en-US" dirty="0"/>
-              <a:t>The </a:t>
-            </a:r>
-            <a:r>
-              <a:rPr lang="en-US" dirty="0" err="1"/>
-              <a:t>taxel</a:t>
-            </a:r>
-            <a:r>
-              <a:rPr lang="en-US" dirty="0"/>
-              <a:t> output can be read </a:t>
-            </a:r>
-            <a:r>
-              <a:rPr lang="en-US" b="1" dirty="0"/>
-              <a:t>raw</a:t>
-            </a:r>
-            <a:r>
-              <a:rPr lang="en-US" dirty="0"/>
-              <a:t> or </a:t>
-            </a:r>
-            <a:r>
-              <a:rPr lang="en-US" b="1" dirty="0"/>
-              <a:t>compensated</a:t>
-            </a:r>
-            <a:r>
-              <a:rPr lang="en-US" dirty="0"/>
-              <a:t>. The output </a:t>
-            </a:r>
-            <a:r>
-              <a:rPr lang="en-US" b="1" dirty="0"/>
-              <a:t>raw</a:t>
-            </a:r>
-            <a:r>
-              <a:rPr lang="en-US" dirty="0"/>
-              <a:t> is expressed by a byte, 240 (i.e. 0xF0) is the value when there is no pressure. When a pressure is applied, the value is </a:t>
-            </a:r>
-            <a:r>
-              <a:rPr lang="en-US" b="1" dirty="0"/>
-              <a:t>decreased</a:t>
-            </a:r>
-            <a:r>
-              <a:rPr lang="en-US" dirty="0"/>
-              <a:t> until 0.</a:t>
-            </a:r>
-          </a:p>
-          <a:p>
-            <a:pPr marL="0" indent="0">
-              <a:buNone/>
-            </a:pPr>
-            <a:r>
-              <a:rPr lang="en-US" dirty="0"/>
-              <a:t>The skin raw output is streamed by the ports </a:t>
-            </a:r>
-            <a:r>
-              <a:rPr lang="en-US" b="1" dirty="0">
-                <a:latin typeface="Consolas" panose="020B0609020204030204" pitchFamily="49" charset="0"/>
-              </a:rPr>
-              <a:t>/</a:t>
-            </a:r>
-            <a:r>
-              <a:rPr lang="en-US" b="1" dirty="0" err="1">
-                <a:latin typeface="Consolas" panose="020B0609020204030204" pitchFamily="49" charset="0"/>
-              </a:rPr>
-              <a:t>icub</a:t>
-            </a:r>
-            <a:r>
-              <a:rPr lang="en-US" b="1" dirty="0">
-                <a:latin typeface="Consolas" panose="020B0609020204030204" pitchFamily="49" charset="0"/>
-              </a:rPr>
-              <a:t>/skin/&lt;</a:t>
-            </a:r>
-            <a:r>
-              <a:rPr lang="en-US" b="1" dirty="0" err="1">
-                <a:latin typeface="Consolas" panose="020B0609020204030204" pitchFamily="49" charset="0"/>
-              </a:rPr>
-              <a:t>part_name</a:t>
-            </a:r>
-            <a:r>
-              <a:rPr lang="en-US" b="1" dirty="0">
-                <a:latin typeface="Consolas" panose="020B0609020204030204" pitchFamily="49" charset="0"/>
-              </a:rPr>
-              <a:t>&gt; </a:t>
-            </a:r>
-            <a:r>
-              <a:rPr lang="en-US" dirty="0"/>
-              <a:t>and it is published by the firmware of </a:t>
-            </a:r>
-            <a:r>
-              <a:rPr lang="en-US" dirty="0" err="1"/>
-              <a:t>mtb</a:t>
-            </a:r>
-            <a:r>
-              <a:rPr lang="en-US" dirty="0"/>
-              <a:t> boards.</a:t>
-            </a:r>
-          </a:p>
-          <a:p>
-            <a:pPr marL="0" indent="0">
-              <a:buNone/>
-            </a:pPr>
-            <a:r>
-              <a:rPr lang="en-US" dirty="0"/>
-              <a:t>The </a:t>
-            </a:r>
-            <a:r>
-              <a:rPr lang="en-US" b="1" dirty="0"/>
-              <a:t>compensated</a:t>
-            </a:r>
-            <a:r>
-              <a:rPr lang="en-US" dirty="0"/>
-              <a:t> one is expressed by a double(between 0.0 and 255.0) and when a pressure is applied the output </a:t>
-            </a:r>
-            <a:r>
-              <a:rPr lang="en-US" b="1" dirty="0"/>
-              <a:t>increases. </a:t>
-            </a:r>
-            <a:r>
-              <a:rPr lang="en-US" dirty="0"/>
-              <a:t>This kind of compensation </a:t>
-            </a:r>
-            <a:r>
-              <a:rPr lang="en-US" dirty="0" err="1"/>
-              <a:t>si</a:t>
-            </a:r>
-            <a:r>
-              <a:rPr lang="en-US" dirty="0"/>
-              <a:t> performed by the </a:t>
-            </a:r>
-            <a:r>
-              <a:rPr lang="en-US" dirty="0" err="1"/>
+              <a:rPr lang="en-US" err="1"/>
               <a:t>skinManager</a:t>
             </a:r>
             <a:r>
-              <a:rPr lang="en-US" dirty="0"/>
-              <a:t> that streams this data </a:t>
-            </a:r>
-            <a:r>
-              <a:rPr lang="en-US" dirty="0" err="1"/>
-              <a:t>throught</a:t>
-            </a:r>
-            <a:r>
-              <a:rPr lang="en-US" dirty="0"/>
-              <a:t> the ports </a:t>
-            </a:r>
-            <a:r>
-              <a:rPr lang="en-US" b="1" dirty="0">
-                <a:latin typeface="Consolas" panose="020B0609020204030204" pitchFamily="49" charset="0"/>
-              </a:rPr>
-              <a:t>/</a:t>
-            </a:r>
-            <a:r>
-              <a:rPr lang="en-US" b="1" dirty="0" err="1">
-                <a:latin typeface="Consolas" panose="020B0609020204030204" pitchFamily="49" charset="0"/>
-              </a:rPr>
-              <a:t>icub</a:t>
-            </a:r>
-            <a:r>
-              <a:rPr lang="en-US" b="1" dirty="0">
-                <a:latin typeface="Consolas" panose="020B0609020204030204" pitchFamily="49" charset="0"/>
-              </a:rPr>
-              <a:t>/skin/&lt;</a:t>
-            </a:r>
-            <a:r>
-              <a:rPr lang="en-US" b="1" dirty="0" err="1">
-                <a:latin typeface="Consolas" panose="020B0609020204030204" pitchFamily="49" charset="0"/>
-              </a:rPr>
-              <a:t>part_name</a:t>
-            </a:r>
-            <a:r>
-              <a:rPr lang="en-US" b="1" dirty="0">
-                <a:latin typeface="Consolas" panose="020B0609020204030204" pitchFamily="49" charset="0"/>
-              </a:rPr>
-              <a:t>&gt;_comp</a:t>
-            </a:r>
-          </a:p>
-        </p:txBody>
-      </p:sp>
-      <p:pic>
-        <p:nvPicPr>
-          <p:cNvPr id="5" name="Picture 2" descr="A close up of a sign&#10;&#10;Description automatically generated">
-            <a:extLst>
-              <a:ext uri="{FF2B5EF4-FFF2-40B4-BE49-F238E27FC236}">
-                <a16:creationId xmlns:a16="http://schemas.microsoft.com/office/drawing/2014/main" id="{445DAE2F-ECE5-43AE-BC57-3A0B3C0FF7CB}"/>
-              </a:ext>
-            </a:extLst>
-          </p:cNvPr>
-          <p:cNvPicPr>
-            <a:picLocks noChangeAspect="1"/>
-          </p:cNvPicPr>
-          <p:nvPr/>
-        </p:nvPicPr>
-        <p:blipFill>
-          <a:blip r:embed="rId2"/>
-          <a:stretch>
-            <a:fillRect/>
-          </a:stretch>
-        </p:blipFill>
-        <p:spPr>
-          <a:xfrm>
-            <a:off x="10756810" y="0"/>
-            <a:ext cx="1639471" cy="1639471"/>
-          </a:xfrm>
-          <a:prstGeom prst="rect">
-            <a:avLst/>
-          </a:prstGeom>
-        </p:spPr>
-      </p:pic>
-    </p:spTree>
-    <p:extLst>
-      <p:ext uri="{BB962C8B-B14F-4D97-AF65-F5344CB8AC3E}">
-        <p14:creationId xmlns:p14="http://schemas.microsoft.com/office/powerpoint/2010/main" val="613325231"/>
-      </p:ext>
-    </p:extLst>
-  </p:cSld>
-  <p:clrMapOvr>
-    <a:masterClrMapping/>
-  </p:clrMapOvr>
-</p:sld>
-</file>
-
-<file path=ppt/slides/slide4.xml><?xml version="1.0" encoding="utf-8"?>
-<p:sld xmlns:a="http://purl.oclc.org/ooxml/drawingml/main" xmlns:r="http://purl.oclc.org/ooxml/officeDocument/relationships" xmlns:p="http://purl.oclc.org/ooxml/presentationml/main">
-  <p:cSld>
-    <p:spTree>
-      <p:nvGrpSpPr>
-        <p:cNvPr id="1" name=""/>
-        <p:cNvGrpSpPr/>
-        <p:nvPr/>
-      </p:nvGrpSpPr>
-      <p:grpSpPr>
-        <a:xfrm>
-          <a:off x="0" y="0"/>
-          <a:ext cx="0" cy="0"/>
-          <a:chOff x="0" y="0"/>
-          <a:chExt cx="0" cy="0"/>
-        </a:xfrm>
-      </p:grpSpPr>
-      <p:sp>
-        <p:nvSpPr>
-          <p:cNvPr id="2" name="Titolo 1">
-            <a:extLst>
-              <a:ext uri="{FF2B5EF4-FFF2-40B4-BE49-F238E27FC236}">
-                <a16:creationId xmlns:a16="http://schemas.microsoft.com/office/drawing/2014/main" id="{96966719-826B-4DBF-AD56-D3B3DC0FDBD4}"/>
-              </a:ext>
-            </a:extLst>
-          </p:cNvPr>
-          <p:cNvSpPr>
-            <a:spLocks noGrp="1"/>
-          </p:cNvSpPr>
-          <p:nvPr>
-            <p:ph type="title"/>
-          </p:nvPr>
-        </p:nvSpPr>
-        <p:spPr/>
-        <p:txBody>
-          <a:bodyPr/>
-          <a:lstStyle/>
-          <a:p>
-            <a:r>
-              <a:rPr lang="en-US" dirty="0"/>
-              <a:t>Thermal drift</a:t>
-            </a:r>
-          </a:p>
-        </p:txBody>
-      </p:sp>
-      <p:sp>
-        <p:nvSpPr>
-          <p:cNvPr id="3" name="Segnaposto contenuto 2">
-            <a:extLst>
-              <a:ext uri="{FF2B5EF4-FFF2-40B4-BE49-F238E27FC236}">
-                <a16:creationId xmlns:a16="http://schemas.microsoft.com/office/drawing/2014/main" id="{A1DA1AC7-F5BA-4E6A-B800-4865F045D68E}"/>
-              </a:ext>
-            </a:extLst>
-          </p:cNvPr>
-          <p:cNvSpPr>
-            <a:spLocks noGrp="1"/>
-          </p:cNvSpPr>
-          <p:nvPr>
-            <p:ph idx="1"/>
-          </p:nvPr>
-        </p:nvSpPr>
-        <p:spPr/>
-        <p:txBody>
-          <a:bodyPr/>
-          <a:lstStyle/>
-          <a:p>
-            <a:pPr marL="0" indent="0">
-              <a:buNone/>
-            </a:pPr>
-            <a:r>
-              <a:rPr lang="en-US" dirty="0"/>
-              <a:t>The </a:t>
-            </a:r>
-            <a:r>
-              <a:rPr lang="en-US" dirty="0" err="1"/>
-              <a:t>taxels</a:t>
-            </a:r>
-            <a:r>
-              <a:rPr lang="en-US" dirty="0"/>
-              <a:t> measures are affected by thermal drift, and it is compensated both by </a:t>
-            </a:r>
-            <a:r>
-              <a:rPr lang="en-US" dirty="0" err="1"/>
+              <a:rPr lang="en-US"/>
+              <a:t> module computes the touch thresholds (the 95% percentile) during its </a:t>
+            </a:r>
+            <a:br>
+              <a:rPr lang="en-US"/>
+            </a:br>
+            <a:r>
+              <a:rPr lang="en-US" err="1"/>
+              <a:t>calibralibration</a:t>
+            </a:r>
+            <a:r>
+              <a:rPr lang="en-US"/>
+              <a:t> phase. The touch thresholds may be retrieved sending a </a:t>
+            </a:r>
+            <a:br>
+              <a:rPr lang="en-US"/>
+            </a:br>
+            <a:r>
+              <a:rPr lang="en-US"/>
+              <a:t>message ‘get percentile’ to the </a:t>
+            </a:r>
+            <a:r>
+              <a:rPr lang="en-US" err="1"/>
+              <a:t>rpc</a:t>
+            </a:r>
+            <a:r>
+              <a:rPr lang="en-US"/>
+              <a:t> port of the </a:t>
+            </a:r>
+            <a:r>
+              <a:rPr lang="en-US" err="1"/>
               <a:t>skinManager</a:t>
             </a:r>
             <a:r>
-              <a:rPr lang="en-US" dirty="0"/>
-              <a:t> and by the calibration done on the </a:t>
-            </a:r>
-            <a:r>
-              <a:rPr lang="en-US" dirty="0" err="1"/>
-              <a:t>mtb</a:t>
-            </a:r>
-            <a:r>
-              <a:rPr lang="en-US" dirty="0"/>
-              <a:t> board</a:t>
-            </a:r>
-          </a:p>
-        </p:txBody>
-      </p:sp>
-      <p:pic>
-        <p:nvPicPr>
-          <p:cNvPr id="5" name="Picture 2" descr="A close up of a sign&#10;&#10;Description automatically generated">
-            <a:extLst>
-              <a:ext uri="{FF2B5EF4-FFF2-40B4-BE49-F238E27FC236}">
-                <a16:creationId xmlns:a16="http://schemas.microsoft.com/office/drawing/2014/main" id="{445DAE2F-ECE5-43AE-BC57-3A0B3C0FF7CB}"/>
-              </a:ext>
-            </a:extLst>
-          </p:cNvPr>
-          <p:cNvPicPr>
-            <a:picLocks noChangeAspect="1"/>
-          </p:cNvPicPr>
-          <p:nvPr/>
-        </p:nvPicPr>
-        <p:blipFill>
-          <a:blip r:embed="rId2"/>
-          <a:stretch>
-            <a:fillRect/>
-          </a:stretch>
-        </p:blipFill>
-        <p:spPr>
-          <a:xfrm>
-            <a:off x="10756810" y="0"/>
-            <a:ext cx="1639471" cy="1639471"/>
-          </a:xfrm>
-          <a:prstGeom prst="rect">
-            <a:avLst/>
-          </a:prstGeom>
-        </p:spPr>
-      </p:pic>
-      <p:pic>
-        <p:nvPicPr>
-          <p:cNvPr id="6" name="Immagine 5">
-            <a:extLst>
-              <a:ext uri="{FF2B5EF4-FFF2-40B4-BE49-F238E27FC236}">
-                <a16:creationId xmlns:a16="http://schemas.microsoft.com/office/drawing/2014/main" id="{98BD9245-CCE0-48A8-B8A3-C5BD8748FEC1}"/>
-              </a:ext>
-            </a:extLst>
-          </p:cNvPr>
-          <p:cNvPicPr>
-            <a:picLocks noChangeAspect="1"/>
-          </p:cNvPicPr>
-          <p:nvPr/>
-        </p:nvPicPr>
-        <p:blipFill>
-          <a:blip r:embed="rId3"/>
-          <a:stretch>
-            <a:fillRect/>
-          </a:stretch>
-        </p:blipFill>
-        <p:spPr>
-          <a:xfrm>
-            <a:off x="1451579" y="2983108"/>
-            <a:ext cx="3761495" cy="2740574"/>
-          </a:xfrm>
-          <a:prstGeom prst="rect">
-            <a:avLst/>
-          </a:prstGeom>
-        </p:spPr>
-      </p:pic>
-      <p:pic>
-        <p:nvPicPr>
-          <p:cNvPr id="8" name="Immagine 7">
-            <a:extLst>
-              <a:ext uri="{FF2B5EF4-FFF2-40B4-BE49-F238E27FC236}">
-                <a16:creationId xmlns:a16="http://schemas.microsoft.com/office/drawing/2014/main" id="{960EDCD3-FBB7-42F9-9ABB-25FF076DBF5E}"/>
-              </a:ext>
-            </a:extLst>
-          </p:cNvPr>
-          <p:cNvPicPr>
-            <a:picLocks noChangeAspect="1"/>
-          </p:cNvPicPr>
-          <p:nvPr/>
-        </p:nvPicPr>
-        <p:blipFill>
-          <a:blip r:embed="rId4"/>
-          <a:stretch>
-            <a:fillRect/>
-          </a:stretch>
-        </p:blipFill>
-        <p:spPr>
-          <a:xfrm>
-            <a:off x="8108731" y="2475610"/>
-            <a:ext cx="3062852" cy="2990735"/>
-          </a:xfrm>
-          <a:prstGeom prst="rect">
-            <a:avLst/>
-          </a:prstGeom>
-        </p:spPr>
-      </p:pic>
-    </p:spTree>
-    <p:extLst>
-      <p:ext uri="{BB962C8B-B14F-4D97-AF65-F5344CB8AC3E}">
-        <p14:creationId xmlns:p14="http://schemas.microsoft.com/office/powerpoint/2010/main" val="4139619729"/>
-      </p:ext>
-    </p:extLst>
-  </p:cSld>
-  <p:clrMapOvr>
-    <a:masterClrMapping/>
-  </p:clrMapOvr>
-</p:sld>
-</file>
-
-<file path=ppt/slides/slide5.xml><?xml version="1.0" encoding="utf-8"?>
-<p:sld xmlns:a="http://purl.oclc.org/ooxml/drawingml/main" xmlns:r="http://purl.oclc.org/ooxml/officeDocument/relationships" xmlns:p="http://purl.oclc.org/ooxml/presentationml/main">
-  <p:cSld>
-    <p:spTree>
-      <p:nvGrpSpPr>
-        <p:cNvPr id="1" name=""/>
-        <p:cNvGrpSpPr/>
-        <p:nvPr/>
-      </p:nvGrpSpPr>
-      <p:grpSpPr>
-        <a:xfrm>
-          <a:off x="0" y="0"/>
-          <a:ext cx="0" cy="0"/>
-          <a:chOff x="0" y="0"/>
-          <a:chExt cx="0" cy="0"/>
-        </a:xfrm>
-      </p:grpSpPr>
-      <p:sp>
-        <p:nvSpPr>
-          <p:cNvPr id="2" name="Titolo 1">
-            <a:extLst>
-              <a:ext uri="{FF2B5EF4-FFF2-40B4-BE49-F238E27FC236}">
-                <a16:creationId xmlns:a16="http://schemas.microsoft.com/office/drawing/2014/main" id="{96966719-826B-4DBF-AD56-D3B3DC0FDBD4}"/>
-              </a:ext>
-            </a:extLst>
-          </p:cNvPr>
-          <p:cNvSpPr>
-            <a:spLocks noGrp="1"/>
-          </p:cNvSpPr>
-          <p:nvPr>
-            <p:ph type="title"/>
-          </p:nvPr>
-        </p:nvSpPr>
-        <p:spPr/>
-        <p:txBody>
-          <a:bodyPr/>
-          <a:lstStyle/>
-          <a:p>
-            <a:r>
-              <a:rPr lang="en-US" dirty="0" err="1"/>
-              <a:t>SKINmanager</a:t>
-            </a:r>
-            <a:endParaRPr lang="en-US" dirty="0"/>
-          </a:p>
-        </p:txBody>
-      </p:sp>
-      <p:sp>
-        <p:nvSpPr>
-          <p:cNvPr id="3" name="Segnaposto contenuto 2">
-            <a:extLst>
-              <a:ext uri="{FF2B5EF4-FFF2-40B4-BE49-F238E27FC236}">
-                <a16:creationId xmlns:a16="http://schemas.microsoft.com/office/drawing/2014/main" id="{A1DA1AC7-F5BA-4E6A-B800-4865F045D68E}"/>
-              </a:ext>
-            </a:extLst>
-          </p:cNvPr>
-          <p:cNvSpPr>
-            <a:spLocks noGrp="1"/>
-          </p:cNvSpPr>
-          <p:nvPr>
-            <p:ph idx="1"/>
-          </p:nvPr>
-        </p:nvSpPr>
-        <p:spPr/>
-        <p:txBody>
-          <a:bodyPr/>
-          <a:lstStyle/>
-          <a:p>
-            <a:pPr marL="0" indent="0">
-              <a:buNone/>
-            </a:pPr>
-            <a:r>
-              <a:rPr lang="en-US" dirty="0"/>
-              <a:t>The </a:t>
-            </a:r>
-            <a:r>
-              <a:rPr lang="en-US" i="1" dirty="0" err="1"/>
-              <a:t>skinManager</a:t>
-            </a:r>
-            <a:r>
-              <a:rPr lang="en-US" dirty="0"/>
-              <a:t> is an executable included in the </a:t>
-            </a:r>
-            <a:r>
-              <a:rPr lang="en-US" dirty="0">
-                <a:hlinkClick r:id="rId2"/>
-              </a:rPr>
-              <a:t>icub-main repository</a:t>
-            </a:r>
-            <a:r>
-              <a:rPr lang="en-US" dirty="0"/>
-              <a:t>. </a:t>
-            </a:r>
-          </a:p>
-          <a:p>
-            <a:pPr marL="0" indent="0">
-              <a:buNone/>
-            </a:pPr>
-            <a:r>
-              <a:rPr lang="en-US" dirty="0"/>
-              <a:t>Can handles multiple skin patches, it is used for handle and refine the data coming from the firmware.</a:t>
-            </a:r>
-          </a:p>
-          <a:p>
-            <a:pPr marL="0" indent="0">
-              <a:buNone/>
-            </a:pPr>
-            <a:r>
-              <a:rPr lang="en-US" dirty="0"/>
-              <a:t>It allows to:</a:t>
-            </a:r>
-          </a:p>
-          <a:p>
-            <a:r>
-              <a:rPr lang="en-US" dirty="0"/>
-              <a:t>Set a low pass filter to the data</a:t>
-            </a:r>
-          </a:p>
-          <a:p>
-            <a:r>
-              <a:rPr lang="en-US" dirty="0"/>
-              <a:t>Compute touch threshold for the </a:t>
-            </a:r>
-            <a:r>
-              <a:rPr lang="en-US" dirty="0" err="1"/>
-              <a:t>taxels</a:t>
-            </a:r>
-            <a:r>
-              <a:rPr lang="en-US" dirty="0"/>
-              <a:t> used by the binarization</a:t>
-            </a:r>
-          </a:p>
-          <a:p>
-            <a:r>
-              <a:rPr lang="en-US" dirty="0"/>
-              <a:t>Define </a:t>
-            </a:r>
-            <a:r>
-              <a:rPr lang="en-US" dirty="0" err="1"/>
-              <a:t>skinContacts</a:t>
-            </a:r>
-            <a:endParaRPr lang="en-US" dirty="0"/>
-          </a:p>
-        </p:txBody>
-      </p:sp>
-      <p:pic>
-        <p:nvPicPr>
-          <p:cNvPr id="5" name="Picture 2" descr="A close up of a sign&#10;&#10;Description automatically generated">
-            <a:extLst>
-              <a:ext uri="{FF2B5EF4-FFF2-40B4-BE49-F238E27FC236}">
-                <a16:creationId xmlns:a16="http://schemas.microsoft.com/office/drawing/2014/main" id="{445DAE2F-ECE5-43AE-BC57-3A0B3C0FF7CB}"/>
-              </a:ext>
-            </a:extLst>
-          </p:cNvPr>
-          <p:cNvPicPr>
-            <a:picLocks noChangeAspect="1"/>
-          </p:cNvPicPr>
-          <p:nvPr/>
-        </p:nvPicPr>
-        <p:blipFill>
-          <a:blip r:embed="rId3"/>
-          <a:stretch>
-            <a:fillRect/>
-          </a:stretch>
-        </p:blipFill>
-        <p:spPr>
-          <a:xfrm>
-            <a:off x="10756810" y="0"/>
-            <a:ext cx="1639471" cy="1639471"/>
-          </a:xfrm>
-          <a:prstGeom prst="rect">
-            <a:avLst/>
-          </a:prstGeom>
-        </p:spPr>
-      </p:pic>
-    </p:spTree>
-    <p:extLst>
-      <p:ext uri="{BB962C8B-B14F-4D97-AF65-F5344CB8AC3E}">
-        <p14:creationId xmlns:p14="http://schemas.microsoft.com/office/powerpoint/2010/main" val="553797636"/>
-      </p:ext>
-    </p:extLst>
-  </p:cSld>
-  <p:clrMapOvr>
-    <a:masterClrMapping/>
-  </p:clrMapOvr>
-</p:sld>
-</file>
-
-<file path=ppt/slides/slide6.xml><?xml version="1.0" encoding="utf-8"?>
-<p:sld xmlns:a="http://purl.oclc.org/ooxml/drawingml/main" xmlns:r="http://purl.oclc.org/ooxml/officeDocument/relationships" xmlns:p="http://purl.oclc.org/ooxml/presentationml/main">
-  <p:cSld>
-    <p:spTree>
-      <p:nvGrpSpPr>
-        <p:cNvPr id="1" name=""/>
-        <p:cNvGrpSpPr/>
-        <p:nvPr/>
-      </p:nvGrpSpPr>
-      <p:grpSpPr>
-        <a:xfrm>
-          <a:off x="0" y="0"/>
-          <a:ext cx="0" cy="0"/>
-          <a:chOff x="0" y="0"/>
-          <a:chExt cx="0" cy="0"/>
-        </a:xfrm>
-      </p:grpSpPr>
-      <p:sp>
-        <p:nvSpPr>
-          <p:cNvPr id="2" name="Titolo 1">
-            <a:extLst>
-              <a:ext uri="{FF2B5EF4-FFF2-40B4-BE49-F238E27FC236}">
-                <a16:creationId xmlns:a16="http://schemas.microsoft.com/office/drawing/2014/main" id="{96966719-826B-4DBF-AD56-D3B3DC0FDBD4}"/>
-              </a:ext>
-            </a:extLst>
-          </p:cNvPr>
-          <p:cNvSpPr>
-            <a:spLocks noGrp="1"/>
-          </p:cNvSpPr>
-          <p:nvPr>
-            <p:ph type="title"/>
-          </p:nvPr>
-        </p:nvSpPr>
-        <p:spPr/>
-        <p:txBody>
-          <a:bodyPr/>
-          <a:lstStyle/>
-          <a:p>
-            <a:r>
-              <a:rPr lang="en-US" dirty="0" err="1"/>
-              <a:t>SkinManager</a:t>
-            </a:r>
-            <a:r>
-              <a:rPr lang="en-US" dirty="0"/>
-              <a:t> - Touch threshold</a:t>
-            </a:r>
-          </a:p>
-        </p:txBody>
-      </p:sp>
-      <p:sp>
-        <p:nvSpPr>
-          <p:cNvPr id="3" name="Segnaposto contenuto 2">
-            <a:extLst>
-              <a:ext uri="{FF2B5EF4-FFF2-40B4-BE49-F238E27FC236}">
-                <a16:creationId xmlns:a16="http://schemas.microsoft.com/office/drawing/2014/main" id="{A1DA1AC7-F5BA-4E6A-B800-4865F045D68E}"/>
-              </a:ext>
-            </a:extLst>
-          </p:cNvPr>
-          <p:cNvSpPr>
-            <a:spLocks noGrp="1"/>
-          </p:cNvSpPr>
-          <p:nvPr>
-            <p:ph idx="1"/>
-          </p:nvPr>
-        </p:nvSpPr>
-        <p:spPr/>
-        <p:txBody>
-          <a:bodyPr/>
-          <a:lstStyle/>
-          <a:p>
-            <a:pPr marL="0" indent="0">
-              <a:buNone/>
-            </a:pPr>
-            <a:r>
-              <a:rPr lang="en-US" dirty="0"/>
-              <a:t>Each skin </a:t>
-            </a:r>
-            <a:r>
-              <a:rPr lang="en-US" dirty="0" err="1"/>
-              <a:t>taxel</a:t>
-            </a:r>
-            <a:r>
-              <a:rPr lang="en-US" dirty="0"/>
-              <a:t> is subject to a different noise hence the touch threshold should be different </a:t>
-            </a:r>
-            <a:br>
-              <a:rPr lang="en-US" dirty="0"/>
-            </a:br>
-            <a:r>
-              <a:rPr lang="en-US" dirty="0"/>
-              <a:t>for each </a:t>
-            </a:r>
-            <a:r>
-              <a:rPr lang="en-US" dirty="0" err="1"/>
-              <a:t>taxel</a:t>
-            </a:r>
-            <a:r>
-              <a:rPr lang="en-US" dirty="0"/>
-              <a:t>. </a:t>
-            </a:r>
-            <a:br>
-              <a:rPr lang="en-US" dirty="0"/>
-            </a:br>
-            <a:r>
-              <a:rPr lang="en-US" dirty="0"/>
-              <a:t>The </a:t>
-            </a:r>
-            <a:r>
-              <a:rPr lang="en-US" dirty="0" err="1"/>
-              <a:t>skinManager</a:t>
-            </a:r>
-            <a:r>
-              <a:rPr lang="en-US" dirty="0"/>
-              <a:t> module computes the touch thresholds (the 95% percentile) during its </a:t>
-            </a:r>
-            <a:br>
-              <a:rPr lang="en-US" dirty="0"/>
-            </a:br>
-            <a:r>
-              <a:rPr lang="en-US" dirty="0" err="1"/>
-              <a:t>calibralibration</a:t>
-            </a:r>
-            <a:r>
-              <a:rPr lang="en-US" dirty="0"/>
-              <a:t> phase. The touch thresholds may be retrieved sending a </a:t>
-            </a:r>
-            <a:br>
-              <a:rPr lang="en-US" dirty="0"/>
-            </a:br>
-            <a:r>
-              <a:rPr lang="en-US" dirty="0"/>
-              <a:t>message ‘get percentile’ to the </a:t>
-            </a:r>
-            <a:r>
-              <a:rPr lang="en-US" dirty="0" err="1"/>
-              <a:t>rpc</a:t>
-            </a:r>
-            <a:r>
-              <a:rPr lang="en-US" dirty="0"/>
-              <a:t> port of the </a:t>
-            </a:r>
-            <a:r>
-              <a:rPr lang="en-US" dirty="0" err="1"/>
-              <a:t>skinManager</a:t>
-            </a:r>
-            <a:r>
-              <a:rPr lang="en-US" dirty="0"/>
+              <a:rPr lang="en-US"/>
               <a:t> module </a:t>
             </a:r>
           </a:p>
@@ -5241,8 +3902,8 @@
 </p:sld>
 </file>
 
-<file path=ppt/slides/slide7.xml><?xml version="1.0" encoding="utf-8"?>
-<p:sld xmlns:a="http://purl.oclc.org/ooxml/drawingml/main" xmlns:r="http://purl.oclc.org/ooxml/officeDocument/relationships" xmlns:p="http://purl.oclc.org/ooxml/presentationml/main">
+<file path=ppt/slides/slide11.xml><?xml version="1.0" encoding="utf-8"?>
+<p:sld xmlns:a="http://schemas.openxmlformats.org/drawingml/2006/main" xmlns:r="http://schemas.openxmlformats.org/officeDocument/2006/relationships" xmlns:p="http://schemas.openxmlformats.org/presentationml/2006/main">
   <p:cSld>
     <p:spTree>
       <p:nvGrpSpPr>
@@ -5280,10 +3941,10 @@
           <a:lstStyle/>
           <a:p>
             <a:r>
-              <a:rPr lang="en-US" dirty="0" err="1"/>
+              <a:rPr lang="en-US" err="1"/>
               <a:t>SkinManagerGui</a:t>
             </a:r>
-            <a:endParaRPr lang="en-US" dirty="0"/>
+            <a:endParaRPr lang="en-US"/>
           </a:p>
         </p:txBody>
       </p:sp>
@@ -5312,15 +3973,15 @@
               <a:buNone/>
             </a:pPr>
             <a:r>
-              <a:rPr lang="en-US" dirty="0"/>
+              <a:rPr lang="en-US"/>
               <a:t>Also this module is included in the icub-main repository, it is an handy interface for interacting with the </a:t>
             </a:r>
             <a:r>
-              <a:rPr lang="en-US" i="1" dirty="0" err="1"/>
+              <a:rPr lang="en-US" i="1" err="1"/>
               <a:t>skinManager</a:t>
             </a:r>
             <a:r>
-              <a:rPr lang="en-US" dirty="0"/>
+              <a:rPr lang="en-US"/>
               <a:t> module.</a:t>
             </a:r>
           </a:p>
@@ -5329,15 +3990,15 @@
               <a:buNone/>
             </a:pPr>
             <a:r>
-              <a:rPr lang="en-US" dirty="0"/>
+              <a:rPr lang="en-US"/>
               <a:t>In this sense it allows to request to the </a:t>
             </a:r>
             <a:r>
-              <a:rPr lang="en-US" i="1" dirty="0" err="1"/>
+              <a:rPr lang="en-US" i="1" err="1"/>
               <a:t>skinManager</a:t>
             </a:r>
             <a:r>
-              <a:rPr lang="en-US" dirty="0"/>
+              <a:rPr lang="en-US"/>
               <a:t> to filter/compensate data and it shows errors and warning coming from the skin.</a:t>
             </a:r>
           </a:p>
@@ -5386,8 +4047,8 @@
 </p:sld>
 </file>
 
-<file path=ppt/slides/slide8.xml><?xml version="1.0" encoding="utf-8"?>
-<p:sld xmlns:a="http://purl.oclc.org/ooxml/drawingml/main" xmlns:r="http://purl.oclc.org/ooxml/officeDocument/relationships" xmlns:p="http://purl.oclc.org/ooxml/presentationml/main">
+<file path=ppt/slides/slide12.xml><?xml version="1.0" encoding="utf-8"?>
+<p:sld xmlns:a="http://schemas.openxmlformats.org/drawingml/2006/main" xmlns:r="http://schemas.openxmlformats.org/officeDocument/2006/relationships" xmlns:p="http://schemas.openxmlformats.org/presentationml/2006/main">
   <p:cSld>
     <p:spTree>
       <p:nvGrpSpPr>
@@ -5425,10 +4086,10 @@
           <a:lstStyle/>
           <a:p>
             <a:r>
-              <a:rPr lang="en-US" dirty="0" err="1"/>
+              <a:rPr lang="en-US" err="1"/>
               <a:t>SkinManagerGui</a:t>
             </a:r>
-            <a:endParaRPr lang="en-US" dirty="0"/>
+            <a:endParaRPr lang="en-US"/>
           </a:p>
         </p:txBody>
       </p:sp>
@@ -5486,7 +4147,7 @@
               </a:ext>
             </a:extLst>
           </a:blip>
-          <a:srcRect b="3.097%"/>
+          <a:srcRect b="3097"/>
           <a:stretch/>
         </p:blipFill>
         <p:spPr bwMode="auto">
@@ -5539,7 +4200,7 @@
         <p:style>
           <a:lnRef idx="2">
             <a:schemeClr val="accent1">
-              <a:shade val="50%"/>
+              <a:shade val="50000"/>
             </a:schemeClr>
           </a:lnRef>
           <a:fillRef idx="1">
@@ -5557,7 +4218,7 @@
           <a:lstStyle/>
           <a:p>
             <a:pPr algn="ctr"/>
-            <a:endParaRPr lang="en-US"/>
+            <a:endParaRPr lang="en-US" b="1"/>
           </a:p>
         </p:txBody>
       </p:sp>
@@ -5591,7 +4252,7 @@
         <p:style>
           <a:lnRef idx="2">
             <a:schemeClr val="accent1">
-              <a:shade val="50%"/>
+              <a:shade val="50000"/>
             </a:schemeClr>
           </a:lnRef>
           <a:fillRef idx="1">
@@ -5609,7 +4270,7 @@
           <a:lstStyle/>
           <a:p>
             <a:pPr algn="ctr"/>
-            <a:endParaRPr lang="en-US"/>
+            <a:endParaRPr lang="en-US" b="1"/>
           </a:p>
         </p:txBody>
       </p:sp>
@@ -5643,7 +4304,7 @@
         <p:style>
           <a:lnRef idx="2">
             <a:schemeClr val="accent1">
-              <a:shade val="50%"/>
+              <a:shade val="50000"/>
             </a:schemeClr>
           </a:lnRef>
           <a:fillRef idx="1">
@@ -5661,7 +4322,7 @@
           <a:lstStyle/>
           <a:p>
             <a:pPr algn="ctr"/>
-            <a:endParaRPr lang="en-US"/>
+            <a:endParaRPr lang="en-US" b="1"/>
           </a:p>
         </p:txBody>
       </p:sp>
@@ -5683,8 +4344,8 @@
         </p:nvCxnSpPr>
         <p:spPr>
           <a:xfrm rot="10800000" flipV="1">
-            <a:off x="1883753" y="3745909"/>
-            <a:ext cx="1990189" cy="565839"/>
+            <a:off x="2013955" y="3745910"/>
+            <a:ext cx="1859986" cy="236186"/>
           </a:xfrm>
           <a:prstGeom prst="bentConnector2">
             <a:avLst/>
@@ -5725,8 +4386,8 @@
         </p:nvSpPr>
         <p:spPr>
           <a:xfrm>
-            <a:off x="690196" y="4311749"/>
-            <a:ext cx="2387112" cy="954107"/>
+            <a:off x="473942" y="3982096"/>
+            <a:ext cx="3080025" cy="738664"/>
           </a:xfrm>
           <a:prstGeom prst="rect">
             <a:avLst/>
@@ -5740,7 +4401,7 @@
           <a:lstStyle/>
           <a:p>
             <a:r>
-              <a:rPr lang="en-US" sz="1400" dirty="0"/>
+              <a:rPr lang="en-US" sz="1400"/>
               <a:t>If set to ON, the output of the *comp ports is binarized, 0.0 if there is no touch, 100.0 if there is touch.</a:t>
             </a:r>
           </a:p>
@@ -5820,25 +4481,25 @@
           <a:lstStyle/>
           <a:p>
             <a:r>
-              <a:rPr lang="en-US" sz="1400" dirty="0"/>
+              <a:rPr lang="en-US" sz="1400"/>
               <a:t>Low pass filter, the smooth</a:t>
             </a:r>
           </a:p>
           <a:p>
             <a:r>
-              <a:rPr lang="en-US" sz="1400" dirty="0"/>
+              <a:rPr lang="en-US" sz="1400"/>
               <a:t>factor goes from 0.0 to 1.0.</a:t>
             </a:r>
           </a:p>
           <a:p>
             <a:r>
-              <a:rPr lang="en-US" sz="1400" dirty="0"/>
+              <a:rPr lang="en-US" sz="1400"/>
               <a:t>Greater it is, more noise is removed</a:t>
             </a:r>
           </a:p>
           <a:p>
             <a:r>
-              <a:rPr lang="en-US" sz="1400" dirty="0"/>
+              <a:rPr lang="en-US" sz="1400"/>
               <a:t>but also more artifacts are added</a:t>
             </a:r>
           </a:p>
@@ -5918,17 +4579,150 @@
           <a:lstStyle/>
           <a:p>
             <a:r>
-              <a:rPr lang="en-US" sz="1400" dirty="0"/>
+              <a:rPr lang="en-US" sz="1400"/>
               <a:t>Log messages coming from </a:t>
             </a:r>
             <a:r>
-              <a:rPr lang="en-US" sz="1400" dirty="0" err="1"/>
+              <a:rPr lang="en-US" sz="1400" i="1" err="1"/>
               <a:t>skinManager</a:t>
             </a:r>
-            <a:endParaRPr lang="en-US" sz="1400" dirty="0"/>
-          </a:p>
-        </p:txBody>
-      </p:sp>
+            <a:endParaRPr lang="en-US" sz="1400" i="1"/>
+          </a:p>
+        </p:txBody>
+      </p:sp>
+      <p:sp>
+        <p:nvSpPr>
+          <p:cNvPr id="15" name="Rettangolo con angoli arrotondati 14">
+            <a:extLst>
+              <a:ext uri="{FF2B5EF4-FFF2-40B4-BE49-F238E27FC236}">
+                <a16:creationId xmlns:a16="http://schemas.microsoft.com/office/drawing/2014/main" id="{ED522ADC-8559-485E-A0DB-0C2AB1616D61}"/>
+              </a:ext>
+            </a:extLst>
+          </p:cNvPr>
+          <p:cNvSpPr/>
+          <p:nvPr/>
+        </p:nvSpPr>
+        <p:spPr>
+          <a:xfrm>
+            <a:off x="3914928" y="4913375"/>
+            <a:ext cx="2053004" cy="249937"/>
+          </a:xfrm>
+          <a:prstGeom prst="roundRect">
+            <a:avLst/>
+          </a:prstGeom>
+          <a:noFill/>
+          <a:ln w="57150">
+            <a:solidFill>
+              <a:srgbClr val="00B0F0"/>
+            </a:solidFill>
+          </a:ln>
+        </p:spPr>
+        <p:style>
+          <a:lnRef idx="2">
+            <a:schemeClr val="accent1">
+              <a:shade val="50000"/>
+            </a:schemeClr>
+          </a:lnRef>
+          <a:fillRef idx="1">
+            <a:schemeClr val="accent1"/>
+          </a:fillRef>
+          <a:effectRef idx="0">
+            <a:schemeClr val="accent1"/>
+          </a:effectRef>
+          <a:fontRef idx="minor">
+            <a:schemeClr val="lt1"/>
+          </a:fontRef>
+        </p:style>
+        <p:txBody>
+          <a:bodyPr rtlCol="0" anchor="ctr"/>
+          <a:lstStyle/>
+          <a:p>
+            <a:pPr algn="ctr"/>
+            <a:endParaRPr lang="en-US" b="1"/>
+          </a:p>
+        </p:txBody>
+      </p:sp>
+      <p:sp>
+        <p:nvSpPr>
+          <p:cNvPr id="19" name="CasellaDiTesto 18">
+            <a:extLst>
+              <a:ext uri="{FF2B5EF4-FFF2-40B4-BE49-F238E27FC236}">
+                <a16:creationId xmlns:a16="http://schemas.microsoft.com/office/drawing/2014/main" id="{939FB1BE-2156-44E0-BE24-ED94A5136664}"/>
+              </a:ext>
+            </a:extLst>
+          </p:cNvPr>
+          <p:cNvSpPr txBox="1"/>
+          <p:nvPr/>
+        </p:nvSpPr>
+        <p:spPr>
+          <a:xfrm>
+            <a:off x="473943" y="4778626"/>
+            <a:ext cx="928137" cy="523220"/>
+          </a:xfrm>
+          <a:prstGeom prst="rect">
+            <a:avLst/>
+          </a:prstGeom>
+          <a:noFill/>
+        </p:spPr>
+        <p:txBody>
+          <a:bodyPr wrap="square" rtlCol="0">
+            <a:spAutoFit/>
+          </a:bodyPr>
+          <a:lstStyle/>
+          <a:p>
+            <a:r>
+              <a:rPr lang="en-US" sz="1400"/>
+              <a:t>Reset the baseline</a:t>
+            </a:r>
+          </a:p>
+        </p:txBody>
+      </p:sp>
+      <p:cxnSp>
+        <p:nvCxnSpPr>
+          <p:cNvPr id="14" name="Connettore 2 13">
+            <a:extLst>
+              <a:ext uri="{FF2B5EF4-FFF2-40B4-BE49-F238E27FC236}">
+                <a16:creationId xmlns:a16="http://schemas.microsoft.com/office/drawing/2014/main" id="{44B05983-9C44-4AD0-8187-30C039870F81}"/>
+              </a:ext>
+            </a:extLst>
+          </p:cNvPr>
+          <p:cNvCxnSpPr>
+            <a:cxnSpLocks/>
+            <a:stCxn id="15" idx="1"/>
+            <a:endCxn id="19" idx="3"/>
+          </p:cNvCxnSpPr>
+          <p:nvPr/>
+        </p:nvCxnSpPr>
+        <p:spPr>
+          <a:xfrm flipH="1">
+            <a:off x="1402080" y="5038344"/>
+            <a:ext cx="2512848" cy="1892"/>
+          </a:xfrm>
+          <a:prstGeom prst="straightConnector1">
+            <a:avLst/>
+          </a:prstGeom>
+          <a:ln w="57150">
+            <a:solidFill>
+              <a:srgbClr val="00B0F0"/>
+            </a:solidFill>
+            <a:tailEnd type="triangle"/>
+          </a:ln>
+        </p:spPr>
+        <p:style>
+          <a:lnRef idx="1">
+            <a:schemeClr val="accent1"/>
+          </a:lnRef>
+          <a:fillRef idx="0">
+            <a:schemeClr val="accent1"/>
+          </a:fillRef>
+          <a:effectRef idx="0">
+            <a:schemeClr val="accent1"/>
+          </a:effectRef>
+          <a:fontRef idx="minor">
+            <a:schemeClr val="tx1"/>
+          </a:fontRef>
+        </p:style>
+      </p:cxnSp>
     </p:spTree>
     <p:extLst>
       <p:ext uri="{BB962C8B-B14F-4D97-AF65-F5344CB8AC3E}">
@@ -5942,8 +4736,8 @@
 </p:sld>
 </file>
 
-<file path=ppt/slides/slide9.xml><?xml version="1.0" encoding="utf-8"?>
-<p:sld xmlns:a="http://purl.oclc.org/ooxml/drawingml/main" xmlns:r="http://purl.oclc.org/ooxml/officeDocument/relationships" xmlns:p="http://purl.oclc.org/ooxml/presentationml/main">
+<file path=ppt/slides/slide13.xml><?xml version="1.0" encoding="utf-8"?>
+<p:sld xmlns:a="http://schemas.openxmlformats.org/drawingml/2006/main" xmlns:r="http://schemas.openxmlformats.org/officeDocument/2006/relationships" xmlns:p="http://schemas.openxmlformats.org/presentationml/2006/main">
   <p:cSld>
     <p:spTree>
       <p:nvGrpSpPr>
@@ -5981,10 +4775,10 @@
           <a:lstStyle/>
           <a:p>
             <a:r>
-              <a:rPr lang="en-US" dirty="0" err="1"/>
+              <a:rPr lang="en-US" err="1"/>
               <a:t>SkinManagerGui</a:t>
             </a:r>
-            <a:endParaRPr lang="en-US" dirty="0"/>
+            <a:endParaRPr lang="en-US"/>
           </a:p>
         </p:txBody>
       </p:sp>
@@ -6097,7 +4891,7 @@
               <a:buNone/>
             </a:pPr>
             <a:r>
-              <a:rPr lang="en-US" sz="1600" dirty="0"/>
+              <a:rPr lang="en-US" sz="1600"/>
               <a:t>On the Compensation tab is display the thermal drift for each skin patch.</a:t>
             </a:r>
           </a:p>
@@ -6106,15 +4900,15 @@
               <a:buNone/>
             </a:pPr>
             <a:r>
-              <a:rPr lang="en-US" sz="1600" dirty="0"/>
+              <a:rPr lang="en-US" sz="1600"/>
               <a:t>It is possible to open the tree and check it for each triangle and each </a:t>
             </a:r>
             <a:r>
-              <a:rPr lang="en-US" sz="1600" dirty="0" err="1"/>
+              <a:rPr lang="en-US" sz="1600" err="1"/>
               <a:t>taxel</a:t>
             </a:r>
             <a:r>
-              <a:rPr lang="en-US" sz="1600" dirty="0"/>
+              <a:rPr lang="en-US" sz="1600"/>
               <a:t>. </a:t>
             </a:r>
           </a:p>
@@ -6142,7 +4936,7 @@
               </a:ext>
             </a:extLst>
           </a:blip>
-          <a:srcRect b="44.793%"/>
+          <a:srcRect b="44793"/>
           <a:stretch/>
         </p:blipFill>
         <p:spPr bwMode="auto">
@@ -6217,8 +5011,4892 @@
 </p:sld>
 </file>
 
+<file path=ppt/slides/slide14.xml><?xml version="1.0" encoding="utf-8"?>
+<p:sld xmlns:a="http://schemas.openxmlformats.org/drawingml/2006/main" xmlns:r="http://schemas.openxmlformats.org/officeDocument/2006/relationships" xmlns:p="http://schemas.openxmlformats.org/presentationml/2006/main">
+  <p:cSld>
+    <p:spTree>
+      <p:nvGrpSpPr>
+        <p:cNvPr id="1" name=""/>
+        <p:cNvGrpSpPr/>
+        <p:nvPr/>
+      </p:nvGrpSpPr>
+      <p:grpSpPr>
+        <a:xfrm>
+          <a:off x="0" y="0"/>
+          <a:ext cx="0" cy="0"/>
+          <a:chOff x="0" y="0"/>
+          <a:chExt cx="0" cy="0"/>
+        </a:xfrm>
+      </p:grpSpPr>
+      <p:sp>
+        <p:nvSpPr>
+          <p:cNvPr id="2" name="Titolo 1">
+            <a:extLst>
+              <a:ext uri="{FF2B5EF4-FFF2-40B4-BE49-F238E27FC236}">
+                <a16:creationId xmlns:a16="http://schemas.microsoft.com/office/drawing/2014/main" id="{96966719-826B-4DBF-AD56-D3B3DC0FDBD4}"/>
+              </a:ext>
+            </a:extLst>
+          </p:cNvPr>
+          <p:cNvSpPr>
+            <a:spLocks noGrp="1"/>
+          </p:cNvSpPr>
+          <p:nvPr>
+            <p:ph type="title"/>
+          </p:nvPr>
+        </p:nvSpPr>
+        <p:spPr/>
+        <p:txBody>
+          <a:bodyPr/>
+          <a:lstStyle/>
+          <a:p>
+            <a:r>
+              <a:rPr lang="en-US" err="1"/>
+              <a:t>Icub</a:t>
+            </a:r>
+            <a:r>
+              <a:rPr lang="en-US"/>
+              <a:t> SKIN API</a:t>
+            </a:r>
+          </a:p>
+        </p:txBody>
+      </p:sp>
+      <p:sp>
+        <p:nvSpPr>
+          <p:cNvPr id="3" name="Segnaposto contenuto 2">
+            <a:extLst>
+              <a:ext uri="{FF2B5EF4-FFF2-40B4-BE49-F238E27FC236}">
+                <a16:creationId xmlns:a16="http://schemas.microsoft.com/office/drawing/2014/main" id="{A1DA1AC7-F5BA-4E6A-B800-4865F045D68E}"/>
+              </a:ext>
+            </a:extLst>
+          </p:cNvPr>
+          <p:cNvSpPr>
+            <a:spLocks noGrp="1"/>
+          </p:cNvSpPr>
+          <p:nvPr>
+            <p:ph idx="1"/>
+          </p:nvPr>
+        </p:nvSpPr>
+        <p:spPr/>
+        <p:txBody>
+          <a:bodyPr>
+            <a:normAutofit fontScale="92500" lnSpcReduction="20000"/>
+          </a:bodyPr>
+          <a:lstStyle/>
+          <a:p>
+            <a:pPr marL="0" indent="0">
+              <a:buNone/>
+            </a:pPr>
+            <a:r>
+              <a:rPr lang="en-US" i="1"/>
+              <a:t>SkinContact</a:t>
+            </a:r>
+            <a:r>
+              <a:rPr lang="en-US"/>
+              <a:t> is a C++ class part of the </a:t>
+            </a:r>
+            <a:r>
+              <a:rPr lang="en-US" i="1">
+                <a:hlinkClick r:id="rId2"/>
+              </a:rPr>
+              <a:t>skinDynLib</a:t>
+            </a:r>
+            <a:r>
+              <a:rPr lang="en-US" i="1"/>
+              <a:t> </a:t>
+            </a:r>
+            <a:r>
+              <a:rPr lang="en-US"/>
+              <a:t>library, it represent a contact on the tactile sensor system of </a:t>
+            </a:r>
+            <a:r>
+              <a:rPr lang="en-US" err="1"/>
+              <a:t>iCub</a:t>
+            </a:r>
+            <a:r>
+              <a:rPr lang="en-US"/>
+              <a:t>.</a:t>
+            </a:r>
+          </a:p>
+          <a:p>
+            <a:pPr marL="0" indent="0">
+              <a:buNone/>
+            </a:pPr>
+            <a:r>
+              <a:rPr lang="en-US"/>
+              <a:t>It contains info such as:</a:t>
+            </a:r>
+          </a:p>
+          <a:p>
+            <a:pPr lvl="1"/>
+            <a:r>
+              <a:rPr lang="en-US"/>
+              <a:t>Body part</a:t>
+            </a:r>
+          </a:p>
+          <a:p>
+            <a:pPr lvl="1"/>
+            <a:r>
+              <a:rPr lang="en-US"/>
+              <a:t>Link number</a:t>
+            </a:r>
+          </a:p>
+          <a:p>
+            <a:pPr lvl="1"/>
+            <a:r>
+              <a:rPr lang="en-US"/>
+              <a:t>Center of pressure</a:t>
+            </a:r>
+          </a:p>
+          <a:p>
+            <a:pPr lvl="1"/>
+            <a:r>
+              <a:rPr lang="en-US"/>
+              <a:t>Normal direction</a:t>
+            </a:r>
+          </a:p>
+          <a:p>
+            <a:pPr lvl="1"/>
+            <a:r>
+              <a:rPr lang="en-US"/>
+              <a:t>Indexes of the </a:t>
+            </a:r>
+            <a:r>
+              <a:rPr lang="en-US" err="1"/>
+              <a:t>taxels</a:t>
+            </a:r>
+            <a:endParaRPr lang="en-US"/>
+          </a:p>
+          <a:p>
+            <a:pPr marL="0" indent="0">
+              <a:buNone/>
+            </a:pPr>
+            <a:r>
+              <a:rPr lang="en-US"/>
+              <a:t>These </a:t>
+            </a:r>
+            <a:r>
+              <a:rPr lang="en-US" i="1"/>
+              <a:t>SkinContact</a:t>
+            </a:r>
+            <a:r>
+              <a:rPr lang="en-US"/>
+              <a:t> objects are streamed by the </a:t>
+            </a:r>
+            <a:r>
+              <a:rPr lang="en-US" i="1" err="1"/>
+              <a:t>SkinManager</a:t>
+            </a:r>
+            <a:r>
+              <a:rPr lang="en-US"/>
+              <a:t> on the port </a:t>
+            </a:r>
+            <a:r>
+              <a:rPr lang="en-US">
+                <a:latin typeface="Consolas" panose="020B0609020204030204" pitchFamily="49" charset="0"/>
+              </a:rPr>
+              <a:t>/</a:t>
+            </a:r>
+            <a:r>
+              <a:rPr lang="en-US" err="1">
+                <a:latin typeface="Consolas" panose="020B0609020204030204" pitchFamily="49" charset="0"/>
+              </a:rPr>
+              <a:t>skinManager</a:t>
+            </a:r>
+            <a:r>
+              <a:rPr lang="en-US">
+                <a:latin typeface="Consolas" panose="020B0609020204030204" pitchFamily="49" charset="0"/>
+              </a:rPr>
+              <a:t>/</a:t>
+            </a:r>
+            <a:r>
+              <a:rPr lang="en-US" err="1">
+                <a:latin typeface="Consolas" panose="020B0609020204030204" pitchFamily="49" charset="0"/>
+              </a:rPr>
+              <a:t>skin_event:o</a:t>
+            </a:r>
+            <a:r>
+              <a:rPr lang="en-US">
+                <a:latin typeface="Consolas" panose="020B0609020204030204" pitchFamily="49" charset="0"/>
+              </a:rPr>
+              <a:t> </a:t>
+            </a:r>
+            <a:r>
+              <a:rPr lang="en-US"/>
+              <a:t>in the form of </a:t>
+            </a:r>
+            <a:r>
+              <a:rPr lang="en-US" i="1" err="1"/>
+              <a:t>SkinContactList</a:t>
+            </a:r>
+            <a:r>
+              <a:rPr lang="en-US"/>
+              <a:t>.</a:t>
+            </a:r>
+          </a:p>
+          <a:p>
+            <a:pPr marL="0" indent="0">
+              <a:buNone/>
+            </a:pPr>
+            <a:endParaRPr lang="en-US" i="1"/>
+          </a:p>
+        </p:txBody>
+      </p:sp>
+      <p:pic>
+        <p:nvPicPr>
+          <p:cNvPr id="5" name="Picture 2" descr="A close up of a sign&#10;&#10;Description automatically generated">
+            <a:extLst>
+              <a:ext uri="{FF2B5EF4-FFF2-40B4-BE49-F238E27FC236}">
+                <a16:creationId xmlns:a16="http://schemas.microsoft.com/office/drawing/2014/main" id="{445DAE2F-ECE5-43AE-BC57-3A0B3C0FF7CB}"/>
+              </a:ext>
+            </a:extLst>
+          </p:cNvPr>
+          <p:cNvPicPr>
+            <a:picLocks noChangeAspect="1"/>
+          </p:cNvPicPr>
+          <p:nvPr/>
+        </p:nvPicPr>
+        <p:blipFill>
+          <a:blip r:embed="rId3"/>
+          <a:stretch>
+            <a:fillRect/>
+          </a:stretch>
+        </p:blipFill>
+        <p:spPr>
+          <a:xfrm>
+            <a:off x="10756810" y="0"/>
+            <a:ext cx="1639471" cy="1639471"/>
+          </a:xfrm>
+          <a:prstGeom prst="rect">
+            <a:avLst/>
+          </a:prstGeom>
+        </p:spPr>
+      </p:pic>
+    </p:spTree>
+    <p:extLst>
+      <p:ext uri="{BB962C8B-B14F-4D97-AF65-F5344CB8AC3E}">
+        <p14:creationId xmlns:p14="http://schemas.microsoft.com/office/powerpoint/2010/main" val="632833667"/>
+      </p:ext>
+    </p:extLst>
+  </p:cSld>
+  <p:clrMapOvr>
+    <a:masterClrMapping/>
+  </p:clrMapOvr>
+</p:sld>
+</file>
+
+<file path=ppt/slides/slide15.xml><?xml version="1.0" encoding="utf-8"?>
+<p:sld xmlns:a="http://schemas.openxmlformats.org/drawingml/2006/main" xmlns:r="http://schemas.openxmlformats.org/officeDocument/2006/relationships" xmlns:p="http://schemas.openxmlformats.org/presentationml/2006/main">
+  <p:cSld>
+    <p:spTree>
+      <p:nvGrpSpPr>
+        <p:cNvPr id="1" name=""/>
+        <p:cNvGrpSpPr/>
+        <p:nvPr/>
+      </p:nvGrpSpPr>
+      <p:grpSpPr>
+        <a:xfrm>
+          <a:off x="0" y="0"/>
+          <a:ext cx="0" cy="0"/>
+          <a:chOff x="0" y="0"/>
+          <a:chExt cx="0" cy="0"/>
+        </a:xfrm>
+      </p:grpSpPr>
+      <p:sp>
+        <p:nvSpPr>
+          <p:cNvPr id="2" name="Titolo 1">
+            <a:extLst>
+              <a:ext uri="{FF2B5EF4-FFF2-40B4-BE49-F238E27FC236}">
+                <a16:creationId xmlns:a16="http://schemas.microsoft.com/office/drawing/2014/main" id="{96966719-826B-4DBF-AD56-D3B3DC0FDBD4}"/>
+              </a:ext>
+            </a:extLst>
+          </p:cNvPr>
+          <p:cNvSpPr>
+            <a:spLocks noGrp="1"/>
+          </p:cNvSpPr>
+          <p:nvPr>
+            <p:ph type="title"/>
+          </p:nvPr>
+        </p:nvSpPr>
+        <p:spPr/>
+        <p:txBody>
+          <a:bodyPr/>
+          <a:lstStyle/>
+          <a:p>
+            <a:r>
+              <a:rPr lang="en-US" err="1"/>
+              <a:t>Icub</a:t>
+            </a:r>
+            <a:r>
+              <a:rPr lang="en-US"/>
+              <a:t> SKIN API – Example</a:t>
+            </a:r>
+          </a:p>
+        </p:txBody>
+      </p:sp>
+      <p:sp>
+        <p:nvSpPr>
+          <p:cNvPr id="3" name="Segnaposto contenuto 2">
+            <a:extLst>
+              <a:ext uri="{FF2B5EF4-FFF2-40B4-BE49-F238E27FC236}">
+                <a16:creationId xmlns:a16="http://schemas.microsoft.com/office/drawing/2014/main" id="{A1DA1AC7-F5BA-4E6A-B800-4865F045D68E}"/>
+              </a:ext>
+            </a:extLst>
+          </p:cNvPr>
+          <p:cNvSpPr>
+            <a:spLocks noGrp="1"/>
+          </p:cNvSpPr>
+          <p:nvPr>
+            <p:ph idx="1"/>
+          </p:nvPr>
+        </p:nvSpPr>
+        <p:spPr>
+          <a:xfrm>
+            <a:off x="1451579" y="2015732"/>
+            <a:ext cx="7393483" cy="3976226"/>
+          </a:xfrm>
+          <a:solidFill>
+            <a:schemeClr val="tx1">
+              <a:lumMod val="75000"/>
+              <a:lumOff val="25000"/>
+            </a:schemeClr>
+          </a:solidFill>
+        </p:spPr>
+        <p:txBody>
+          <a:bodyPr>
+            <a:normAutofit fontScale="92500" lnSpcReduction="20000"/>
+          </a:bodyPr>
+          <a:lstStyle/>
+          <a:p>
+            <a:pPr marL="0" indent="0">
+              <a:buNone/>
+            </a:pPr>
+            <a:r>
+              <a:rPr lang="en-US" sz="1100" b="0">
+                <a:solidFill>
+                  <a:srgbClr val="4EC9B0"/>
+                </a:solidFill>
+                <a:effectLst/>
+                <a:latin typeface="Consolas" panose="020B0609020204030204" pitchFamily="49" charset="0"/>
+              </a:rPr>
+              <a:t>std</a:t>
+            </a:r>
+            <a:r>
+              <a:rPr lang="en-US" sz="1100" b="0">
+                <a:solidFill>
+                  <a:srgbClr val="D4D4D4"/>
+                </a:solidFill>
+                <a:effectLst/>
+                <a:latin typeface="Consolas" panose="020B0609020204030204" pitchFamily="49" charset="0"/>
+              </a:rPr>
+              <a:t>::string </a:t>
+            </a:r>
+            <a:r>
+              <a:rPr lang="en-US" sz="1100" b="0" err="1">
+                <a:solidFill>
+                  <a:srgbClr val="D4D4D4"/>
+                </a:solidFill>
+                <a:effectLst/>
+                <a:latin typeface="Consolas" panose="020B0609020204030204" pitchFamily="49" charset="0"/>
+              </a:rPr>
+              <a:t>local_name</a:t>
+            </a:r>
+            <a:r>
+              <a:rPr lang="en-US" sz="1100" b="0">
+                <a:solidFill>
+                  <a:srgbClr val="D4D4D4"/>
+                </a:solidFill>
+                <a:effectLst/>
+                <a:latin typeface="Consolas" panose="020B0609020204030204" pitchFamily="49" charset="0"/>
+              </a:rPr>
+              <a:t> {</a:t>
+            </a:r>
+            <a:r>
+              <a:rPr lang="en-US" sz="1100" b="0">
+                <a:solidFill>
+                  <a:srgbClr val="CE9178"/>
+                </a:solidFill>
+                <a:effectLst/>
+                <a:latin typeface="Consolas" panose="020B0609020204030204" pitchFamily="49" charset="0"/>
+              </a:rPr>
+              <a:t>"test"</a:t>
+            </a:r>
+            <a:r>
+              <a:rPr lang="en-US" sz="1100" b="0">
+                <a:solidFill>
+                  <a:srgbClr val="D4D4D4"/>
+                </a:solidFill>
+                <a:effectLst/>
+                <a:latin typeface="Consolas" panose="020B0609020204030204" pitchFamily="49" charset="0"/>
+              </a:rPr>
+              <a:t>};</a:t>
+            </a:r>
+          </a:p>
+          <a:p>
+            <a:pPr marL="0" indent="0">
+              <a:buNone/>
+            </a:pPr>
+            <a:r>
+              <a:rPr lang="en-US" sz="1100" b="0" err="1">
+                <a:solidFill>
+                  <a:srgbClr val="4EC9B0"/>
+                </a:solidFill>
+                <a:effectLst/>
+                <a:latin typeface="Consolas" panose="020B0609020204030204" pitchFamily="49" charset="0"/>
+              </a:rPr>
+              <a:t>yarp</a:t>
+            </a:r>
+            <a:r>
+              <a:rPr lang="en-US" sz="1100" b="0">
+                <a:solidFill>
+                  <a:srgbClr val="D4D4D4"/>
+                </a:solidFill>
+                <a:effectLst/>
+                <a:latin typeface="Consolas" panose="020B0609020204030204" pitchFamily="49" charset="0"/>
+              </a:rPr>
+              <a:t>::</a:t>
+            </a:r>
+            <a:r>
+              <a:rPr lang="en-US" sz="1100" b="0" err="1">
+                <a:solidFill>
+                  <a:srgbClr val="4EC9B0"/>
+                </a:solidFill>
+                <a:effectLst/>
+                <a:latin typeface="Consolas" panose="020B0609020204030204" pitchFamily="49" charset="0"/>
+              </a:rPr>
+              <a:t>os</a:t>
+            </a:r>
+            <a:r>
+              <a:rPr lang="en-US" sz="1100" b="0">
+                <a:solidFill>
+                  <a:srgbClr val="D4D4D4"/>
+                </a:solidFill>
+                <a:effectLst/>
+                <a:latin typeface="Consolas" panose="020B0609020204030204" pitchFamily="49" charset="0"/>
+              </a:rPr>
+              <a:t>::</a:t>
+            </a:r>
+            <a:r>
+              <a:rPr lang="en-US" sz="1100" b="0" err="1">
+                <a:solidFill>
+                  <a:srgbClr val="D4D4D4"/>
+                </a:solidFill>
+                <a:effectLst/>
+                <a:latin typeface="Consolas" panose="020B0609020204030204" pitchFamily="49" charset="0"/>
+              </a:rPr>
+              <a:t>BufferedPort</a:t>
+            </a:r>
+            <a:r>
+              <a:rPr lang="en-US" sz="1100" b="0">
+                <a:solidFill>
+                  <a:srgbClr val="D4D4D4"/>
+                </a:solidFill>
+                <a:effectLst/>
+                <a:latin typeface="Consolas" panose="020B0609020204030204" pitchFamily="49" charset="0"/>
+              </a:rPr>
+              <a:t>&lt;</a:t>
+            </a:r>
+            <a:r>
+              <a:rPr lang="en-US" sz="1100" b="0" err="1">
+                <a:solidFill>
+                  <a:srgbClr val="4EC9B0"/>
+                </a:solidFill>
+                <a:effectLst/>
+                <a:latin typeface="Consolas" panose="020B0609020204030204" pitchFamily="49" charset="0"/>
+              </a:rPr>
+              <a:t>iCub</a:t>
+            </a:r>
+            <a:r>
+              <a:rPr lang="en-US" sz="1100" b="0">
+                <a:solidFill>
+                  <a:srgbClr val="D4D4D4"/>
+                </a:solidFill>
+                <a:effectLst/>
+                <a:latin typeface="Consolas" panose="020B0609020204030204" pitchFamily="49" charset="0"/>
+              </a:rPr>
+              <a:t>::</a:t>
+            </a:r>
+            <a:r>
+              <a:rPr lang="en-US" sz="1100" b="0">
+                <a:solidFill>
+                  <a:srgbClr val="4EC9B0"/>
+                </a:solidFill>
+                <a:effectLst/>
+                <a:latin typeface="Consolas" panose="020B0609020204030204" pitchFamily="49" charset="0"/>
+              </a:rPr>
+              <a:t>skinDynLib</a:t>
+            </a:r>
+            <a:r>
+              <a:rPr lang="en-US" sz="1100" b="0">
+                <a:solidFill>
+                  <a:srgbClr val="D4D4D4"/>
+                </a:solidFill>
+                <a:effectLst/>
+                <a:latin typeface="Consolas" panose="020B0609020204030204" pitchFamily="49" charset="0"/>
+              </a:rPr>
+              <a:t>::</a:t>
+            </a:r>
+            <a:r>
+              <a:rPr lang="en-US" sz="1100" b="0" err="1">
+                <a:solidFill>
+                  <a:srgbClr val="D4D4D4"/>
+                </a:solidFill>
+                <a:effectLst/>
+                <a:latin typeface="Consolas" panose="020B0609020204030204" pitchFamily="49" charset="0"/>
+              </a:rPr>
+              <a:t>SkinContactList</a:t>
+            </a:r>
+            <a:r>
+              <a:rPr lang="en-US" sz="1100" b="0">
+                <a:solidFill>
+                  <a:srgbClr val="D4D4D4"/>
+                </a:solidFill>
+                <a:effectLst/>
+                <a:latin typeface="Consolas" panose="020B0609020204030204" pitchFamily="49" charset="0"/>
+              </a:rPr>
+              <a:t>&gt; </a:t>
+            </a:r>
+            <a:r>
+              <a:rPr lang="en-US" sz="1100" b="0" err="1">
+                <a:solidFill>
+                  <a:srgbClr val="D4D4D4"/>
+                </a:solidFill>
+                <a:effectLst/>
+                <a:latin typeface="Consolas" panose="020B0609020204030204" pitchFamily="49" charset="0"/>
+              </a:rPr>
+              <a:t>portSc</a:t>
+            </a:r>
+            <a:r>
+              <a:rPr lang="en-US" sz="1100" b="0">
+                <a:solidFill>
+                  <a:srgbClr val="D4D4D4"/>
+                </a:solidFill>
+                <a:effectLst/>
+                <a:latin typeface="Consolas" panose="020B0609020204030204" pitchFamily="49" charset="0"/>
+              </a:rPr>
+              <a:t>;    </a:t>
+            </a:r>
+          </a:p>
+          <a:p>
+            <a:pPr marL="0" indent="0">
+              <a:buNone/>
+            </a:pPr>
+            <a:r>
+              <a:rPr lang="en-US" sz="1100" b="0" err="1">
+                <a:solidFill>
+                  <a:srgbClr val="9CDCFE"/>
+                </a:solidFill>
+                <a:effectLst/>
+                <a:latin typeface="Consolas" panose="020B0609020204030204" pitchFamily="49" charset="0"/>
+              </a:rPr>
+              <a:t>portSc</a:t>
+            </a:r>
+            <a:r>
+              <a:rPr lang="en-US" sz="1100" b="0" err="1">
+                <a:solidFill>
+                  <a:srgbClr val="D4D4D4"/>
+                </a:solidFill>
+                <a:effectLst/>
+                <a:latin typeface="Consolas" panose="020B0609020204030204" pitchFamily="49" charset="0"/>
+              </a:rPr>
+              <a:t>.</a:t>
+            </a:r>
+            <a:r>
+              <a:rPr lang="en-US" sz="1100" b="0" err="1">
+                <a:solidFill>
+                  <a:srgbClr val="DCDCAA"/>
+                </a:solidFill>
+                <a:effectLst/>
+                <a:latin typeface="Consolas" panose="020B0609020204030204" pitchFamily="49" charset="0"/>
+              </a:rPr>
+              <a:t>open</a:t>
+            </a:r>
+            <a:r>
+              <a:rPr lang="en-US" sz="1100" b="0">
+                <a:solidFill>
+                  <a:srgbClr val="D4D4D4"/>
+                </a:solidFill>
+                <a:effectLst/>
+                <a:latin typeface="Consolas" panose="020B0609020204030204" pitchFamily="49" charset="0"/>
+              </a:rPr>
+              <a:t>(</a:t>
+            </a:r>
+            <a:r>
+              <a:rPr lang="en-US" sz="1100" b="0">
+                <a:solidFill>
+                  <a:srgbClr val="DCDCAA"/>
+                </a:solidFill>
+                <a:effectLst/>
+                <a:latin typeface="Consolas" panose="020B0609020204030204" pitchFamily="49" charset="0"/>
+              </a:rPr>
+              <a:t>string</a:t>
+            </a:r>
+            <a:r>
+              <a:rPr lang="en-US" sz="1100" b="0">
+                <a:solidFill>
+                  <a:srgbClr val="D4D4D4"/>
+                </a:solidFill>
+                <a:effectLst/>
+                <a:latin typeface="Consolas" panose="020B0609020204030204" pitchFamily="49" charset="0"/>
+              </a:rPr>
+              <a:t>(</a:t>
+            </a:r>
+            <a:r>
+              <a:rPr lang="en-US" sz="1100" b="0">
+                <a:solidFill>
+                  <a:srgbClr val="CE9178"/>
+                </a:solidFill>
+                <a:effectLst/>
+                <a:latin typeface="Consolas" panose="020B0609020204030204" pitchFamily="49" charset="0"/>
+              </a:rPr>
+              <a:t>"/"</a:t>
+            </a:r>
+            <a:r>
+              <a:rPr lang="en-US" sz="1100" b="0">
+                <a:solidFill>
+                  <a:srgbClr val="D4D4D4"/>
+                </a:solidFill>
+                <a:effectLst/>
+                <a:latin typeface="Consolas" panose="020B0609020204030204" pitchFamily="49" charset="0"/>
+              </a:rPr>
+              <a:t>+</a:t>
+            </a:r>
+            <a:r>
+              <a:rPr lang="en-US" sz="1100" b="0" err="1">
+                <a:solidFill>
+                  <a:srgbClr val="D4D4D4"/>
+                </a:solidFill>
+                <a:effectLst/>
+                <a:latin typeface="Consolas" panose="020B0609020204030204" pitchFamily="49" charset="0"/>
+              </a:rPr>
+              <a:t>local_name</a:t>
+            </a:r>
+            <a:r>
+              <a:rPr lang="en-US" sz="1100" b="0">
+                <a:solidFill>
+                  <a:srgbClr val="D4D4D4"/>
+                </a:solidFill>
+                <a:effectLst/>
+                <a:latin typeface="Consolas" panose="020B0609020204030204" pitchFamily="49" charset="0"/>
+              </a:rPr>
+              <a:t>+</a:t>
+            </a:r>
+            <a:r>
+              <a:rPr lang="en-US" sz="1100" b="0">
+                <a:solidFill>
+                  <a:srgbClr val="CE9178"/>
+                </a:solidFill>
+                <a:effectLst/>
+                <a:latin typeface="Consolas" panose="020B0609020204030204" pitchFamily="49" charset="0"/>
+              </a:rPr>
+              <a:t>"/</a:t>
+            </a:r>
+            <a:r>
+              <a:rPr lang="en-US" sz="1100" b="0" err="1">
+                <a:solidFill>
+                  <a:srgbClr val="CE9178"/>
+                </a:solidFill>
+                <a:effectLst/>
+                <a:latin typeface="Consolas" panose="020B0609020204030204" pitchFamily="49" charset="0"/>
+              </a:rPr>
+              <a:t>skin_contacts:i</a:t>
+            </a:r>
+            <a:r>
+              <a:rPr lang="en-US" sz="1100" b="0">
+                <a:solidFill>
+                  <a:srgbClr val="CE9178"/>
+                </a:solidFill>
+                <a:effectLst/>
+                <a:latin typeface="Consolas" panose="020B0609020204030204" pitchFamily="49" charset="0"/>
+              </a:rPr>
+              <a:t>"</a:t>
+            </a:r>
+            <a:r>
+              <a:rPr lang="en-US" sz="1100" b="0">
+                <a:solidFill>
+                  <a:srgbClr val="D4D4D4"/>
+                </a:solidFill>
+                <a:effectLst/>
+                <a:latin typeface="Consolas" panose="020B0609020204030204" pitchFamily="49" charset="0"/>
+              </a:rPr>
+              <a:t>).</a:t>
+            </a:r>
+            <a:r>
+              <a:rPr lang="en-US" sz="1100" b="0" err="1">
+                <a:solidFill>
+                  <a:srgbClr val="DCDCAA"/>
+                </a:solidFill>
+                <a:effectLst/>
+                <a:latin typeface="Consolas" panose="020B0609020204030204" pitchFamily="49" charset="0"/>
+              </a:rPr>
+              <a:t>c_str</a:t>
+            </a:r>
+            <a:r>
+              <a:rPr lang="en-US" sz="1100" b="0">
+                <a:solidFill>
+                  <a:srgbClr val="D4D4D4"/>
+                </a:solidFill>
+                <a:effectLst/>
+                <a:latin typeface="Consolas" panose="020B0609020204030204" pitchFamily="49" charset="0"/>
+              </a:rPr>
+              <a:t>());    </a:t>
+            </a:r>
+          </a:p>
+          <a:p>
+            <a:pPr marL="0" indent="0">
+              <a:buNone/>
+            </a:pPr>
+            <a:r>
+              <a:rPr lang="en-US" sz="1100" b="0">
+                <a:solidFill>
+                  <a:srgbClr val="4EC9B0"/>
+                </a:solidFill>
+                <a:effectLst/>
+                <a:latin typeface="Consolas" panose="020B0609020204030204" pitchFamily="49" charset="0"/>
+              </a:rPr>
+              <a:t>Network</a:t>
+            </a:r>
+            <a:r>
+              <a:rPr lang="en-US" sz="1100" b="0">
+                <a:solidFill>
+                  <a:srgbClr val="D4D4D4"/>
+                </a:solidFill>
+                <a:effectLst/>
+                <a:latin typeface="Consolas" panose="020B0609020204030204" pitchFamily="49" charset="0"/>
+              </a:rPr>
+              <a:t>::</a:t>
+            </a:r>
+            <a:r>
+              <a:rPr lang="en-US" sz="1100" b="0">
+                <a:solidFill>
+                  <a:srgbClr val="DCDCAA"/>
+                </a:solidFill>
+                <a:effectLst/>
+                <a:latin typeface="Consolas" panose="020B0609020204030204" pitchFamily="49" charset="0"/>
+              </a:rPr>
+              <a:t>connect</a:t>
+            </a:r>
+            <a:r>
+              <a:rPr lang="en-US" sz="1100" b="0">
+                <a:solidFill>
+                  <a:srgbClr val="D4D4D4"/>
+                </a:solidFill>
+                <a:effectLst/>
+                <a:latin typeface="Consolas" panose="020B0609020204030204" pitchFamily="49" charset="0"/>
+              </a:rPr>
+              <a:t>(</a:t>
+            </a:r>
+            <a:r>
+              <a:rPr lang="en-US" sz="1100" b="0" err="1">
+                <a:solidFill>
+                  <a:srgbClr val="9CDCFE"/>
+                </a:solidFill>
+                <a:effectLst/>
+                <a:latin typeface="Consolas" panose="020B0609020204030204" pitchFamily="49" charset="0"/>
+              </a:rPr>
+              <a:t>portSc</a:t>
+            </a:r>
+            <a:r>
+              <a:rPr lang="en-US" sz="1100" b="0" err="1">
+                <a:solidFill>
+                  <a:srgbClr val="D4D4D4"/>
+                </a:solidFill>
+                <a:effectLst/>
+                <a:latin typeface="Consolas" panose="020B0609020204030204" pitchFamily="49" charset="0"/>
+              </a:rPr>
+              <a:t>.</a:t>
+            </a:r>
+            <a:r>
+              <a:rPr lang="en-US" sz="1100" b="0" err="1">
+                <a:solidFill>
+                  <a:srgbClr val="DCDCAA"/>
+                </a:solidFill>
+                <a:effectLst/>
+                <a:latin typeface="Consolas" panose="020B0609020204030204" pitchFamily="49" charset="0"/>
+              </a:rPr>
+              <a:t>getName</a:t>
+            </a:r>
+            <a:r>
+              <a:rPr lang="en-US" sz="1100" b="0">
+                <a:solidFill>
+                  <a:srgbClr val="D4D4D4"/>
+                </a:solidFill>
+                <a:effectLst/>
+                <a:latin typeface="Consolas" panose="020B0609020204030204" pitchFamily="49" charset="0"/>
+              </a:rPr>
+              <a:t>().</a:t>
+            </a:r>
+            <a:r>
+              <a:rPr lang="en-US" sz="1100" b="0" err="1">
+                <a:solidFill>
+                  <a:srgbClr val="DCDCAA"/>
+                </a:solidFill>
+                <a:effectLst/>
+                <a:latin typeface="Consolas" panose="020B0609020204030204" pitchFamily="49" charset="0"/>
+              </a:rPr>
+              <a:t>c_str</a:t>
+            </a:r>
+            <a:r>
+              <a:rPr lang="en-US" sz="1100" b="0">
+                <a:solidFill>
+                  <a:srgbClr val="D4D4D4"/>
+                </a:solidFill>
+                <a:effectLst/>
+                <a:latin typeface="Consolas" panose="020B0609020204030204" pitchFamily="49" charset="0"/>
+              </a:rPr>
+              <a:t>(), </a:t>
+            </a:r>
+            <a:r>
+              <a:rPr lang="en-US" sz="1100" b="0">
+                <a:solidFill>
+                  <a:srgbClr val="CE9178"/>
+                </a:solidFill>
+                <a:effectLst/>
+                <a:latin typeface="Consolas" panose="020B0609020204030204" pitchFamily="49" charset="0"/>
+              </a:rPr>
+              <a:t>"/</a:t>
+            </a:r>
+            <a:r>
+              <a:rPr lang="en-US" sz="1100" b="0" err="1">
+                <a:solidFill>
+                  <a:srgbClr val="CE9178"/>
+                </a:solidFill>
+                <a:effectLst/>
+                <a:latin typeface="Consolas" panose="020B0609020204030204" pitchFamily="49" charset="0"/>
+              </a:rPr>
+              <a:t>skinManager</a:t>
+            </a:r>
+            <a:r>
+              <a:rPr lang="en-US" sz="1100" b="0">
+                <a:solidFill>
+                  <a:srgbClr val="CE9178"/>
+                </a:solidFill>
+                <a:effectLst/>
+                <a:latin typeface="Consolas" panose="020B0609020204030204" pitchFamily="49" charset="0"/>
+              </a:rPr>
+              <a:t>/skin_</a:t>
+            </a:r>
+            <a:r>
+              <a:rPr lang="en-US" sz="1100" b="0" err="1">
+                <a:solidFill>
+                  <a:srgbClr val="CE9178"/>
+                </a:solidFill>
+                <a:effectLst/>
+                <a:latin typeface="Consolas" panose="020B0609020204030204" pitchFamily="49" charset="0"/>
+              </a:rPr>
+              <a:t>events:o</a:t>
+            </a:r>
+            <a:r>
+              <a:rPr lang="en-US" sz="1100" b="0">
+                <a:solidFill>
+                  <a:srgbClr val="CE9178"/>
+                </a:solidFill>
+                <a:effectLst/>
+                <a:latin typeface="Consolas" panose="020B0609020204030204" pitchFamily="49" charset="0"/>
+              </a:rPr>
+              <a:t>"</a:t>
+            </a:r>
+            <a:r>
+              <a:rPr lang="en-US" sz="1100" b="0">
+                <a:solidFill>
+                  <a:srgbClr val="D4D4D4"/>
+                </a:solidFill>
+                <a:effectLst/>
+                <a:latin typeface="Consolas" panose="020B0609020204030204" pitchFamily="49" charset="0"/>
+              </a:rPr>
+              <a:t>,</a:t>
+            </a:r>
+            <a:r>
+              <a:rPr lang="en-US" sz="1100" b="0">
+                <a:solidFill>
+                  <a:srgbClr val="CE9178"/>
+                </a:solidFill>
+                <a:effectLst/>
+                <a:latin typeface="Consolas" panose="020B0609020204030204" pitchFamily="49" charset="0"/>
+              </a:rPr>
+              <a:t>"</a:t>
+            </a:r>
+            <a:r>
+              <a:rPr lang="en-US" sz="1100" b="0" err="1">
+                <a:solidFill>
+                  <a:srgbClr val="CE9178"/>
+                </a:solidFill>
+                <a:effectLst/>
+                <a:latin typeface="Consolas" panose="020B0609020204030204" pitchFamily="49" charset="0"/>
+              </a:rPr>
+              <a:t>udp</a:t>
+            </a:r>
+            <a:r>
+              <a:rPr lang="en-US" sz="1100" b="0">
+                <a:solidFill>
+                  <a:srgbClr val="CE9178"/>
+                </a:solidFill>
+                <a:effectLst/>
+                <a:latin typeface="Consolas" panose="020B0609020204030204" pitchFamily="49" charset="0"/>
+              </a:rPr>
+              <a:t>"</a:t>
+            </a:r>
+            <a:r>
+              <a:rPr lang="en-US" sz="1100" b="0">
+                <a:solidFill>
+                  <a:srgbClr val="D4D4D4"/>
+                </a:solidFill>
+                <a:effectLst/>
+                <a:latin typeface="Consolas" panose="020B0609020204030204" pitchFamily="49" charset="0"/>
+              </a:rPr>
+              <a:t>);    </a:t>
+            </a:r>
+          </a:p>
+          <a:p>
+            <a:pPr marL="0" indent="0">
+              <a:buNone/>
+            </a:pPr>
+            <a:r>
+              <a:rPr lang="en-US" sz="1100" b="0">
+                <a:solidFill>
+                  <a:srgbClr val="D4D4D4"/>
+                </a:solidFill>
+                <a:effectLst/>
+                <a:latin typeface="Consolas" panose="020B0609020204030204" pitchFamily="49" charset="0"/>
+              </a:rPr>
+              <a:t>    </a:t>
+            </a:r>
+          </a:p>
+          <a:p>
+            <a:pPr marL="0" indent="0">
+              <a:buNone/>
+            </a:pPr>
+            <a:r>
+              <a:rPr lang="en-US" sz="1100" b="0" err="1">
+                <a:solidFill>
+                  <a:srgbClr val="4EC9B0"/>
+                </a:solidFill>
+                <a:effectLst/>
+                <a:latin typeface="Consolas" panose="020B0609020204030204" pitchFamily="49" charset="0"/>
+              </a:rPr>
+              <a:t>iCub</a:t>
+            </a:r>
+            <a:r>
+              <a:rPr lang="en-US" sz="1100" b="0">
+                <a:solidFill>
+                  <a:srgbClr val="D4D4D4"/>
+                </a:solidFill>
+                <a:effectLst/>
+                <a:latin typeface="Consolas" panose="020B0609020204030204" pitchFamily="49" charset="0"/>
+              </a:rPr>
+              <a:t>::</a:t>
+            </a:r>
+            <a:r>
+              <a:rPr lang="en-US" sz="1100" b="0">
+                <a:solidFill>
+                  <a:srgbClr val="4EC9B0"/>
+                </a:solidFill>
+                <a:effectLst/>
+                <a:latin typeface="Consolas" panose="020B0609020204030204" pitchFamily="49" charset="0"/>
+              </a:rPr>
+              <a:t>skinDynLib</a:t>
+            </a:r>
+            <a:r>
+              <a:rPr lang="en-US" sz="1100" b="0">
+                <a:solidFill>
+                  <a:srgbClr val="D4D4D4"/>
+                </a:solidFill>
+                <a:effectLst/>
+                <a:latin typeface="Consolas" panose="020B0609020204030204" pitchFamily="49" charset="0"/>
+              </a:rPr>
+              <a:t>::</a:t>
+            </a:r>
+            <a:r>
+              <a:rPr lang="en-US" sz="1100" b="0" err="1">
+                <a:solidFill>
+                  <a:srgbClr val="D4D4D4"/>
+                </a:solidFill>
+                <a:effectLst/>
+                <a:latin typeface="Consolas" panose="020B0609020204030204" pitchFamily="49" charset="0"/>
+              </a:rPr>
+              <a:t>SkinContactList</a:t>
+            </a:r>
+            <a:r>
+              <a:rPr lang="en-US" sz="1100" b="0">
+                <a:solidFill>
+                  <a:srgbClr val="D4D4D4"/>
+                </a:solidFill>
+                <a:effectLst/>
+                <a:latin typeface="Consolas" panose="020B0609020204030204" pitchFamily="49" charset="0"/>
+              </a:rPr>
+              <a:t> *</a:t>
+            </a:r>
+            <a:r>
+              <a:rPr lang="en-US" sz="1100" b="0" err="1">
+                <a:solidFill>
+                  <a:srgbClr val="D4D4D4"/>
+                </a:solidFill>
+                <a:effectLst/>
+                <a:latin typeface="Consolas" panose="020B0609020204030204" pitchFamily="49" charset="0"/>
+              </a:rPr>
+              <a:t>scl</a:t>
+            </a:r>
+            <a:r>
+              <a:rPr lang="en-US" sz="1100" b="0">
+                <a:solidFill>
+                  <a:srgbClr val="D4D4D4"/>
+                </a:solidFill>
+                <a:effectLst/>
+                <a:latin typeface="Consolas" panose="020B0609020204030204" pitchFamily="49" charset="0"/>
+              </a:rPr>
+              <a:t> = </a:t>
+            </a:r>
+            <a:r>
+              <a:rPr lang="en-US" sz="1100" b="0" err="1">
+                <a:solidFill>
+                  <a:srgbClr val="9CDCFE"/>
+                </a:solidFill>
+                <a:effectLst/>
+                <a:latin typeface="Consolas" panose="020B0609020204030204" pitchFamily="49" charset="0"/>
+              </a:rPr>
+              <a:t>portSc</a:t>
+            </a:r>
+            <a:r>
+              <a:rPr lang="en-US" sz="1100" b="0" err="1">
+                <a:solidFill>
+                  <a:srgbClr val="D4D4D4"/>
+                </a:solidFill>
+                <a:effectLst/>
+                <a:latin typeface="Consolas" panose="020B0609020204030204" pitchFamily="49" charset="0"/>
+              </a:rPr>
+              <a:t>.</a:t>
+            </a:r>
+            <a:r>
+              <a:rPr lang="en-US" sz="1100" b="0" err="1">
+                <a:solidFill>
+                  <a:srgbClr val="DCDCAA"/>
+                </a:solidFill>
+                <a:effectLst/>
+                <a:latin typeface="Consolas" panose="020B0609020204030204" pitchFamily="49" charset="0"/>
+              </a:rPr>
+              <a:t>read</a:t>
+            </a:r>
+            <a:r>
+              <a:rPr lang="en-US" sz="1100" b="0">
+                <a:solidFill>
+                  <a:srgbClr val="D4D4D4"/>
+                </a:solidFill>
+                <a:effectLst/>
+                <a:latin typeface="Consolas" panose="020B0609020204030204" pitchFamily="49" charset="0"/>
+              </a:rPr>
+              <a:t>(</a:t>
+            </a:r>
+            <a:r>
+              <a:rPr lang="en-US" sz="1100" b="0">
+                <a:solidFill>
+                  <a:srgbClr val="569CD6"/>
+                </a:solidFill>
+                <a:effectLst/>
+                <a:latin typeface="Consolas" panose="020B0609020204030204" pitchFamily="49" charset="0"/>
+              </a:rPr>
+              <a:t>false</a:t>
+            </a:r>
+            <a:r>
+              <a:rPr lang="en-US" sz="1100" b="0">
+                <a:solidFill>
+                  <a:srgbClr val="D4D4D4"/>
+                </a:solidFill>
+                <a:effectLst/>
+                <a:latin typeface="Consolas" panose="020B0609020204030204" pitchFamily="49" charset="0"/>
+              </a:rPr>
+              <a:t>);    </a:t>
+            </a:r>
+          </a:p>
+          <a:p>
+            <a:pPr marL="0" indent="0">
+              <a:buNone/>
+            </a:pPr>
+            <a:r>
+              <a:rPr lang="en-US" sz="1100" b="0">
+                <a:solidFill>
+                  <a:srgbClr val="C586C0"/>
+                </a:solidFill>
+                <a:effectLst/>
+                <a:latin typeface="Consolas" panose="020B0609020204030204" pitchFamily="49" charset="0"/>
+              </a:rPr>
+              <a:t>if</a:t>
+            </a:r>
+            <a:r>
+              <a:rPr lang="en-US" sz="1100" b="0">
+                <a:solidFill>
+                  <a:srgbClr val="D4D4D4"/>
+                </a:solidFill>
+                <a:effectLst/>
+                <a:latin typeface="Consolas" panose="020B0609020204030204" pitchFamily="49" charset="0"/>
+              </a:rPr>
+              <a:t>(</a:t>
+            </a:r>
+            <a:r>
+              <a:rPr lang="en-US" sz="1100" b="0" err="1">
+                <a:solidFill>
+                  <a:srgbClr val="D4D4D4"/>
+                </a:solidFill>
+                <a:effectLst/>
+                <a:latin typeface="Consolas" panose="020B0609020204030204" pitchFamily="49" charset="0"/>
+              </a:rPr>
+              <a:t>scl</a:t>
+            </a:r>
+            <a:r>
+              <a:rPr lang="en-US" sz="1100" b="0">
+                <a:solidFill>
+                  <a:srgbClr val="D4D4D4"/>
+                </a:solidFill>
+                <a:effectLst/>
+                <a:latin typeface="Consolas" panose="020B0609020204030204" pitchFamily="49" charset="0"/>
+              </a:rPr>
+              <a:t> !=  </a:t>
+            </a:r>
+            <a:r>
+              <a:rPr lang="en-US" sz="1100" b="0" err="1">
+                <a:solidFill>
+                  <a:srgbClr val="569CD6"/>
+                </a:solidFill>
+                <a:effectLst/>
+                <a:latin typeface="Consolas" panose="020B0609020204030204" pitchFamily="49" charset="0"/>
+              </a:rPr>
+              <a:t>nullptr</a:t>
+            </a:r>
+            <a:r>
+              <a:rPr lang="en-US" sz="1100" b="0">
+                <a:solidFill>
+                  <a:srgbClr val="D4D4D4"/>
+                </a:solidFill>
+                <a:effectLst/>
+                <a:latin typeface="Consolas" panose="020B0609020204030204" pitchFamily="49" charset="0"/>
+              </a:rPr>
+              <a:t>)    </a:t>
+            </a:r>
+          </a:p>
+          <a:p>
+            <a:pPr marL="0" indent="0">
+              <a:buNone/>
+            </a:pPr>
+            <a:r>
+              <a:rPr lang="en-US" sz="1100" b="0">
+                <a:solidFill>
+                  <a:srgbClr val="D4D4D4"/>
+                </a:solidFill>
+                <a:effectLst/>
+                <a:latin typeface="Consolas" panose="020B0609020204030204" pitchFamily="49" charset="0"/>
+              </a:rPr>
+              <a:t>{    </a:t>
+            </a:r>
+          </a:p>
+          <a:p>
+            <a:pPr marL="0" indent="0">
+              <a:buNone/>
+            </a:pPr>
+            <a:r>
+              <a:rPr lang="en-US" sz="1100" b="0">
+                <a:solidFill>
+                  <a:srgbClr val="D4D4D4"/>
+                </a:solidFill>
+                <a:effectLst/>
+                <a:latin typeface="Consolas" panose="020B0609020204030204" pitchFamily="49" charset="0"/>
+              </a:rPr>
+              <a:t>    map&lt;</a:t>
+            </a:r>
+            <a:r>
+              <a:rPr lang="en-US" sz="1100" b="0" err="1">
+                <a:solidFill>
+                  <a:srgbClr val="4EC9B0"/>
+                </a:solidFill>
+                <a:effectLst/>
+                <a:latin typeface="Consolas" panose="020B0609020204030204" pitchFamily="49" charset="0"/>
+              </a:rPr>
+              <a:t>iCub</a:t>
+            </a:r>
+            <a:r>
+              <a:rPr lang="en-US" sz="1100" b="0">
+                <a:solidFill>
+                  <a:srgbClr val="D4D4D4"/>
+                </a:solidFill>
+                <a:effectLst/>
+                <a:latin typeface="Consolas" panose="020B0609020204030204" pitchFamily="49" charset="0"/>
+              </a:rPr>
+              <a:t>::</a:t>
+            </a:r>
+            <a:r>
+              <a:rPr lang="en-US" sz="1100" b="0">
+                <a:solidFill>
+                  <a:srgbClr val="4EC9B0"/>
+                </a:solidFill>
+                <a:effectLst/>
+                <a:latin typeface="Consolas" panose="020B0609020204030204" pitchFamily="49" charset="0"/>
+              </a:rPr>
+              <a:t>skinDynLib</a:t>
+            </a:r>
+            <a:r>
+              <a:rPr lang="en-US" sz="1100" b="0">
+                <a:solidFill>
+                  <a:srgbClr val="D4D4D4"/>
+                </a:solidFill>
+                <a:effectLst/>
+                <a:latin typeface="Consolas" panose="020B0609020204030204" pitchFamily="49" charset="0"/>
+              </a:rPr>
+              <a:t>::</a:t>
+            </a:r>
+            <a:r>
+              <a:rPr lang="en-US" sz="1100" b="0" err="1">
+                <a:solidFill>
+                  <a:srgbClr val="D4D4D4"/>
+                </a:solidFill>
+                <a:effectLst/>
+                <a:latin typeface="Consolas" panose="020B0609020204030204" pitchFamily="49" charset="0"/>
+              </a:rPr>
+              <a:t>BodyPart</a:t>
+            </a:r>
+            <a:r>
+              <a:rPr lang="en-US" sz="1100" b="0">
+                <a:solidFill>
+                  <a:srgbClr val="D4D4D4"/>
+                </a:solidFill>
+                <a:effectLst/>
+                <a:latin typeface="Consolas" panose="020B0609020204030204" pitchFamily="49" charset="0"/>
+              </a:rPr>
+              <a:t>, </a:t>
+            </a:r>
+            <a:r>
+              <a:rPr lang="en-US" sz="1100" b="0" err="1">
+                <a:solidFill>
+                  <a:srgbClr val="D4D4D4"/>
+                </a:solidFill>
+                <a:effectLst/>
+                <a:latin typeface="Consolas" panose="020B0609020204030204" pitchFamily="49" charset="0"/>
+              </a:rPr>
+              <a:t>SkinContactList</a:t>
+            </a:r>
+            <a:r>
+              <a:rPr lang="en-US" sz="1100" b="0">
+                <a:solidFill>
+                  <a:srgbClr val="D4D4D4"/>
+                </a:solidFill>
+                <a:effectLst/>
+                <a:latin typeface="Consolas" panose="020B0609020204030204" pitchFamily="49" charset="0"/>
+              </a:rPr>
+              <a:t>&gt; </a:t>
+            </a:r>
+            <a:r>
+              <a:rPr lang="en-US" sz="1100" b="0" err="1">
+                <a:solidFill>
+                  <a:srgbClr val="D4D4D4"/>
+                </a:solidFill>
+                <a:effectLst/>
+                <a:latin typeface="Consolas" panose="020B0609020204030204" pitchFamily="49" charset="0"/>
+              </a:rPr>
+              <a:t>contactsPerBp</a:t>
+            </a:r>
+            <a:r>
+              <a:rPr lang="en-US" sz="1100" b="0">
+                <a:solidFill>
+                  <a:srgbClr val="D4D4D4"/>
+                </a:solidFill>
+                <a:effectLst/>
+                <a:latin typeface="Consolas" panose="020B0609020204030204" pitchFamily="49" charset="0"/>
+              </a:rPr>
+              <a:t> = </a:t>
+            </a:r>
+            <a:r>
+              <a:rPr lang="en-US" sz="1100" b="0" err="1">
+                <a:solidFill>
+                  <a:srgbClr val="9CDCFE"/>
+                </a:solidFill>
+                <a:effectLst/>
+                <a:latin typeface="Consolas" panose="020B0609020204030204" pitchFamily="49" charset="0"/>
+              </a:rPr>
+              <a:t>scl</a:t>
+            </a:r>
+            <a:r>
+              <a:rPr lang="en-US" sz="1100" b="0">
+                <a:solidFill>
+                  <a:srgbClr val="D4D4D4"/>
+                </a:solidFill>
+                <a:effectLst/>
+                <a:latin typeface="Consolas" panose="020B0609020204030204" pitchFamily="49" charset="0"/>
+              </a:rPr>
+              <a:t>-&gt;</a:t>
+            </a:r>
+            <a:r>
+              <a:rPr lang="en-US" sz="1100" b="0" err="1">
+                <a:solidFill>
+                  <a:srgbClr val="DCDCAA"/>
+                </a:solidFill>
+                <a:effectLst/>
+                <a:latin typeface="Consolas" panose="020B0609020204030204" pitchFamily="49" charset="0"/>
+              </a:rPr>
+              <a:t>splitPerBodyPart</a:t>
+            </a:r>
+            <a:r>
+              <a:rPr lang="en-US" sz="1100" b="0">
+                <a:solidFill>
+                  <a:srgbClr val="D4D4D4"/>
+                </a:solidFill>
+                <a:effectLst/>
+                <a:latin typeface="Consolas" panose="020B0609020204030204" pitchFamily="49" charset="0"/>
+              </a:rPr>
+              <a:t>();    </a:t>
+            </a:r>
+          </a:p>
+          <a:p>
+            <a:pPr marL="0" indent="0">
+              <a:buNone/>
+            </a:pPr>
+            <a:r>
+              <a:rPr lang="en-US" sz="1100" b="0">
+                <a:solidFill>
+                  <a:srgbClr val="D4D4D4"/>
+                </a:solidFill>
+                <a:effectLst/>
+                <a:latin typeface="Consolas" panose="020B0609020204030204" pitchFamily="49" charset="0"/>
+              </a:rPr>
+              <a:t>    </a:t>
+            </a:r>
+            <a:r>
+              <a:rPr lang="en-US" sz="1100" b="0">
+                <a:solidFill>
+                  <a:srgbClr val="C586C0"/>
+                </a:solidFill>
+                <a:effectLst/>
+                <a:latin typeface="Consolas" panose="020B0609020204030204" pitchFamily="49" charset="0"/>
+              </a:rPr>
+              <a:t>for</a:t>
+            </a:r>
+            <a:r>
+              <a:rPr lang="en-US" sz="1100" b="0">
+                <a:solidFill>
+                  <a:srgbClr val="D4D4D4"/>
+                </a:solidFill>
+                <a:effectLst/>
+                <a:latin typeface="Consolas" panose="020B0609020204030204" pitchFamily="49" charset="0"/>
+              </a:rPr>
+              <a:t>(</a:t>
+            </a:r>
+            <a:r>
+              <a:rPr lang="en-US" sz="1100" b="0">
+                <a:solidFill>
+                  <a:srgbClr val="569CD6"/>
+                </a:solidFill>
+                <a:effectLst/>
+                <a:latin typeface="Consolas" panose="020B0609020204030204" pitchFamily="49" charset="0"/>
+              </a:rPr>
+              <a:t>auto</a:t>
+            </a:r>
+            <a:r>
+              <a:rPr lang="en-US" sz="1100" b="0">
+                <a:solidFill>
+                  <a:srgbClr val="D4D4D4"/>
+                </a:solidFill>
+                <a:effectLst/>
+                <a:latin typeface="Consolas" panose="020B0609020204030204" pitchFamily="49" charset="0"/>
+              </a:rPr>
+              <a:t>&amp; contacts : </a:t>
+            </a:r>
+            <a:r>
+              <a:rPr lang="en-US" sz="1100" b="0" err="1">
+                <a:solidFill>
+                  <a:srgbClr val="D4D4D4"/>
+                </a:solidFill>
+                <a:effectLst/>
+                <a:latin typeface="Consolas" panose="020B0609020204030204" pitchFamily="49" charset="0"/>
+              </a:rPr>
+              <a:t>contactsPerBp</a:t>
+            </a:r>
+            <a:r>
+              <a:rPr lang="en-US" sz="1100" b="0">
+                <a:solidFill>
+                  <a:srgbClr val="D4D4D4"/>
+                </a:solidFill>
+                <a:effectLst/>
+                <a:latin typeface="Consolas" panose="020B0609020204030204" pitchFamily="49" charset="0"/>
+              </a:rPr>
+              <a:t>)    </a:t>
+            </a:r>
+          </a:p>
+          <a:p>
+            <a:pPr marL="0" indent="0">
+              <a:buNone/>
+            </a:pPr>
+            <a:r>
+              <a:rPr lang="en-US" sz="1100" b="0">
+                <a:solidFill>
+                  <a:srgbClr val="D4D4D4"/>
+                </a:solidFill>
+                <a:effectLst/>
+                <a:latin typeface="Consolas" panose="020B0609020204030204" pitchFamily="49" charset="0"/>
+              </a:rPr>
+              <a:t>    {    </a:t>
+            </a:r>
+          </a:p>
+          <a:p>
+            <a:pPr marL="0" indent="0">
+              <a:buNone/>
+            </a:pPr>
+            <a:r>
+              <a:rPr lang="en-US" sz="1100" b="0">
+                <a:solidFill>
+                  <a:srgbClr val="D4D4D4"/>
+                </a:solidFill>
+                <a:effectLst/>
+                <a:latin typeface="Consolas" panose="020B0609020204030204" pitchFamily="49" charset="0"/>
+              </a:rPr>
+              <a:t>        </a:t>
+            </a:r>
+            <a:r>
+              <a:rPr lang="en-US" sz="1100" b="0" err="1">
+                <a:solidFill>
+                  <a:srgbClr val="DCDCAA"/>
+                </a:solidFill>
+                <a:effectLst/>
+                <a:latin typeface="Consolas" panose="020B0609020204030204" pitchFamily="49" charset="0"/>
+              </a:rPr>
+              <a:t>doSomethingWithSkinContact</a:t>
+            </a:r>
+            <a:r>
+              <a:rPr lang="en-US" sz="1100" b="0">
+                <a:solidFill>
+                  <a:srgbClr val="D4D4D4"/>
+                </a:solidFill>
+                <a:effectLst/>
+                <a:latin typeface="Consolas" panose="020B0609020204030204" pitchFamily="49" charset="0"/>
+              </a:rPr>
+              <a:t>(contacts);    </a:t>
+            </a:r>
+          </a:p>
+          <a:p>
+            <a:pPr marL="0" indent="0">
+              <a:buNone/>
+            </a:pPr>
+            <a:r>
+              <a:rPr lang="en-US" sz="1100" b="0">
+                <a:solidFill>
+                  <a:srgbClr val="D4D4D4"/>
+                </a:solidFill>
+                <a:effectLst/>
+                <a:latin typeface="Consolas" panose="020B0609020204030204" pitchFamily="49" charset="0"/>
+              </a:rPr>
+              <a:t>    }    </a:t>
+            </a:r>
+          </a:p>
+          <a:p>
+            <a:pPr marL="0" indent="0">
+              <a:buNone/>
+            </a:pPr>
+            <a:r>
+              <a:rPr lang="en-US" sz="1100" b="0">
+                <a:solidFill>
+                  <a:srgbClr val="D4D4D4"/>
+                </a:solidFill>
+                <a:effectLst/>
+                <a:latin typeface="Consolas" panose="020B0609020204030204" pitchFamily="49" charset="0"/>
+              </a:rPr>
+              <a:t>}  </a:t>
+            </a:r>
+          </a:p>
+          <a:p>
+            <a:pPr marL="0" indent="0">
+              <a:buNone/>
+            </a:pPr>
+            <a:endParaRPr lang="en-US" sz="1100" i="1">
+              <a:solidFill>
+                <a:schemeClr val="tx2">
+                  <a:lumMod val="40000"/>
+                  <a:lumOff val="60000"/>
+                </a:schemeClr>
+              </a:solidFill>
+            </a:endParaRPr>
+          </a:p>
+        </p:txBody>
+      </p:sp>
+      <p:pic>
+        <p:nvPicPr>
+          <p:cNvPr id="5" name="Picture 2" descr="A close up of a sign&#10;&#10;Description automatically generated">
+            <a:extLst>
+              <a:ext uri="{FF2B5EF4-FFF2-40B4-BE49-F238E27FC236}">
+                <a16:creationId xmlns:a16="http://schemas.microsoft.com/office/drawing/2014/main" id="{445DAE2F-ECE5-43AE-BC57-3A0B3C0FF7CB}"/>
+              </a:ext>
+            </a:extLst>
+          </p:cNvPr>
+          <p:cNvPicPr>
+            <a:picLocks noChangeAspect="1"/>
+          </p:cNvPicPr>
+          <p:nvPr/>
+        </p:nvPicPr>
+        <p:blipFill>
+          <a:blip r:embed="rId2"/>
+          <a:stretch>
+            <a:fillRect/>
+          </a:stretch>
+        </p:blipFill>
+        <p:spPr>
+          <a:xfrm>
+            <a:off x="10756810" y="0"/>
+            <a:ext cx="1639471" cy="1639471"/>
+          </a:xfrm>
+          <a:prstGeom prst="rect">
+            <a:avLst/>
+          </a:prstGeom>
+        </p:spPr>
+      </p:pic>
+    </p:spTree>
+    <p:extLst>
+      <p:ext uri="{BB962C8B-B14F-4D97-AF65-F5344CB8AC3E}">
+        <p14:creationId xmlns:p14="http://schemas.microsoft.com/office/powerpoint/2010/main" val="780227660"/>
+      </p:ext>
+    </p:extLst>
+  </p:cSld>
+  <p:clrMapOvr>
+    <a:masterClrMapping/>
+  </p:clrMapOvr>
+</p:sld>
+</file>
+
+<file path=ppt/slides/slide16.xml><?xml version="1.0" encoding="utf-8"?>
+<p:sld xmlns:a="http://schemas.openxmlformats.org/drawingml/2006/main" xmlns:r="http://schemas.openxmlformats.org/officeDocument/2006/relationships" xmlns:p="http://schemas.openxmlformats.org/presentationml/2006/main">
+  <p:cSld>
+    <p:spTree>
+      <p:nvGrpSpPr>
+        <p:cNvPr id="1" name=""/>
+        <p:cNvGrpSpPr/>
+        <p:nvPr/>
+      </p:nvGrpSpPr>
+      <p:grpSpPr>
+        <a:xfrm>
+          <a:off x="0" y="0"/>
+          <a:ext cx="0" cy="0"/>
+          <a:chOff x="0" y="0"/>
+          <a:chExt cx="0" cy="0"/>
+        </a:xfrm>
+      </p:grpSpPr>
+      <p:sp>
+        <p:nvSpPr>
+          <p:cNvPr id="2" name="Titolo 1">
+            <a:extLst>
+              <a:ext uri="{FF2B5EF4-FFF2-40B4-BE49-F238E27FC236}">
+                <a16:creationId xmlns:a16="http://schemas.microsoft.com/office/drawing/2014/main" id="{96966719-826B-4DBF-AD56-D3B3DC0FDBD4}"/>
+              </a:ext>
+            </a:extLst>
+          </p:cNvPr>
+          <p:cNvSpPr>
+            <a:spLocks noGrp="1"/>
+          </p:cNvSpPr>
+          <p:nvPr>
+            <p:ph type="title"/>
+          </p:nvPr>
+        </p:nvSpPr>
+        <p:spPr/>
+        <p:txBody>
+          <a:bodyPr/>
+          <a:lstStyle/>
+          <a:p>
+            <a:r>
+              <a:rPr lang="en-US" err="1"/>
+              <a:t>icubskingui</a:t>
+            </a:r>
+            <a:endParaRPr lang="en-US"/>
+          </a:p>
+        </p:txBody>
+      </p:sp>
+      <p:pic>
+        <p:nvPicPr>
+          <p:cNvPr id="5" name="Picture 2" descr="A close up of a sign&#10;&#10;Description automatically generated">
+            <a:extLst>
+              <a:ext uri="{FF2B5EF4-FFF2-40B4-BE49-F238E27FC236}">
+                <a16:creationId xmlns:a16="http://schemas.microsoft.com/office/drawing/2014/main" id="{445DAE2F-ECE5-43AE-BC57-3A0B3C0FF7CB}"/>
+              </a:ext>
+            </a:extLst>
+          </p:cNvPr>
+          <p:cNvPicPr>
+            <a:picLocks noChangeAspect="1"/>
+          </p:cNvPicPr>
+          <p:nvPr/>
+        </p:nvPicPr>
+        <p:blipFill>
+          <a:blip r:embed="rId2"/>
+          <a:stretch>
+            <a:fillRect/>
+          </a:stretch>
+        </p:blipFill>
+        <p:spPr>
+          <a:xfrm>
+            <a:off x="10756810" y="0"/>
+            <a:ext cx="1639471" cy="1639471"/>
+          </a:xfrm>
+          <a:prstGeom prst="rect">
+            <a:avLst/>
+          </a:prstGeom>
+        </p:spPr>
+      </p:pic>
+      <p:sp>
+        <p:nvSpPr>
+          <p:cNvPr id="3" name="Segnaposto contenuto 2">
+            <a:extLst>
+              <a:ext uri="{FF2B5EF4-FFF2-40B4-BE49-F238E27FC236}">
+                <a16:creationId xmlns:a16="http://schemas.microsoft.com/office/drawing/2014/main" id="{BBC08A79-9DFF-4C3F-B977-9C7CED9AB5C0}"/>
+              </a:ext>
+            </a:extLst>
+          </p:cNvPr>
+          <p:cNvSpPr>
+            <a:spLocks noGrp="1"/>
+          </p:cNvSpPr>
+          <p:nvPr>
+            <p:ph idx="1"/>
+          </p:nvPr>
+        </p:nvSpPr>
+        <p:spPr>
+          <a:xfrm>
+            <a:off x="6096000" y="1950609"/>
+            <a:ext cx="4447435" cy="3450613"/>
+          </a:xfrm>
+        </p:spPr>
+        <p:txBody>
+          <a:bodyPr/>
+          <a:lstStyle/>
+          <a:p>
+            <a:pPr marL="0" indent="0">
+              <a:buNone/>
+            </a:pPr>
+            <a:r>
+              <a:rPr lang="en-US" i="1" err="1"/>
+              <a:t>iCubSkinGui</a:t>
+            </a:r>
+            <a:r>
+              <a:rPr lang="en-US"/>
+              <a:t> is a GUI to display the output of fingertips/skin tactile sensors.</a:t>
+            </a:r>
+          </a:p>
+          <a:p>
+            <a:pPr marL="0" indent="0">
+              <a:buNone/>
+            </a:pPr>
+            <a:r>
+              <a:rPr lang="en-US"/>
+              <a:t>It is defined by the configuration files located in</a:t>
+            </a:r>
+          </a:p>
+          <a:p>
+            <a:pPr marL="0" indent="0">
+              <a:buNone/>
+            </a:pPr>
+            <a:r>
+              <a:rPr lang="en-US" err="1"/>
+              <a:t>icub</a:t>
+            </a:r>
+            <a:r>
+              <a:rPr lang="en-US"/>
+              <a:t>-main/apps/</a:t>
+            </a:r>
+            <a:r>
+              <a:rPr lang="en-US" err="1"/>
+              <a:t>skinGui</a:t>
+            </a:r>
+            <a:r>
+              <a:rPr lang="en-US"/>
+              <a:t>/conf/</a:t>
+            </a:r>
+            <a:r>
+              <a:rPr lang="en-US" err="1"/>
+              <a:t>skinGui</a:t>
+            </a:r>
+            <a:r>
+              <a:rPr lang="en-US"/>
+              <a:t>.</a:t>
+            </a:r>
+          </a:p>
+        </p:txBody>
+      </p:sp>
+      <p:pic>
+        <p:nvPicPr>
+          <p:cNvPr id="3074" name="Picture 2" descr="Image">
+            <a:extLst>
+              <a:ext uri="{FF2B5EF4-FFF2-40B4-BE49-F238E27FC236}">
+                <a16:creationId xmlns:a16="http://schemas.microsoft.com/office/drawing/2014/main" id="{EC567765-80FE-403B-8C9B-B03C11EAFB1E}"/>
+              </a:ext>
+            </a:extLst>
+          </p:cNvPr>
+          <p:cNvPicPr>
+            <a:picLocks noChangeAspect="1" noChangeArrowheads="1"/>
+          </p:cNvPicPr>
+          <p:nvPr/>
+        </p:nvPicPr>
+        <p:blipFill>
+          <a:blip r:embed="rId3">
+            <a:extLst>
+              <a:ext uri="{28A0092B-C50C-407E-A947-70E740481C1C}">
+                <a14:useLocalDpi xmlns:a14="http://schemas.microsoft.com/office/drawing/2010/main" val="0"/>
+              </a:ext>
+            </a:extLst>
+          </a:blip>
+          <a:srcRect/>
+          <a:stretch>
+            <a:fillRect/>
+          </a:stretch>
+        </p:blipFill>
+        <p:spPr bwMode="auto">
+          <a:xfrm>
+            <a:off x="1328615" y="1950609"/>
+            <a:ext cx="4694115" cy="3852313"/>
+          </a:xfrm>
+          <a:prstGeom prst="rect">
+            <a:avLst/>
+          </a:prstGeom>
+          <a:noFill/>
+          <a:extLst>
+            <a:ext uri="{909E8E84-426E-40DD-AFC4-6F175D3DCCD1}">
+              <a14:hiddenFill xmlns:a14="http://schemas.microsoft.com/office/drawing/2010/main">
+                <a:solidFill>
+                  <a:srgbClr val="FFFFFF"/>
+                </a:solidFill>
+              </a14:hiddenFill>
+            </a:ext>
+          </a:extLst>
+        </p:spPr>
+      </p:pic>
+    </p:spTree>
+    <p:extLst>
+      <p:ext uri="{BB962C8B-B14F-4D97-AF65-F5344CB8AC3E}">
+        <p14:creationId xmlns:p14="http://schemas.microsoft.com/office/powerpoint/2010/main" val="685961193"/>
+      </p:ext>
+    </p:extLst>
+  </p:cSld>
+  <p:clrMapOvr>
+    <a:masterClrMapping/>
+  </p:clrMapOvr>
+</p:sld>
+</file>
+
+<file path=ppt/slides/slide17.xml><?xml version="1.0" encoding="utf-8"?>
+<p:sld xmlns:a="http://schemas.openxmlformats.org/drawingml/2006/main" xmlns:r="http://schemas.openxmlformats.org/officeDocument/2006/relationships" xmlns:p="http://schemas.openxmlformats.org/presentationml/2006/main">
+  <p:cSld>
+    <p:spTree>
+      <p:nvGrpSpPr>
+        <p:cNvPr id="1" name=""/>
+        <p:cNvGrpSpPr/>
+        <p:nvPr/>
+      </p:nvGrpSpPr>
+      <p:grpSpPr>
+        <a:xfrm>
+          <a:off x="0" y="0"/>
+          <a:ext cx="0" cy="0"/>
+          <a:chOff x="0" y="0"/>
+          <a:chExt cx="0" cy="0"/>
+        </a:xfrm>
+      </p:grpSpPr>
+      <p:sp>
+        <p:nvSpPr>
+          <p:cNvPr id="2" name="Titolo 1">
+            <a:extLst>
+              <a:ext uri="{FF2B5EF4-FFF2-40B4-BE49-F238E27FC236}">
+                <a16:creationId xmlns:a16="http://schemas.microsoft.com/office/drawing/2014/main" id="{96966719-826B-4DBF-AD56-D3B3DC0FDBD4}"/>
+              </a:ext>
+            </a:extLst>
+          </p:cNvPr>
+          <p:cNvSpPr>
+            <a:spLocks noGrp="1"/>
+          </p:cNvSpPr>
+          <p:nvPr>
+            <p:ph type="title"/>
+          </p:nvPr>
+        </p:nvSpPr>
+        <p:spPr/>
+        <p:txBody>
+          <a:bodyPr/>
+          <a:lstStyle/>
+          <a:p>
+            <a:r>
+              <a:rPr lang="en-US"/>
+              <a:t>Run skin on the robot</a:t>
+            </a:r>
+          </a:p>
+        </p:txBody>
+      </p:sp>
+      <p:pic>
+        <p:nvPicPr>
+          <p:cNvPr id="5" name="Picture 2" descr="A close up of a sign&#10;&#10;Description automatically generated">
+            <a:extLst>
+              <a:ext uri="{FF2B5EF4-FFF2-40B4-BE49-F238E27FC236}">
+                <a16:creationId xmlns:a16="http://schemas.microsoft.com/office/drawing/2014/main" id="{445DAE2F-ECE5-43AE-BC57-3A0B3C0FF7CB}"/>
+              </a:ext>
+            </a:extLst>
+          </p:cNvPr>
+          <p:cNvPicPr>
+            <a:picLocks noChangeAspect="1"/>
+          </p:cNvPicPr>
+          <p:nvPr/>
+        </p:nvPicPr>
+        <p:blipFill>
+          <a:blip r:embed="rId2"/>
+          <a:stretch>
+            <a:fillRect/>
+          </a:stretch>
+        </p:blipFill>
+        <p:spPr>
+          <a:xfrm>
+            <a:off x="10756810" y="0"/>
+            <a:ext cx="1639471" cy="1639471"/>
+          </a:xfrm>
+          <a:prstGeom prst="rect">
+            <a:avLst/>
+          </a:prstGeom>
+        </p:spPr>
+      </p:pic>
+      <p:sp>
+        <p:nvSpPr>
+          <p:cNvPr id="3" name="Segnaposto contenuto 2">
+            <a:extLst>
+              <a:ext uri="{FF2B5EF4-FFF2-40B4-BE49-F238E27FC236}">
+                <a16:creationId xmlns:a16="http://schemas.microsoft.com/office/drawing/2014/main" id="{BBC08A79-9DFF-4C3F-B977-9C7CED9AB5C0}"/>
+              </a:ext>
+            </a:extLst>
+          </p:cNvPr>
+          <p:cNvSpPr>
+            <a:spLocks noGrp="1"/>
+          </p:cNvSpPr>
+          <p:nvPr>
+            <p:ph idx="1"/>
+          </p:nvPr>
+        </p:nvSpPr>
+        <p:spPr>
+          <a:xfrm>
+            <a:off x="1406388" y="1950609"/>
+            <a:ext cx="3379303" cy="3450613"/>
+          </a:xfrm>
+        </p:spPr>
+        <p:txBody>
+          <a:bodyPr>
+            <a:normAutofit lnSpcReduction="10000"/>
+          </a:bodyPr>
+          <a:lstStyle/>
+          <a:p>
+            <a:pPr marL="0" indent="0">
+              <a:buNone/>
+            </a:pPr>
+            <a:r>
+              <a:rPr lang="en-US"/>
+              <a:t>In order to have the skin working on the robot, the relative devices has to be launched through </a:t>
+            </a:r>
+            <a:r>
+              <a:rPr lang="en-US" i="1" err="1"/>
+              <a:t>yarprobotinterface</a:t>
+            </a:r>
+            <a:r>
+              <a:rPr lang="en-US" i="1"/>
+              <a:t>. </a:t>
+            </a:r>
+            <a:r>
+              <a:rPr lang="en-US"/>
+              <a:t>Once done that, running the </a:t>
+            </a:r>
+            <a:r>
+              <a:rPr lang="en-US" i="1"/>
+              <a:t>“Skin” </a:t>
+            </a:r>
+            <a:r>
+              <a:rPr lang="en-US"/>
+              <a:t>application in </a:t>
+            </a:r>
+            <a:r>
+              <a:rPr lang="en-US" i="1" err="1"/>
+              <a:t>yarpmanager</a:t>
+            </a:r>
+            <a:r>
+              <a:rPr lang="en-US" i="1"/>
+              <a:t>,</a:t>
+            </a:r>
+            <a:r>
+              <a:rPr lang="en-US"/>
+              <a:t> it launch </a:t>
+            </a:r>
+            <a:r>
+              <a:rPr lang="en-US" err="1"/>
+              <a:t>SkinManager</a:t>
+            </a:r>
+            <a:r>
+              <a:rPr lang="en-US"/>
+              <a:t>, </a:t>
+            </a:r>
+            <a:r>
+              <a:rPr lang="en-US" err="1"/>
+              <a:t>SkinManagerGui</a:t>
+            </a:r>
+            <a:r>
+              <a:rPr lang="en-US"/>
+              <a:t> and all the </a:t>
+            </a:r>
+            <a:r>
+              <a:rPr lang="en-US" err="1"/>
+              <a:t>iCubSkinGuis</a:t>
+            </a:r>
+            <a:r>
+              <a:rPr lang="en-US"/>
+              <a:t>.</a:t>
+            </a:r>
+            <a:endParaRPr lang="en-US" i="1"/>
+          </a:p>
+          <a:p>
+            <a:pPr marL="0" indent="0">
+              <a:buNone/>
+            </a:pPr>
+            <a:endParaRPr lang="en-US" i="1"/>
+          </a:p>
+        </p:txBody>
+      </p:sp>
+      <p:pic>
+        <p:nvPicPr>
+          <p:cNvPr id="6" name="Picture 2" descr="Image">
+            <a:extLst>
+              <a:ext uri="{FF2B5EF4-FFF2-40B4-BE49-F238E27FC236}">
+                <a16:creationId xmlns:a16="http://schemas.microsoft.com/office/drawing/2014/main" id="{5CDA2214-AC81-4A96-B783-62AEBF5201A8}"/>
+              </a:ext>
+            </a:extLst>
+          </p:cNvPr>
+          <p:cNvPicPr>
+            <a:picLocks noChangeAspect="1" noChangeArrowheads="1"/>
+          </p:cNvPicPr>
+          <p:nvPr/>
+        </p:nvPicPr>
+        <p:blipFill>
+          <a:blip r:embed="rId3">
+            <a:extLst>
+              <a:ext uri="{28A0092B-C50C-407E-A947-70E740481C1C}">
+                <a14:useLocalDpi xmlns:a14="http://schemas.microsoft.com/office/drawing/2010/main" val="0"/>
+              </a:ext>
+            </a:extLst>
+          </a:blip>
+          <a:srcRect/>
+          <a:stretch>
+            <a:fillRect/>
+          </a:stretch>
+        </p:blipFill>
+        <p:spPr bwMode="auto">
+          <a:xfrm>
+            <a:off x="4735111" y="1896083"/>
+            <a:ext cx="6858885" cy="3966053"/>
+          </a:xfrm>
+          <a:prstGeom prst="rect">
+            <a:avLst/>
+          </a:prstGeom>
+          <a:noFill/>
+          <a:extLst>
+            <a:ext uri="{909E8E84-426E-40DD-AFC4-6F175D3DCCD1}">
+              <a14:hiddenFill xmlns:a14="http://schemas.microsoft.com/office/drawing/2010/main">
+                <a:solidFill>
+                  <a:srgbClr val="FFFFFF"/>
+                </a:solidFill>
+              </a14:hiddenFill>
+            </a:ext>
+          </a:extLst>
+        </p:spPr>
+      </p:pic>
+    </p:spTree>
+    <p:extLst>
+      <p:ext uri="{BB962C8B-B14F-4D97-AF65-F5344CB8AC3E}">
+        <p14:creationId xmlns:p14="http://schemas.microsoft.com/office/powerpoint/2010/main" val="3073500028"/>
+      </p:ext>
+    </p:extLst>
+  </p:cSld>
+  <p:clrMapOvr>
+    <a:masterClrMapping/>
+  </p:clrMapOvr>
+</p:sld>
+</file>
+
+<file path=ppt/slides/slide2.xml><?xml version="1.0" encoding="utf-8"?>
+<p:sld xmlns:a="http://schemas.openxmlformats.org/drawingml/2006/main" xmlns:r="http://schemas.openxmlformats.org/officeDocument/2006/relationships" xmlns:p="http://schemas.openxmlformats.org/presentationml/2006/main">
+  <p:cSld>
+    <p:spTree>
+      <p:nvGrpSpPr>
+        <p:cNvPr id="1" name=""/>
+        <p:cNvGrpSpPr/>
+        <p:nvPr/>
+      </p:nvGrpSpPr>
+      <p:grpSpPr>
+        <a:xfrm>
+          <a:off x="0" y="0"/>
+          <a:ext cx="0" cy="0"/>
+          <a:chOff x="0" y="0"/>
+          <a:chExt cx="0" cy="0"/>
+        </a:xfrm>
+      </p:grpSpPr>
+      <p:sp>
+        <p:nvSpPr>
+          <p:cNvPr id="2" name="Titolo 1">
+            <a:extLst>
+              <a:ext uri="{FF2B5EF4-FFF2-40B4-BE49-F238E27FC236}">
+                <a16:creationId xmlns:a16="http://schemas.microsoft.com/office/drawing/2014/main" id="{96966719-826B-4DBF-AD56-D3B3DC0FDBD4}"/>
+              </a:ext>
+            </a:extLst>
+          </p:cNvPr>
+          <p:cNvSpPr>
+            <a:spLocks noGrp="1"/>
+          </p:cNvSpPr>
+          <p:nvPr>
+            <p:ph type="title"/>
+          </p:nvPr>
+        </p:nvSpPr>
+        <p:spPr/>
+        <p:txBody>
+          <a:bodyPr/>
+          <a:lstStyle/>
+          <a:p>
+            <a:r>
+              <a:rPr lang="en-US"/>
+              <a:t>Introduction</a:t>
+            </a:r>
+          </a:p>
+        </p:txBody>
+      </p:sp>
+      <p:sp>
+        <p:nvSpPr>
+          <p:cNvPr id="3" name="Segnaposto contenuto 2">
+            <a:extLst>
+              <a:ext uri="{FF2B5EF4-FFF2-40B4-BE49-F238E27FC236}">
+                <a16:creationId xmlns:a16="http://schemas.microsoft.com/office/drawing/2014/main" id="{A1DA1AC7-F5BA-4E6A-B800-4865F045D68E}"/>
+              </a:ext>
+            </a:extLst>
+          </p:cNvPr>
+          <p:cNvSpPr>
+            <a:spLocks noGrp="1"/>
+          </p:cNvSpPr>
+          <p:nvPr>
+            <p:ph idx="1"/>
+          </p:nvPr>
+        </p:nvSpPr>
+        <p:spPr>
+          <a:xfrm>
+            <a:off x="1451579" y="2015732"/>
+            <a:ext cx="6385943" cy="3450613"/>
+          </a:xfrm>
+        </p:spPr>
+        <p:txBody>
+          <a:bodyPr>
+            <a:normAutofit fontScale="77500" lnSpcReduction="20000"/>
+          </a:bodyPr>
+          <a:lstStyle/>
+          <a:p>
+            <a:pPr marL="0" indent="0">
+              <a:buNone/>
+            </a:pPr>
+            <a:r>
+              <a:rPr lang="en-US"/>
+              <a:t>The </a:t>
+            </a:r>
+            <a:r>
+              <a:rPr lang="en-US" err="1"/>
+              <a:t>iCub</a:t>
+            </a:r>
+            <a:r>
+              <a:rPr lang="en-US"/>
+              <a:t> skin has a modular approach, we can distinguish:</a:t>
+            </a:r>
+            <a:endParaRPr lang="it-IT"/>
+          </a:p>
+          <a:p>
+            <a:r>
+              <a:rPr lang="en-US"/>
+              <a:t> </a:t>
+            </a:r>
+            <a:r>
+              <a:rPr lang="en-US" b="1"/>
+              <a:t>Patches</a:t>
+            </a:r>
+            <a:r>
+              <a:rPr lang="en-US"/>
+              <a:t>, that identifies the robot’s parts like forearm, </a:t>
+            </a:r>
+            <a:r>
+              <a:rPr lang="en-US" err="1"/>
+              <a:t>upperarm</a:t>
+            </a:r>
+            <a:r>
+              <a:rPr lang="en-US"/>
+              <a:t>, hand etc.</a:t>
+            </a:r>
+          </a:p>
+          <a:p>
+            <a:pPr lvl="1"/>
+            <a:r>
+              <a:rPr lang="en-US" b="1"/>
+              <a:t>Triangles</a:t>
+            </a:r>
+            <a:r>
+              <a:rPr lang="en-US"/>
+              <a:t>: each triangle has its unique ID allowing to reconstruct the data packets and thus the touches</a:t>
+            </a:r>
+          </a:p>
+          <a:p>
+            <a:pPr lvl="2"/>
+            <a:r>
+              <a:rPr lang="en-US" b="1" err="1"/>
+              <a:t>Taxels</a:t>
+            </a:r>
+            <a:r>
+              <a:rPr lang="en-US"/>
+              <a:t>: a </a:t>
+            </a:r>
+            <a:r>
+              <a:rPr lang="en-US" err="1"/>
+              <a:t>taxel</a:t>
+            </a:r>
+            <a:r>
+              <a:rPr lang="en-US"/>
+              <a:t> (</a:t>
+            </a:r>
+            <a:r>
+              <a:rPr lang="en-US" err="1"/>
+              <a:t>TActile</a:t>
+            </a:r>
+            <a:r>
+              <a:rPr lang="en-US"/>
+              <a:t> </a:t>
+            </a:r>
+            <a:r>
+              <a:rPr lang="en-US" err="1"/>
+              <a:t>piXEL</a:t>
+            </a:r>
+            <a:r>
+              <a:rPr lang="en-US"/>
+              <a:t>) is the basic unit of touch detection. It exploits capacitive measurement of applied force.</a:t>
+            </a:r>
+          </a:p>
+          <a:p>
+            <a:r>
+              <a:rPr lang="en-US"/>
+              <a:t>The capacitive sensing is implemented thanks to a </a:t>
+            </a:r>
+            <a:r>
+              <a:rPr lang="en-US" b="1"/>
+              <a:t>deformable textile skin</a:t>
+            </a:r>
+            <a:r>
+              <a:rPr lang="en-US"/>
+              <a:t> on top of the electronics </a:t>
+            </a:r>
+          </a:p>
+          <a:p>
+            <a:pPr lvl="1"/>
+            <a:r>
+              <a:rPr lang="en-US"/>
+              <a:t>Different parts have different textile structure</a:t>
+            </a:r>
+          </a:p>
+          <a:p>
+            <a:r>
+              <a:rPr lang="en-US"/>
+              <a:t>Each block of uniquely identified triangles is connected to a microcontroller board (</a:t>
+            </a:r>
+            <a:r>
+              <a:rPr lang="en-US" b="1"/>
+              <a:t>MTB</a:t>
+            </a:r>
+            <a:r>
+              <a:rPr lang="en-US"/>
+              <a:t>) performing basic signal conditioning</a:t>
+            </a:r>
+            <a:endParaRPr lang="en-US" b="1"/>
+          </a:p>
+        </p:txBody>
+      </p:sp>
+      <p:pic>
+        <p:nvPicPr>
+          <p:cNvPr id="5" name="Picture 2" descr="A close up of a sign&#10;&#10;Description automatically generated">
+            <a:extLst>
+              <a:ext uri="{FF2B5EF4-FFF2-40B4-BE49-F238E27FC236}">
+                <a16:creationId xmlns:a16="http://schemas.microsoft.com/office/drawing/2014/main" id="{445DAE2F-ECE5-43AE-BC57-3A0B3C0FF7CB}"/>
+              </a:ext>
+            </a:extLst>
+          </p:cNvPr>
+          <p:cNvPicPr>
+            <a:picLocks noChangeAspect="1"/>
+          </p:cNvPicPr>
+          <p:nvPr/>
+        </p:nvPicPr>
+        <p:blipFill>
+          <a:blip r:embed="rId2"/>
+          <a:stretch>
+            <a:fillRect/>
+          </a:stretch>
+        </p:blipFill>
+        <p:spPr>
+          <a:xfrm>
+            <a:off x="10756810" y="0"/>
+            <a:ext cx="1639471" cy="1639471"/>
+          </a:xfrm>
+          <a:prstGeom prst="rect">
+            <a:avLst/>
+          </a:prstGeom>
+        </p:spPr>
+      </p:pic>
+    </p:spTree>
+    <p:extLst>
+      <p:ext uri="{BB962C8B-B14F-4D97-AF65-F5344CB8AC3E}">
+        <p14:creationId xmlns:p14="http://schemas.microsoft.com/office/powerpoint/2010/main" val="3824664084"/>
+      </p:ext>
+    </p:extLst>
+  </p:cSld>
+  <p:clrMapOvr>
+    <a:masterClrMapping/>
+  </p:clrMapOvr>
+</p:sld>
+</file>
+
+<file path=ppt/slides/slide3.xml><?xml version="1.0" encoding="utf-8"?>
+<p:sld xmlns:a="http://schemas.openxmlformats.org/drawingml/2006/main" xmlns:r="http://schemas.openxmlformats.org/officeDocument/2006/relationships" xmlns:p="http://schemas.openxmlformats.org/presentationml/2006/main">
+  <p:cSld>
+    <p:spTree>
+      <p:nvGrpSpPr>
+        <p:cNvPr id="1" name=""/>
+        <p:cNvGrpSpPr/>
+        <p:nvPr/>
+      </p:nvGrpSpPr>
+      <p:grpSpPr>
+        <a:xfrm>
+          <a:off x="0" y="0"/>
+          <a:ext cx="0" cy="0"/>
+          <a:chOff x="0" y="0"/>
+          <a:chExt cx="0" cy="0"/>
+        </a:xfrm>
+      </p:grpSpPr>
+      <p:sp>
+        <p:nvSpPr>
+          <p:cNvPr id="2" name="Titolo 1">
+            <a:extLst>
+              <a:ext uri="{FF2B5EF4-FFF2-40B4-BE49-F238E27FC236}">
+                <a16:creationId xmlns:a16="http://schemas.microsoft.com/office/drawing/2014/main" id="{96966719-826B-4DBF-AD56-D3B3DC0FDBD4}"/>
+              </a:ext>
+            </a:extLst>
+          </p:cNvPr>
+          <p:cNvSpPr>
+            <a:spLocks noGrp="1"/>
+          </p:cNvSpPr>
+          <p:nvPr>
+            <p:ph type="title"/>
+          </p:nvPr>
+        </p:nvSpPr>
+        <p:spPr/>
+        <p:txBody>
+          <a:bodyPr/>
+          <a:lstStyle/>
+          <a:p>
+            <a:r>
+              <a:rPr lang="en-US"/>
+              <a:t>PATCHES</a:t>
+            </a:r>
+            <a:endParaRPr lang="it-IT"/>
+          </a:p>
+        </p:txBody>
+      </p:sp>
+      <p:sp>
+        <p:nvSpPr>
+          <p:cNvPr id="3" name="Segnaposto contenuto 2">
+            <a:extLst>
+              <a:ext uri="{FF2B5EF4-FFF2-40B4-BE49-F238E27FC236}">
+                <a16:creationId xmlns:a16="http://schemas.microsoft.com/office/drawing/2014/main" id="{A1DA1AC7-F5BA-4E6A-B800-4865F045D68E}"/>
+              </a:ext>
+            </a:extLst>
+          </p:cNvPr>
+          <p:cNvSpPr>
+            <a:spLocks noGrp="1"/>
+          </p:cNvSpPr>
+          <p:nvPr>
+            <p:ph idx="1"/>
+          </p:nvPr>
+        </p:nvSpPr>
+        <p:spPr>
+          <a:xfrm>
+            <a:off x="1451579" y="2015732"/>
+            <a:ext cx="5269553" cy="3450613"/>
+          </a:xfrm>
+        </p:spPr>
+        <p:txBody>
+          <a:bodyPr>
+            <a:normAutofit lnSpcReduction="10000"/>
+          </a:bodyPr>
+          <a:lstStyle/>
+          <a:p>
+            <a:r>
+              <a:rPr lang="en-US" b="1"/>
+              <a:t>Patches </a:t>
+            </a:r>
+            <a:r>
+              <a:rPr lang="en-US"/>
+              <a:t>are cut out of a dedicated PCB </a:t>
+            </a:r>
+            <a:endParaRPr lang="it-IT"/>
+          </a:p>
+          <a:p>
+            <a:r>
+              <a:rPr lang="en-US"/>
+              <a:t>The PCB ("hexagone") contains 24 triangles, engineered in a way to allow different shapes to be cut and used on different robot covers</a:t>
+            </a:r>
+            <a:endParaRPr lang="it-IT"/>
+          </a:p>
+          <a:p>
+            <a:pPr lvl="1"/>
+            <a:r>
+              <a:rPr lang="en-US"/>
+              <a:t>On this board we have some not-unique IDs</a:t>
+            </a:r>
+          </a:p>
+          <a:p>
+            <a:pPr lvl="1"/>
+            <a:r>
+              <a:rPr lang="en-US"/>
+              <a:t>When the shape is cut, only unique IDs remain on connected data lines</a:t>
+            </a:r>
+          </a:p>
+          <a:p>
+            <a:r>
+              <a:rPr lang="en-US"/>
+              <a:t>The information of the geometry is used in the SkinGUI to show the touch zones </a:t>
+            </a:r>
+          </a:p>
+        </p:txBody>
+      </p:sp>
+      <p:pic>
+        <p:nvPicPr>
+          <p:cNvPr id="5" name="Picture 2" descr="A close up of a sign&#10;&#10;Description automatically generated">
+            <a:extLst>
+              <a:ext uri="{FF2B5EF4-FFF2-40B4-BE49-F238E27FC236}">
+                <a16:creationId xmlns:a16="http://schemas.microsoft.com/office/drawing/2014/main" id="{445DAE2F-ECE5-43AE-BC57-3A0B3C0FF7CB}"/>
+              </a:ext>
+            </a:extLst>
+          </p:cNvPr>
+          <p:cNvPicPr>
+            <a:picLocks noChangeAspect="1"/>
+          </p:cNvPicPr>
+          <p:nvPr/>
+        </p:nvPicPr>
+        <p:blipFill>
+          <a:blip r:embed="rId2"/>
+          <a:stretch>
+            <a:fillRect/>
+          </a:stretch>
+        </p:blipFill>
+        <p:spPr>
+          <a:xfrm>
+            <a:off x="10756810" y="0"/>
+            <a:ext cx="1639471" cy="1639471"/>
+          </a:xfrm>
+          <a:prstGeom prst="rect">
+            <a:avLst/>
+          </a:prstGeom>
+        </p:spPr>
+      </p:pic>
+      <p:pic>
+        <p:nvPicPr>
+          <p:cNvPr id="6" name="Immagine 6" descr="Immagine che contiene freccia&#10;&#10;Descrizione generata automaticamente">
+            <a:extLst>
+              <a:ext uri="{FF2B5EF4-FFF2-40B4-BE49-F238E27FC236}">
+                <a16:creationId xmlns:a16="http://schemas.microsoft.com/office/drawing/2014/main" id="{908D65F3-E7EE-472B-9512-88D697F4F3B6}"/>
+              </a:ext>
+            </a:extLst>
+          </p:cNvPr>
+          <p:cNvPicPr>
+            <a:picLocks noChangeAspect="1"/>
+          </p:cNvPicPr>
+          <p:nvPr/>
+        </p:nvPicPr>
+        <p:blipFill>
+          <a:blip r:embed="rId3"/>
+          <a:stretch>
+            <a:fillRect/>
+          </a:stretch>
+        </p:blipFill>
+        <p:spPr>
+          <a:xfrm>
+            <a:off x="7630886" y="695036"/>
+            <a:ext cx="2743200" cy="2419927"/>
+          </a:xfrm>
+          <a:prstGeom prst="rect">
+            <a:avLst/>
+          </a:prstGeom>
+        </p:spPr>
+      </p:pic>
+      <p:pic>
+        <p:nvPicPr>
+          <p:cNvPr id="9" name="Immagine 9" descr="Immagine che contiene mappa&#10;&#10;Descrizione generata automaticamente">
+            <a:extLst>
+              <a:ext uri="{FF2B5EF4-FFF2-40B4-BE49-F238E27FC236}">
+                <a16:creationId xmlns:a16="http://schemas.microsoft.com/office/drawing/2014/main" id="{575FE3B8-AB01-426C-90BC-ACEEFC7F47D8}"/>
+              </a:ext>
+            </a:extLst>
+          </p:cNvPr>
+          <p:cNvPicPr>
+            <a:picLocks noChangeAspect="1"/>
+          </p:cNvPicPr>
+          <p:nvPr/>
+        </p:nvPicPr>
+        <p:blipFill>
+          <a:blip r:embed="rId4"/>
+          <a:stretch>
+            <a:fillRect/>
+          </a:stretch>
+        </p:blipFill>
+        <p:spPr>
+          <a:xfrm>
+            <a:off x="6868885" y="3549089"/>
+            <a:ext cx="5040085" cy="1599509"/>
+          </a:xfrm>
+          <a:prstGeom prst="rect">
+            <a:avLst/>
+          </a:prstGeom>
+        </p:spPr>
+      </p:pic>
+    </p:spTree>
+    <p:extLst>
+      <p:ext uri="{BB962C8B-B14F-4D97-AF65-F5344CB8AC3E}">
+        <p14:creationId xmlns:p14="http://schemas.microsoft.com/office/powerpoint/2010/main" val="709934378"/>
+      </p:ext>
+    </p:extLst>
+  </p:cSld>
+  <p:clrMapOvr>
+    <a:masterClrMapping/>
+  </p:clrMapOvr>
+</p:sld>
+</file>
+
+<file path=ppt/slides/slide4.xml><?xml version="1.0" encoding="utf-8"?>
+<p:sld xmlns:a="http://schemas.openxmlformats.org/drawingml/2006/main" xmlns:r="http://schemas.openxmlformats.org/officeDocument/2006/relationships" xmlns:p="http://schemas.openxmlformats.org/presentationml/2006/main">
+  <p:cSld>
+    <p:spTree>
+      <p:nvGrpSpPr>
+        <p:cNvPr id="1" name=""/>
+        <p:cNvGrpSpPr/>
+        <p:nvPr/>
+      </p:nvGrpSpPr>
+      <p:grpSpPr>
+        <a:xfrm>
+          <a:off x="0" y="0"/>
+          <a:ext cx="0" cy="0"/>
+          <a:chOff x="0" y="0"/>
+          <a:chExt cx="0" cy="0"/>
+        </a:xfrm>
+      </p:grpSpPr>
+      <p:sp>
+        <p:nvSpPr>
+          <p:cNvPr id="2" name="Titolo 1">
+            <a:extLst>
+              <a:ext uri="{FF2B5EF4-FFF2-40B4-BE49-F238E27FC236}">
+                <a16:creationId xmlns:a16="http://schemas.microsoft.com/office/drawing/2014/main" id="{EF0BD14A-515E-4F6F-BCF6-EE0B81752306}"/>
+              </a:ext>
+            </a:extLst>
+          </p:cNvPr>
+          <p:cNvSpPr>
+            <a:spLocks noGrp="1"/>
+          </p:cNvSpPr>
+          <p:nvPr>
+            <p:ph type="title"/>
+          </p:nvPr>
+        </p:nvSpPr>
+        <p:spPr/>
+        <p:txBody>
+          <a:bodyPr/>
+          <a:lstStyle/>
+          <a:p>
+            <a:r>
+              <a:rPr lang="it-IT"/>
+              <a:t>TRIANGLES and taxels</a:t>
+            </a:r>
+          </a:p>
+        </p:txBody>
+      </p:sp>
+      <p:sp>
+        <p:nvSpPr>
+          <p:cNvPr id="6" name="Segnaposto contenuto 5">
+            <a:extLst>
+              <a:ext uri="{FF2B5EF4-FFF2-40B4-BE49-F238E27FC236}">
+                <a16:creationId xmlns:a16="http://schemas.microsoft.com/office/drawing/2014/main" id="{A93F2FB7-2565-482A-AF2E-27882EA3350E}"/>
+              </a:ext>
+            </a:extLst>
+          </p:cNvPr>
+          <p:cNvSpPr>
+            <a:spLocks noGrp="1"/>
+          </p:cNvSpPr>
+          <p:nvPr>
+            <p:ph idx="1"/>
+          </p:nvPr>
+        </p:nvSpPr>
+        <p:spPr>
+          <a:xfrm>
+            <a:off x="1451579" y="2015732"/>
+            <a:ext cx="7034247" cy="3450613"/>
+          </a:xfrm>
+        </p:spPr>
+        <p:txBody>
+          <a:bodyPr>
+            <a:normAutofit lnSpcReduction="10000"/>
+          </a:bodyPr>
+          <a:lstStyle/>
+          <a:p>
+            <a:r>
+              <a:rPr lang="it-IT"/>
+              <a:t>Each triangle contains 12 pads or taxels</a:t>
+            </a:r>
+          </a:p>
+          <a:p>
+            <a:pPr lvl="1"/>
+            <a:r>
+              <a:rPr lang="it-IT"/>
+              <a:t>10 pads: form the lattice of taxels and are exposed to feel the capacitance variations</a:t>
+            </a:r>
+          </a:p>
+          <a:p>
+            <a:pPr lvl="1"/>
+            <a:r>
+              <a:rPr lang="it-IT"/>
+              <a:t>2 pads: are buried within the PCB and are used to compensate for thermal drift (see later): these are P6 and P10 in the picture</a:t>
+            </a:r>
+          </a:p>
+          <a:p>
+            <a:pPr lvl="1"/>
+            <a:r>
+              <a:rPr lang="it-IT"/>
+              <a:t>All 12 taxels are read out by a capacitance to digital converter with 16 bits resolution. Conversion time is ~10 ms,  hardware limited. </a:t>
+            </a:r>
+          </a:p>
+          <a:p>
+            <a:pPr lvl="1"/>
+            <a:r>
+              <a:rPr lang="it-IT"/>
+              <a:t>Data are then trasnferred to the MTB board that prepare the packets </a:t>
+            </a:r>
+          </a:p>
+        </p:txBody>
+      </p:sp>
+      <p:pic>
+        <p:nvPicPr>
+          <p:cNvPr id="8" name="Immagine 8">
+            <a:extLst>
+              <a:ext uri="{FF2B5EF4-FFF2-40B4-BE49-F238E27FC236}">
+                <a16:creationId xmlns:a16="http://schemas.microsoft.com/office/drawing/2014/main" id="{C83380DF-0B8C-4275-84F5-C56FAE5F09E5}"/>
+              </a:ext>
+            </a:extLst>
+          </p:cNvPr>
+          <p:cNvPicPr>
+            <a:picLocks noChangeAspect="1"/>
+          </p:cNvPicPr>
+          <p:nvPr/>
+        </p:nvPicPr>
+        <p:blipFill>
+          <a:blip r:embed="rId2"/>
+          <a:stretch>
+            <a:fillRect/>
+          </a:stretch>
+        </p:blipFill>
+        <p:spPr>
+          <a:xfrm>
+            <a:off x="8407854" y="1155927"/>
+            <a:ext cx="2158093" cy="2031547"/>
+          </a:xfrm>
+          <a:prstGeom prst="rect">
+            <a:avLst/>
+          </a:prstGeom>
+        </p:spPr>
+      </p:pic>
+    </p:spTree>
+    <p:extLst>
+      <p:ext uri="{BB962C8B-B14F-4D97-AF65-F5344CB8AC3E}">
+        <p14:creationId xmlns:p14="http://schemas.microsoft.com/office/powerpoint/2010/main" val="3172217644"/>
+      </p:ext>
+    </p:extLst>
+  </p:cSld>
+  <p:clrMapOvr>
+    <a:masterClrMapping/>
+  </p:clrMapOvr>
+</p:sld>
+</file>
+
+<file path=ppt/slides/slide5.xml><?xml version="1.0" encoding="utf-8"?>
+<p:sld xmlns:a="http://schemas.openxmlformats.org/drawingml/2006/main" xmlns:r="http://schemas.openxmlformats.org/officeDocument/2006/relationships" xmlns:p="http://schemas.openxmlformats.org/presentationml/2006/main">
+  <p:cSld>
+    <p:spTree>
+      <p:nvGrpSpPr>
+        <p:cNvPr id="1" name=""/>
+        <p:cNvGrpSpPr/>
+        <p:nvPr/>
+      </p:nvGrpSpPr>
+      <p:grpSpPr>
+        <a:xfrm>
+          <a:off x="0" y="0"/>
+          <a:ext cx="0" cy="0"/>
+          <a:chOff x="0" y="0"/>
+          <a:chExt cx="0" cy="0"/>
+        </a:xfrm>
+      </p:grpSpPr>
+      <p:sp>
+        <p:nvSpPr>
+          <p:cNvPr id="2" name="Titolo 1">
+            <a:extLst>
+              <a:ext uri="{FF2B5EF4-FFF2-40B4-BE49-F238E27FC236}">
+                <a16:creationId xmlns:a16="http://schemas.microsoft.com/office/drawing/2014/main" id="{DE9BEA13-55C2-41A0-BCDF-ACB60DF50F2F}"/>
+              </a:ext>
+            </a:extLst>
+          </p:cNvPr>
+          <p:cNvSpPr>
+            <a:spLocks noGrp="1"/>
+          </p:cNvSpPr>
+          <p:nvPr>
+            <p:ph type="title"/>
+          </p:nvPr>
+        </p:nvSpPr>
+        <p:spPr/>
+        <p:txBody>
+          <a:bodyPr/>
+          <a:lstStyle/>
+          <a:p>
+            <a:r>
+              <a:rPr lang="it-IT"/>
+              <a:t>The MTB and data stream</a:t>
+            </a:r>
+          </a:p>
+        </p:txBody>
+      </p:sp>
+      <p:sp>
+        <p:nvSpPr>
+          <p:cNvPr id="3" name="Segnaposto contenuto 2">
+            <a:extLst>
+              <a:ext uri="{FF2B5EF4-FFF2-40B4-BE49-F238E27FC236}">
+                <a16:creationId xmlns:a16="http://schemas.microsoft.com/office/drawing/2014/main" id="{55B493F6-EC02-4071-8C8E-295EB5286266}"/>
+              </a:ext>
+            </a:extLst>
+          </p:cNvPr>
+          <p:cNvSpPr>
+            <a:spLocks noGrp="1"/>
+          </p:cNvSpPr>
+          <p:nvPr>
+            <p:ph idx="1"/>
+          </p:nvPr>
+        </p:nvSpPr>
+        <p:spPr>
+          <a:xfrm>
+            <a:off x="1451579" y="2015732"/>
+            <a:ext cx="9823408" cy="3450613"/>
+          </a:xfrm>
+        </p:spPr>
+        <p:txBody>
+          <a:bodyPr>
+            <a:normAutofit fontScale="85000" lnSpcReduction="20000"/>
+          </a:bodyPr>
+          <a:lstStyle/>
+          <a:p>
+            <a:r>
+              <a:rPr lang="it-IT"/>
+              <a:t>The MTB </a:t>
+            </a:r>
+            <a:r>
+              <a:rPr lang="it-IT" err="1"/>
+              <a:t>performs</a:t>
+            </a:r>
+            <a:r>
+              <a:rPr lang="it-IT"/>
+              <a:t> a </a:t>
+            </a:r>
+            <a:r>
+              <a:rPr lang="it-IT" err="1"/>
+              <a:t>few</a:t>
+            </a:r>
+            <a:r>
+              <a:rPr lang="it-IT"/>
+              <a:t> </a:t>
+            </a:r>
+            <a:r>
+              <a:rPr lang="it-IT" err="1"/>
+              <a:t>operations</a:t>
+            </a:r>
+            <a:r>
+              <a:rPr lang="it-IT"/>
+              <a:t>:</a:t>
+            </a:r>
+          </a:p>
+          <a:p>
+            <a:pPr lvl="1"/>
+            <a:r>
+              <a:rPr lang="it-IT" err="1"/>
+              <a:t>Adjust</a:t>
+            </a:r>
+            <a:r>
+              <a:rPr lang="it-IT"/>
+              <a:t> the CDC </a:t>
+            </a:r>
+            <a:r>
+              <a:rPr lang="it-IT" err="1"/>
+              <a:t>operating</a:t>
+            </a:r>
+            <a:r>
+              <a:rPr lang="it-IT"/>
+              <a:t> range by </a:t>
+            </a:r>
+            <a:r>
+              <a:rPr lang="it-IT" err="1"/>
+              <a:t>means</a:t>
+            </a:r>
+            <a:r>
+              <a:rPr lang="it-IT"/>
+              <a:t> of the </a:t>
+            </a:r>
+            <a:r>
+              <a:rPr lang="it-IT">
+                <a:highlight>
+                  <a:srgbClr val="FFFF00"/>
+                </a:highlight>
+                <a:latin typeface="EucrosiaUPC"/>
+                <a:cs typeface="EucrosiaUPC"/>
+              </a:rPr>
+              <a:t>CDC Offset</a:t>
+            </a:r>
+            <a:r>
+              <a:rPr lang="it-IT"/>
+              <a:t> </a:t>
+            </a:r>
+            <a:r>
+              <a:rPr lang="it-IT" err="1"/>
+              <a:t>parameter</a:t>
+            </a:r>
+            <a:r>
+              <a:rPr lang="it-IT"/>
+              <a:t> (take care of </a:t>
+            </a:r>
+            <a:r>
+              <a:rPr lang="it-IT" err="1"/>
+              <a:t>different</a:t>
+            </a:r>
+            <a:r>
+              <a:rPr lang="it-IT"/>
+              <a:t> </a:t>
+            </a:r>
+            <a:r>
+              <a:rPr lang="it-IT" err="1"/>
+              <a:t>textile</a:t>
+            </a:r>
+            <a:r>
+              <a:rPr lang="it-IT"/>
+              <a:t> </a:t>
+            </a:r>
+            <a:r>
+              <a:rPr lang="it-IT" err="1"/>
+              <a:t>skin</a:t>
+            </a:r>
+            <a:r>
+              <a:rPr lang="it-IT"/>
+              <a:t> </a:t>
+            </a:r>
+            <a:r>
+              <a:rPr lang="it-IT" err="1"/>
+              <a:t>layers</a:t>
+            </a:r>
+            <a:r>
+              <a:rPr lang="it-IT"/>
+              <a:t>)</a:t>
+            </a:r>
+          </a:p>
+          <a:p>
+            <a:pPr lvl="1"/>
+            <a:r>
+              <a:rPr lang="it-IT"/>
+              <a:t>Compute the no-touch </a:t>
+            </a:r>
+            <a:r>
+              <a:rPr lang="it-IT" err="1"/>
+              <a:t>capacitance</a:t>
+            </a:r>
+            <a:r>
+              <a:rPr lang="it-IT"/>
+              <a:t> and </a:t>
+            </a:r>
+            <a:r>
+              <a:rPr lang="it-IT" err="1"/>
+              <a:t>subtracts</a:t>
+            </a:r>
+            <a:r>
+              <a:rPr lang="it-IT"/>
+              <a:t> from the </a:t>
+            </a:r>
+            <a:r>
+              <a:rPr lang="it-IT" err="1"/>
+              <a:t>measurement</a:t>
+            </a:r>
+            <a:endParaRPr lang="it-IT"/>
+          </a:p>
+          <a:p>
+            <a:pPr lvl="1"/>
+            <a:r>
+              <a:rPr lang="it-IT" err="1"/>
+              <a:t>Performs</a:t>
+            </a:r>
+            <a:r>
+              <a:rPr lang="it-IT"/>
+              <a:t>, </a:t>
+            </a:r>
+            <a:r>
+              <a:rPr lang="it-IT" err="1"/>
+              <a:t>if</a:t>
+            </a:r>
+            <a:r>
+              <a:rPr lang="it-IT"/>
+              <a:t> </a:t>
+            </a:r>
+            <a:r>
+              <a:rPr lang="it-IT" err="1"/>
+              <a:t>activated</a:t>
+            </a:r>
+            <a:r>
+              <a:rPr lang="it-IT"/>
+              <a:t>, temperature </a:t>
+            </a:r>
+            <a:r>
+              <a:rPr lang="it-IT" err="1"/>
+              <a:t>compensation</a:t>
+            </a:r>
+            <a:r>
+              <a:rPr lang="it-IT"/>
+              <a:t> </a:t>
+            </a:r>
+            <a:r>
+              <a:rPr lang="it-IT" err="1"/>
+              <a:t>based</a:t>
+            </a:r>
+            <a:r>
+              <a:rPr lang="it-IT"/>
+              <a:t> on the readings of one of the </a:t>
+            </a:r>
+            <a:r>
+              <a:rPr lang="it-IT" err="1"/>
+              <a:t>two</a:t>
+            </a:r>
+            <a:r>
+              <a:rPr lang="it-IT"/>
+              <a:t> </a:t>
+            </a:r>
+            <a:r>
+              <a:rPr lang="it-IT" err="1"/>
+              <a:t>buried</a:t>
+            </a:r>
+            <a:r>
+              <a:rPr lang="it-IT"/>
+              <a:t> </a:t>
+            </a:r>
+            <a:r>
+              <a:rPr lang="it-IT" err="1"/>
+              <a:t>taxels</a:t>
+            </a:r>
+            <a:endParaRPr lang="it-IT"/>
+          </a:p>
+          <a:p>
+            <a:pPr lvl="1"/>
+            <a:r>
+              <a:rPr lang="it-IT"/>
+              <a:t>trim each 16-bit measurement to 8-bit words for all taxels</a:t>
+            </a:r>
+          </a:p>
+          <a:p>
+            <a:pPr lvl="2"/>
+            <a:r>
+              <a:rPr lang="it-IT"/>
+              <a:t>Key </a:t>
+            </a:r>
+            <a:r>
+              <a:rPr lang="it-IT" err="1"/>
+              <a:t>parameter</a:t>
+            </a:r>
+            <a:r>
+              <a:rPr lang="it-IT"/>
+              <a:t>: </a:t>
+            </a:r>
+            <a:r>
+              <a:rPr lang="it-IT" err="1">
+                <a:highlight>
+                  <a:srgbClr val="FFFF00"/>
+                </a:highlight>
+                <a:latin typeface="EucrosiaUPC"/>
+                <a:cs typeface="EucrosiaUPC"/>
+              </a:rPr>
+              <a:t>BitShift</a:t>
+            </a:r>
+            <a:r>
+              <a:rPr lang="it-IT">
+                <a:highlight>
+                  <a:srgbClr val="FFFF00"/>
+                </a:highlight>
+                <a:latin typeface="EucrosiaUPC"/>
+                <a:ea typeface="+mn-lt"/>
+                <a:cs typeface="EucrosiaUPC"/>
+              </a:rPr>
+              <a:t> </a:t>
+            </a:r>
+          </a:p>
+          <a:p>
+            <a:pPr lvl="1"/>
+            <a:r>
+              <a:rPr lang="it-IT" err="1"/>
+              <a:t>Prepare</a:t>
+            </a:r>
+            <a:r>
+              <a:rPr lang="it-IT"/>
+              <a:t> the CAN </a:t>
+            </a:r>
+            <a:r>
+              <a:rPr lang="it-IT" err="1"/>
+              <a:t>packets</a:t>
+            </a:r>
+            <a:r>
+              <a:rPr lang="it-IT"/>
+              <a:t> to be </a:t>
+            </a:r>
+            <a:r>
+              <a:rPr lang="it-IT" err="1"/>
+              <a:t>sent</a:t>
+            </a:r>
+            <a:r>
+              <a:rPr lang="it-IT"/>
+              <a:t>: for </a:t>
+            </a:r>
+            <a:r>
+              <a:rPr lang="it-IT" err="1"/>
+              <a:t>each</a:t>
+            </a:r>
+            <a:r>
+              <a:rPr lang="it-IT"/>
+              <a:t> </a:t>
+            </a:r>
+            <a:r>
+              <a:rPr lang="it-IT" err="1"/>
+              <a:t>triangle</a:t>
+            </a:r>
+            <a:r>
+              <a:rPr lang="it-IT"/>
+              <a:t> </a:t>
+            </a:r>
+            <a:r>
+              <a:rPr lang="it-IT" err="1"/>
+              <a:t>we</a:t>
+            </a:r>
+            <a:r>
+              <a:rPr lang="it-IT"/>
+              <a:t> </a:t>
+            </a:r>
+            <a:r>
+              <a:rPr lang="it-IT" err="1"/>
+              <a:t>have</a:t>
+            </a:r>
+            <a:r>
+              <a:rPr lang="it-IT"/>
+              <a:t> two 8-byte CAN </a:t>
+            </a:r>
+            <a:r>
+              <a:rPr lang="it-IT" err="1"/>
+              <a:t>messages</a:t>
+            </a:r>
+            <a:endParaRPr lang="it-IT"/>
+          </a:p>
+          <a:p>
+            <a:pPr lvl="2"/>
+            <a:r>
+              <a:rPr lang="it-IT"/>
+              <a:t>Header1 + 7 </a:t>
+            </a:r>
+            <a:r>
+              <a:rPr lang="it-IT" err="1"/>
+              <a:t>taxels</a:t>
+            </a:r>
+            <a:r>
+              <a:rPr lang="it-IT"/>
+              <a:t> data</a:t>
+            </a:r>
+          </a:p>
+          <a:p>
+            <a:pPr lvl="2"/>
+            <a:r>
+              <a:rPr lang="it-IT"/>
+              <a:t>Header2 + 5 </a:t>
+            </a:r>
+            <a:r>
+              <a:rPr lang="it-IT" err="1"/>
+              <a:t>taxels</a:t>
+            </a:r>
+            <a:r>
+              <a:rPr lang="it-IT"/>
+              <a:t> data + 2 bytes </a:t>
+            </a:r>
+            <a:r>
+              <a:rPr lang="it-IT" err="1"/>
+              <a:t>diagnostic</a:t>
+            </a:r>
+            <a:endParaRPr lang="it-IT"/>
+          </a:p>
+          <a:p>
+            <a:pPr lvl="1"/>
+            <a:r>
+              <a:rPr lang="it-IT" err="1"/>
+              <a:t>Sends</a:t>
+            </a:r>
+            <a:r>
+              <a:rPr lang="it-IT"/>
+              <a:t> the can </a:t>
+            </a:r>
+            <a:r>
+              <a:rPr lang="it-IT" err="1"/>
+              <a:t>packets</a:t>
+            </a:r>
+            <a:r>
+              <a:rPr lang="it-IT"/>
+              <a:t> with the user-</a:t>
+            </a:r>
+            <a:r>
+              <a:rPr lang="it-IT" err="1"/>
+              <a:t>defined</a:t>
+            </a:r>
+            <a:r>
+              <a:rPr lang="it-IT"/>
+              <a:t> time </a:t>
+            </a:r>
+            <a:r>
+              <a:rPr lang="it-IT" err="1"/>
+              <a:t>intervals</a:t>
+            </a:r>
+            <a:r>
+              <a:rPr lang="it-IT"/>
+              <a:t> (default: 20 </a:t>
+            </a:r>
+            <a:r>
+              <a:rPr lang="it-IT" err="1"/>
+              <a:t>ms</a:t>
+            </a:r>
+            <a:r>
+              <a:rPr lang="it-IT"/>
+              <a:t> or 50 Hz)</a:t>
+            </a:r>
+          </a:p>
+          <a:p>
+            <a:r>
+              <a:rPr lang="it-IT"/>
+              <a:t>The CAN data are </a:t>
+            </a:r>
+            <a:r>
+              <a:rPr lang="it-IT" err="1"/>
+              <a:t>received</a:t>
+            </a:r>
+            <a:r>
+              <a:rPr lang="it-IT"/>
+              <a:t> and </a:t>
+            </a:r>
+            <a:r>
+              <a:rPr lang="it-IT" err="1"/>
+              <a:t>decoded</a:t>
+            </a:r>
+            <a:r>
+              <a:rPr lang="it-IT"/>
+              <a:t> in the YARP flow </a:t>
+            </a:r>
+            <a:r>
+              <a:rPr lang="it-IT" err="1"/>
+              <a:t>that</a:t>
+            </a:r>
+            <a:r>
+              <a:rPr lang="it-IT"/>
+              <a:t> </a:t>
+            </a:r>
+            <a:r>
+              <a:rPr lang="it-IT" err="1"/>
+              <a:t>performs</a:t>
+            </a:r>
+            <a:r>
+              <a:rPr lang="it-IT"/>
+              <a:t> </a:t>
+            </a:r>
+            <a:r>
+              <a:rPr lang="it-IT" err="1"/>
+              <a:t>higher-level</a:t>
+            </a:r>
+            <a:r>
+              <a:rPr lang="it-IT"/>
+              <a:t> </a:t>
+            </a:r>
+            <a:r>
+              <a:rPr lang="it-IT" err="1"/>
+              <a:t>conditioning</a:t>
+            </a:r>
+            <a:endParaRPr lang="it-IT"/>
+          </a:p>
+        </p:txBody>
+      </p:sp>
+    </p:spTree>
+    <p:extLst>
+      <p:ext uri="{BB962C8B-B14F-4D97-AF65-F5344CB8AC3E}">
+        <p14:creationId xmlns:p14="http://schemas.microsoft.com/office/powerpoint/2010/main" val="3035454881"/>
+      </p:ext>
+    </p:extLst>
+  </p:cSld>
+  <p:clrMapOvr>
+    <a:masterClrMapping/>
+  </p:clrMapOvr>
+</p:sld>
+</file>
+
+<file path=ppt/slides/slide6.xml><?xml version="1.0" encoding="utf-8"?>
+<p:sld xmlns:a="http://schemas.openxmlformats.org/drawingml/2006/main" xmlns:r="http://schemas.openxmlformats.org/officeDocument/2006/relationships" xmlns:p="http://schemas.openxmlformats.org/presentationml/2006/main">
+  <p:cSld>
+    <p:spTree>
+      <p:nvGrpSpPr>
+        <p:cNvPr id="1" name=""/>
+        <p:cNvGrpSpPr/>
+        <p:nvPr/>
+      </p:nvGrpSpPr>
+      <p:grpSpPr>
+        <a:xfrm>
+          <a:off x="0" y="0"/>
+          <a:ext cx="0" cy="0"/>
+          <a:chOff x="0" y="0"/>
+          <a:chExt cx="0" cy="0"/>
+        </a:xfrm>
+      </p:grpSpPr>
+      <p:pic>
+        <p:nvPicPr>
+          <p:cNvPr id="10" name="Immagine 10" descr="Immagine che contiene tavolo&#10;&#10;Descrizione generata automaticamente">
+            <a:extLst>
+              <a:ext uri="{FF2B5EF4-FFF2-40B4-BE49-F238E27FC236}">
+                <a16:creationId xmlns:a16="http://schemas.microsoft.com/office/drawing/2014/main" id="{3A658D3C-FDEB-44B1-A7E9-F79EB23AF5C0}"/>
+              </a:ext>
+            </a:extLst>
+          </p:cNvPr>
+          <p:cNvPicPr>
+            <a:picLocks noChangeAspect="1"/>
+          </p:cNvPicPr>
+          <p:nvPr/>
+        </p:nvPicPr>
+        <p:blipFill>
+          <a:blip r:embed="rId2"/>
+          <a:stretch>
+            <a:fillRect/>
+          </a:stretch>
+        </p:blipFill>
+        <p:spPr>
+          <a:xfrm>
+            <a:off x="1125034" y="4674801"/>
+            <a:ext cx="5747834" cy="525423"/>
+          </a:xfrm>
+          <a:prstGeom prst="rect">
+            <a:avLst/>
+          </a:prstGeom>
+        </p:spPr>
+      </p:pic>
+      <p:sp>
+        <p:nvSpPr>
+          <p:cNvPr id="2" name="Titolo 1">
+            <a:extLst>
+              <a:ext uri="{FF2B5EF4-FFF2-40B4-BE49-F238E27FC236}">
+                <a16:creationId xmlns:a16="http://schemas.microsoft.com/office/drawing/2014/main" id="{DE9BEA13-55C2-41A0-BCDF-ACB60DF50F2F}"/>
+              </a:ext>
+            </a:extLst>
+          </p:cNvPr>
+          <p:cNvSpPr>
+            <a:spLocks noGrp="1"/>
+          </p:cNvSpPr>
+          <p:nvPr>
+            <p:ph type="title"/>
+          </p:nvPr>
+        </p:nvSpPr>
+        <p:spPr/>
+        <p:txBody>
+          <a:bodyPr/>
+          <a:lstStyle/>
+          <a:p>
+            <a:r>
+              <a:rPr lang="it-IT"/>
+              <a:t>...On the yarp side...</a:t>
+            </a:r>
+          </a:p>
+        </p:txBody>
+      </p:sp>
+      <p:sp>
+        <p:nvSpPr>
+          <p:cNvPr id="3" name="Segnaposto contenuto 2">
+            <a:extLst>
+              <a:ext uri="{FF2B5EF4-FFF2-40B4-BE49-F238E27FC236}">
+                <a16:creationId xmlns:a16="http://schemas.microsoft.com/office/drawing/2014/main" id="{55B493F6-EC02-4071-8C8E-295EB5286266}"/>
+              </a:ext>
+            </a:extLst>
+          </p:cNvPr>
+          <p:cNvSpPr>
+            <a:spLocks noGrp="1"/>
+          </p:cNvSpPr>
+          <p:nvPr>
+            <p:ph idx="1"/>
+          </p:nvPr>
+        </p:nvSpPr>
+        <p:spPr>
+          <a:xfrm>
+            <a:off x="1451579" y="2015732"/>
+            <a:ext cx="9823408" cy="2160644"/>
+          </a:xfrm>
+        </p:spPr>
+        <p:txBody>
+          <a:bodyPr>
+            <a:normAutofit fontScale="55000" lnSpcReduction="20000"/>
+          </a:bodyPr>
+          <a:lstStyle/>
+          <a:p>
+            <a:r>
+              <a:rPr lang="it-IT"/>
+              <a:t>The YARP framework </a:t>
+            </a:r>
+            <a:r>
+              <a:rPr lang="it-IT" err="1"/>
+              <a:t>encompasses</a:t>
+            </a:r>
+            <a:r>
+              <a:rPr lang="it-IT"/>
+              <a:t> ports to </a:t>
+            </a:r>
+            <a:r>
+              <a:rPr lang="it-IT" err="1"/>
+              <a:t>send</a:t>
+            </a:r>
+            <a:r>
+              <a:rPr lang="it-IT"/>
+              <a:t> and </a:t>
+            </a:r>
+            <a:r>
+              <a:rPr lang="it-IT" err="1"/>
+              <a:t>receive</a:t>
+            </a:r>
+            <a:r>
+              <a:rPr lang="it-IT"/>
+              <a:t> data, with the </a:t>
+            </a:r>
+            <a:r>
+              <a:rPr lang="it-IT" err="1"/>
+              <a:t>possibility</a:t>
+            </a:r>
+            <a:r>
+              <a:rPr lang="it-IT"/>
+              <a:t> of </a:t>
+            </a:r>
+            <a:r>
+              <a:rPr lang="it-IT" err="1"/>
+              <a:t>doing</a:t>
+            </a:r>
+            <a:r>
+              <a:rPr lang="it-IT"/>
+              <a:t> intermediate processing</a:t>
+            </a:r>
+          </a:p>
+          <a:p>
+            <a:r>
+              <a:rPr lang="it-IT"/>
+              <a:t>The data are </a:t>
+            </a:r>
+            <a:r>
+              <a:rPr lang="it-IT" err="1"/>
+              <a:t>simply</a:t>
+            </a:r>
+            <a:r>
+              <a:rPr lang="it-IT"/>
+              <a:t> </a:t>
+            </a:r>
+            <a:r>
+              <a:rPr lang="it-IT" err="1"/>
+              <a:t>streamed</a:t>
+            </a:r>
+            <a:r>
+              <a:rPr lang="it-IT"/>
+              <a:t> </a:t>
+            </a:r>
+            <a:r>
+              <a:rPr lang="it-IT" err="1"/>
+              <a:t>as</a:t>
+            </a:r>
+            <a:r>
+              <a:rPr lang="it-IT"/>
+              <a:t> a set of </a:t>
+            </a:r>
+            <a:r>
+              <a:rPr lang="it-IT" err="1"/>
+              <a:t>messages</a:t>
+            </a:r>
+            <a:r>
+              <a:rPr lang="it-IT"/>
+              <a:t> in </a:t>
+            </a:r>
+            <a:r>
+              <a:rPr lang="it-IT" err="1"/>
+              <a:t>incremental</a:t>
+            </a:r>
+            <a:r>
+              <a:rPr lang="it-IT"/>
+              <a:t> order</a:t>
+            </a:r>
+          </a:p>
+          <a:p>
+            <a:pPr lvl="1"/>
+            <a:r>
+              <a:rPr lang="it-IT"/>
+              <a:t>ID: </a:t>
+            </a:r>
+            <a:r>
+              <a:rPr lang="it-IT" err="1"/>
+              <a:t>contains</a:t>
+            </a:r>
+            <a:r>
+              <a:rPr lang="it-IT"/>
+              <a:t> the info </a:t>
+            </a:r>
+            <a:r>
+              <a:rPr lang="it-IT" err="1"/>
+              <a:t>about</a:t>
+            </a:r>
+            <a:r>
+              <a:rPr lang="it-IT"/>
+              <a:t> the CAN device, </a:t>
+            </a:r>
+            <a:r>
+              <a:rPr lang="it-IT" err="1"/>
+              <a:t>message</a:t>
+            </a:r>
+            <a:r>
+              <a:rPr lang="it-IT"/>
+              <a:t> and </a:t>
+            </a:r>
+            <a:r>
+              <a:rPr lang="it-IT" err="1"/>
+              <a:t>triangle</a:t>
+            </a:r>
+            <a:r>
+              <a:rPr lang="it-IT"/>
+              <a:t> id, in HEX format</a:t>
+            </a:r>
+          </a:p>
+          <a:p>
+            <a:pPr lvl="1"/>
+            <a:r>
+              <a:rPr lang="it-IT">
+                <a:ea typeface="+mn-lt"/>
+                <a:cs typeface="+mn-lt"/>
+              </a:rPr>
+              <a:t> </a:t>
+            </a:r>
+            <a:r>
+              <a:rPr lang="it-IT">
+                <a:highlight>
+                  <a:srgbClr val="FFFF00"/>
+                </a:highlight>
+                <a:latin typeface="EucrosiaUPC"/>
+                <a:cs typeface="EucrosiaUPC"/>
+              </a:rPr>
+              <a:t>d1</a:t>
+            </a:r>
+            <a:r>
+              <a:rPr lang="it-IT">
+                <a:ea typeface="+mn-lt"/>
+                <a:cs typeface="+mn-lt"/>
+              </a:rPr>
+              <a:t> </a:t>
+            </a:r>
+            <a:r>
+              <a:rPr lang="it-IT" err="1">
+                <a:ea typeface="+mn-lt"/>
+                <a:cs typeface="+mn-lt"/>
+              </a:rPr>
+              <a:t>is</a:t>
+            </a:r>
+            <a:r>
+              <a:rPr lang="it-IT">
+                <a:ea typeface="+mn-lt"/>
+                <a:cs typeface="+mn-lt"/>
+              </a:rPr>
+              <a:t> the </a:t>
+            </a:r>
+            <a:r>
+              <a:rPr lang="it-IT" err="1">
+                <a:ea typeface="+mn-lt"/>
+                <a:cs typeface="+mn-lt"/>
+              </a:rPr>
+              <a:t>header</a:t>
+            </a:r>
+            <a:endParaRPr lang="en-US" err="1">
+              <a:ea typeface="+mn-lt"/>
+              <a:cs typeface="+mn-lt"/>
+            </a:endParaRPr>
+          </a:p>
+          <a:p>
+            <a:pPr lvl="1"/>
+            <a:r>
+              <a:rPr lang="it-IT">
+                <a:ea typeface="+mn-lt"/>
+                <a:cs typeface="+mn-lt"/>
+              </a:rPr>
+              <a:t> </a:t>
+            </a:r>
+            <a:r>
+              <a:rPr lang="it-IT">
+                <a:highlight>
+                  <a:srgbClr val="FF00FF"/>
+                </a:highlight>
+                <a:latin typeface="EucrosiaUPC"/>
+                <a:cs typeface="EucrosiaUPC"/>
+              </a:rPr>
+              <a:t>d2 -- d8</a:t>
+            </a:r>
+            <a:r>
+              <a:rPr lang="it-IT">
+                <a:ea typeface="+mn-lt"/>
+                <a:cs typeface="+mn-lt"/>
+              </a:rPr>
+              <a:t> </a:t>
+            </a:r>
+            <a:r>
+              <a:rPr lang="it-IT" err="1">
+                <a:ea typeface="+mn-lt"/>
+                <a:cs typeface="+mn-lt"/>
+              </a:rPr>
+              <a:t>is</a:t>
+            </a:r>
+            <a:r>
+              <a:rPr lang="it-IT">
+                <a:ea typeface="+mn-lt"/>
+                <a:cs typeface="+mn-lt"/>
+              </a:rPr>
+              <a:t> the data </a:t>
+            </a:r>
+            <a:r>
+              <a:rPr lang="it-IT" err="1">
+                <a:ea typeface="+mn-lt"/>
+                <a:cs typeface="+mn-lt"/>
+              </a:rPr>
+              <a:t>string</a:t>
+            </a:r>
+            <a:endParaRPr lang="en-US" err="1">
+              <a:ea typeface="+mn-lt"/>
+              <a:cs typeface="+mn-lt"/>
+            </a:endParaRPr>
+          </a:p>
+          <a:p>
+            <a:r>
+              <a:rPr lang="it-IT"/>
+              <a:t>YARP strips </a:t>
+            </a:r>
+            <a:r>
+              <a:rPr lang="it-IT">
+                <a:highlight>
+                  <a:srgbClr val="FF0000"/>
+                </a:highlight>
+              </a:rPr>
+              <a:t>the </a:t>
+            </a:r>
+            <a:r>
+              <a:rPr lang="it-IT" err="1">
+                <a:highlight>
+                  <a:srgbClr val="FF0000"/>
+                </a:highlight>
+              </a:rPr>
+              <a:t>taxel</a:t>
+            </a:r>
+            <a:r>
+              <a:rPr lang="it-IT">
+                <a:highlight>
+                  <a:srgbClr val="FF0000"/>
+                </a:highlight>
+              </a:rPr>
+              <a:t> </a:t>
+            </a:r>
+            <a:r>
+              <a:rPr lang="it-IT" err="1">
+                <a:highlight>
+                  <a:srgbClr val="FF0000"/>
+                </a:highlight>
+              </a:rPr>
+              <a:t>datas</a:t>
+            </a:r>
+            <a:r>
+              <a:rPr lang="it-IT">
+                <a:highlight>
+                  <a:srgbClr val="FF0000"/>
+                </a:highlight>
+              </a:rPr>
+              <a:t> </a:t>
+            </a:r>
+            <a:r>
+              <a:rPr lang="it-IT"/>
+              <a:t>and streams </a:t>
+            </a:r>
+            <a:r>
+              <a:rPr lang="it-IT" err="1"/>
+              <a:t>them</a:t>
+            </a:r>
+            <a:r>
+              <a:rPr lang="it-IT"/>
+              <a:t> in a </a:t>
+            </a:r>
+            <a:r>
+              <a:rPr lang="it-IT" err="1"/>
+              <a:t>row</a:t>
+            </a:r>
+            <a:r>
+              <a:rPr lang="it-IT"/>
+              <a:t> </a:t>
+            </a:r>
+            <a:r>
+              <a:rPr lang="it-IT" err="1"/>
+              <a:t>through</a:t>
+            </a:r>
+            <a:r>
+              <a:rPr lang="it-IT"/>
+              <a:t> a data port</a:t>
+            </a:r>
+          </a:p>
+          <a:p>
+            <a:r>
+              <a:rPr lang="it-IT"/>
+              <a:t>The last </a:t>
+            </a:r>
+            <a:r>
+              <a:rPr lang="it-IT" err="1">
+                <a:highlight>
+                  <a:srgbClr val="00FFFF"/>
+                </a:highlight>
+              </a:rPr>
+              <a:t>two</a:t>
+            </a:r>
+            <a:r>
+              <a:rPr lang="it-IT">
+                <a:highlight>
+                  <a:srgbClr val="00FFFF"/>
+                </a:highlight>
+              </a:rPr>
+              <a:t> bytes </a:t>
+            </a:r>
+            <a:r>
+              <a:rPr lang="it-IT"/>
+              <a:t>are </a:t>
+            </a:r>
+            <a:r>
+              <a:rPr lang="it-IT" err="1"/>
+              <a:t>streamed</a:t>
+            </a:r>
+            <a:r>
+              <a:rPr lang="it-IT"/>
+              <a:t> in a </a:t>
+            </a:r>
+            <a:r>
+              <a:rPr lang="it-IT" err="1"/>
+              <a:t>diagnostic</a:t>
+            </a:r>
+            <a:r>
+              <a:rPr lang="it-IT"/>
+              <a:t> port and </a:t>
+            </a:r>
+            <a:r>
+              <a:rPr lang="it-IT" err="1"/>
+              <a:t>contain</a:t>
+            </a:r>
+            <a:r>
+              <a:rPr lang="it-IT"/>
+              <a:t> info </a:t>
+            </a:r>
+            <a:r>
+              <a:rPr lang="it-IT" err="1"/>
+              <a:t>about</a:t>
+            </a:r>
+            <a:r>
+              <a:rPr lang="it-IT"/>
+              <a:t> touches, </a:t>
+            </a:r>
+            <a:r>
+              <a:rPr lang="it-IT" err="1"/>
+              <a:t>saturation</a:t>
+            </a:r>
+            <a:r>
+              <a:rPr lang="it-IT"/>
+              <a:t> etc. </a:t>
+            </a:r>
+          </a:p>
+          <a:p>
+            <a:r>
+              <a:rPr lang="it-IT" err="1"/>
+              <a:t>Additional</a:t>
+            </a:r>
+            <a:r>
+              <a:rPr lang="it-IT"/>
+              <a:t> processing can be </a:t>
+            </a:r>
+            <a:r>
+              <a:rPr lang="it-IT" err="1"/>
+              <a:t>performed</a:t>
+            </a:r>
+            <a:r>
+              <a:rPr lang="it-IT"/>
+              <a:t> in </a:t>
+            </a:r>
+            <a:r>
+              <a:rPr lang="it-IT" err="1"/>
+              <a:t>yarp</a:t>
+            </a:r>
+            <a:r>
+              <a:rPr lang="it-IT"/>
+              <a:t> </a:t>
+            </a:r>
+            <a:r>
+              <a:rPr lang="it-IT" err="1"/>
+              <a:t>when</a:t>
+            </a:r>
+            <a:r>
+              <a:rPr lang="it-IT"/>
+              <a:t> </a:t>
+            </a:r>
+            <a:r>
+              <a:rPr lang="it-IT" err="1"/>
+              <a:t>passing</a:t>
+            </a:r>
+            <a:r>
+              <a:rPr lang="it-IT"/>
+              <a:t> </a:t>
+            </a:r>
+            <a:r>
+              <a:rPr lang="it-IT" err="1"/>
+              <a:t>contents</a:t>
+            </a:r>
+            <a:r>
+              <a:rPr lang="it-IT"/>
+              <a:t> from an input port to an output one (i.e. </a:t>
+            </a:r>
+            <a:r>
+              <a:rPr lang="it-IT" err="1"/>
+              <a:t>visualization</a:t>
+            </a:r>
+            <a:r>
+              <a:rPr lang="it-IT"/>
+              <a:t>)</a:t>
+            </a:r>
+          </a:p>
+          <a:p>
+            <a:pPr lvl="1"/>
+            <a:endParaRPr lang="it-IT"/>
+          </a:p>
+          <a:p>
+            <a:pPr lvl="1"/>
+            <a:endParaRPr lang="it-IT"/>
+          </a:p>
+        </p:txBody>
+      </p:sp>
+      <p:sp>
+        <p:nvSpPr>
+          <p:cNvPr id="5" name="CasellaDiTesto 4">
+            <a:extLst>
+              <a:ext uri="{FF2B5EF4-FFF2-40B4-BE49-F238E27FC236}">
+                <a16:creationId xmlns:a16="http://schemas.microsoft.com/office/drawing/2014/main" id="{F6A5DC9B-38AF-479E-A253-5C05A1A7D696}"/>
+              </a:ext>
+            </a:extLst>
+          </p:cNvPr>
+          <p:cNvSpPr txBox="1"/>
+          <p:nvPr/>
+        </p:nvSpPr>
+        <p:spPr>
+          <a:xfrm>
+            <a:off x="982546" y="4309326"/>
+            <a:ext cx="2743199" cy="369332"/>
+          </a:xfrm>
+          <a:prstGeom prst="rect">
+            <a:avLst/>
+          </a:prstGeom>
+          <a:noFill/>
+        </p:spPr>
+        <p:txBody>
+          <a:bodyPr rot="0" spcFirstLastPara="0" vertOverflow="overflow" horzOverflow="overflow" vert="horz" wrap="square" lIns="91440" tIns="45720" rIns="91440" bIns="45720" numCol="1" spcCol="0" rtlCol="0" fromWordArt="0" anchor="t" anchorCtr="0" forceAA="0" compatLnSpc="1">
+            <a:prstTxWarp prst="textNoShape">
+              <a:avLst/>
+            </a:prstTxWarp>
+            <a:spAutoFit/>
+          </a:bodyPr>
+          <a:lstStyle/>
+          <a:p>
+            <a:r>
+              <a:rPr lang="it-IT"/>
+              <a:t>The CAN messages</a:t>
+            </a:r>
+          </a:p>
+        </p:txBody>
+      </p:sp>
+      <p:sp>
+        <p:nvSpPr>
+          <p:cNvPr id="6" name="Rettangolo 5">
+            <a:extLst>
+              <a:ext uri="{FF2B5EF4-FFF2-40B4-BE49-F238E27FC236}">
+                <a16:creationId xmlns:a16="http://schemas.microsoft.com/office/drawing/2014/main" id="{A7AF37C0-1014-4DE0-A686-2C77DC2EBEA8}"/>
+              </a:ext>
+            </a:extLst>
+          </p:cNvPr>
+          <p:cNvSpPr/>
+          <p:nvPr/>
+        </p:nvSpPr>
+        <p:spPr>
+          <a:xfrm>
+            <a:off x="5162163" y="4824528"/>
+            <a:ext cx="1703658" cy="161074"/>
+          </a:xfrm>
+          <a:prstGeom prst="rect">
+            <a:avLst/>
+          </a:prstGeom>
+          <a:noFill/>
+          <a:ln w="28575">
+            <a:solidFill>
+              <a:srgbClr val="FF0000"/>
+            </a:solidFill>
+          </a:ln>
+        </p:spPr>
+        <p:style>
+          <a:lnRef idx="2">
+            <a:schemeClr val="accent1">
+              <a:shade val="50000"/>
+            </a:schemeClr>
+          </a:lnRef>
+          <a:fillRef idx="1">
+            <a:schemeClr val="accent1"/>
+          </a:fillRef>
+          <a:effectRef idx="0">
+            <a:schemeClr val="accent1"/>
+          </a:effectRef>
+          <a:fontRef idx="minor">
+            <a:schemeClr val="lt1"/>
+          </a:fontRef>
+        </p:style>
+        <p:txBody>
+          <a:bodyPr rtlCol="0" anchor="ctr"/>
+          <a:lstStyle/>
+          <a:p>
+            <a:pPr algn="ctr"/>
+            <a:endParaRPr lang="it-IT"/>
+          </a:p>
+        </p:txBody>
+      </p:sp>
+      <p:sp>
+        <p:nvSpPr>
+          <p:cNvPr id="7" name="Rettangolo 6">
+            <a:extLst>
+              <a:ext uri="{FF2B5EF4-FFF2-40B4-BE49-F238E27FC236}">
+                <a16:creationId xmlns:a16="http://schemas.microsoft.com/office/drawing/2014/main" id="{5D7C75B8-2009-409F-81D4-333D2E735FE1}"/>
+              </a:ext>
+            </a:extLst>
+          </p:cNvPr>
+          <p:cNvSpPr/>
+          <p:nvPr/>
+        </p:nvSpPr>
+        <p:spPr>
+          <a:xfrm>
+            <a:off x="5162162" y="4985601"/>
+            <a:ext cx="1232829" cy="161074"/>
+          </a:xfrm>
+          <a:prstGeom prst="rect">
+            <a:avLst/>
+          </a:prstGeom>
+          <a:noFill/>
+          <a:ln w="28575">
+            <a:solidFill>
+              <a:srgbClr val="FF0000"/>
+            </a:solidFill>
+          </a:ln>
+        </p:spPr>
+        <p:style>
+          <a:lnRef idx="2">
+            <a:schemeClr val="accent1">
+              <a:shade val="50000"/>
+            </a:schemeClr>
+          </a:lnRef>
+          <a:fillRef idx="1">
+            <a:schemeClr val="accent1"/>
+          </a:fillRef>
+          <a:effectRef idx="0">
+            <a:schemeClr val="accent1"/>
+          </a:effectRef>
+          <a:fontRef idx="minor">
+            <a:schemeClr val="lt1"/>
+          </a:fontRef>
+        </p:style>
+        <p:txBody>
+          <a:bodyPr rtlCol="0" anchor="ctr"/>
+          <a:lstStyle/>
+          <a:p>
+            <a:pPr algn="ctr"/>
+            <a:endParaRPr lang="it-IT"/>
+          </a:p>
+        </p:txBody>
+      </p:sp>
+      <p:sp>
+        <p:nvSpPr>
+          <p:cNvPr id="8" name="Rettangolo 7">
+            <a:extLst>
+              <a:ext uri="{FF2B5EF4-FFF2-40B4-BE49-F238E27FC236}">
+                <a16:creationId xmlns:a16="http://schemas.microsoft.com/office/drawing/2014/main" id="{86D6B90D-9285-4FAD-88B6-62F057D59552}"/>
+              </a:ext>
+            </a:extLst>
+          </p:cNvPr>
+          <p:cNvSpPr/>
+          <p:nvPr/>
+        </p:nvSpPr>
+        <p:spPr>
+          <a:xfrm>
+            <a:off x="6394992" y="4985601"/>
+            <a:ext cx="489415" cy="161074"/>
+          </a:xfrm>
+          <a:prstGeom prst="rect">
+            <a:avLst/>
+          </a:prstGeom>
+          <a:noFill/>
+          <a:ln w="28575">
+            <a:solidFill>
+              <a:srgbClr val="25F7F7"/>
+            </a:solidFill>
+          </a:ln>
+        </p:spPr>
+        <p:style>
+          <a:lnRef idx="2">
+            <a:schemeClr val="accent1">
+              <a:shade val="50000"/>
+            </a:schemeClr>
+          </a:lnRef>
+          <a:fillRef idx="1">
+            <a:schemeClr val="accent1"/>
+          </a:fillRef>
+          <a:effectRef idx="0">
+            <a:schemeClr val="accent1"/>
+          </a:effectRef>
+          <a:fontRef idx="minor">
+            <a:schemeClr val="lt1"/>
+          </a:fontRef>
+        </p:style>
+        <p:txBody>
+          <a:bodyPr lIns="91440" tIns="45720" rIns="91440" bIns="45720" rtlCol="0" anchor="ctr"/>
+          <a:lstStyle/>
+          <a:p>
+            <a:pPr algn="ctr"/>
+            <a:endParaRPr lang="it-IT">
+              <a:solidFill>
+                <a:srgbClr val="25F7F7"/>
+              </a:solidFill>
+            </a:endParaRPr>
+          </a:p>
+        </p:txBody>
+      </p:sp>
+      <p:sp>
+        <p:nvSpPr>
+          <p:cNvPr id="11" name="Rettangolo 10">
+            <a:extLst>
+              <a:ext uri="{FF2B5EF4-FFF2-40B4-BE49-F238E27FC236}">
+                <a16:creationId xmlns:a16="http://schemas.microsoft.com/office/drawing/2014/main" id="{298F979E-0E8A-4F86-9F02-B3A1F2913D7E}"/>
+              </a:ext>
+            </a:extLst>
+          </p:cNvPr>
+          <p:cNvSpPr/>
+          <p:nvPr/>
+        </p:nvSpPr>
+        <p:spPr>
+          <a:xfrm>
+            <a:off x="5155967" y="4669649"/>
+            <a:ext cx="1703658" cy="161074"/>
+          </a:xfrm>
+          <a:prstGeom prst="rect">
+            <a:avLst/>
+          </a:prstGeom>
+          <a:noFill/>
+          <a:ln w="28575">
+            <a:solidFill>
+              <a:srgbClr val="F725DB"/>
+            </a:solidFill>
+          </a:ln>
+        </p:spPr>
+        <p:style>
+          <a:lnRef idx="2">
+            <a:schemeClr val="accent1">
+              <a:shade val="50000"/>
+            </a:schemeClr>
+          </a:lnRef>
+          <a:fillRef idx="1">
+            <a:schemeClr val="accent1"/>
+          </a:fillRef>
+          <a:effectRef idx="0">
+            <a:schemeClr val="accent1"/>
+          </a:effectRef>
+          <a:fontRef idx="minor">
+            <a:schemeClr val="lt1"/>
+          </a:fontRef>
+        </p:style>
+        <p:txBody>
+          <a:bodyPr rtlCol="0" anchor="ctr"/>
+          <a:lstStyle/>
+          <a:p>
+            <a:pPr algn="ctr"/>
+            <a:endParaRPr lang="it-IT"/>
+          </a:p>
+        </p:txBody>
+      </p:sp>
+      <p:sp>
+        <p:nvSpPr>
+          <p:cNvPr id="12" name="Rettangolo 11">
+            <a:extLst>
+              <a:ext uri="{FF2B5EF4-FFF2-40B4-BE49-F238E27FC236}">
+                <a16:creationId xmlns:a16="http://schemas.microsoft.com/office/drawing/2014/main" id="{2F0DC0D3-9661-4F55-A0E7-E1E891EF49EF}"/>
+              </a:ext>
+            </a:extLst>
+          </p:cNvPr>
+          <p:cNvSpPr/>
+          <p:nvPr/>
+        </p:nvSpPr>
+        <p:spPr>
+          <a:xfrm>
+            <a:off x="4895770" y="4669159"/>
+            <a:ext cx="216831" cy="475720"/>
+          </a:xfrm>
+          <a:prstGeom prst="rect">
+            <a:avLst/>
+          </a:prstGeom>
+          <a:noFill/>
+          <a:ln w="28575">
+            <a:solidFill>
+              <a:srgbClr val="FFFF00"/>
+            </a:solidFill>
+          </a:ln>
+        </p:spPr>
+        <p:style>
+          <a:lnRef idx="2">
+            <a:schemeClr val="accent1">
+              <a:shade val="50000"/>
+            </a:schemeClr>
+          </a:lnRef>
+          <a:fillRef idx="1">
+            <a:schemeClr val="accent1"/>
+          </a:fillRef>
+          <a:effectRef idx="0">
+            <a:schemeClr val="accent1"/>
+          </a:effectRef>
+          <a:fontRef idx="minor">
+            <a:schemeClr val="lt1"/>
+          </a:fontRef>
+        </p:style>
+        <p:txBody>
+          <a:bodyPr rtlCol="0" anchor="ctr"/>
+          <a:lstStyle/>
+          <a:p>
+            <a:pPr algn="ctr"/>
+            <a:endParaRPr lang="it-IT"/>
+          </a:p>
+        </p:txBody>
+      </p:sp>
+    </p:spTree>
+    <p:extLst>
+      <p:ext uri="{BB962C8B-B14F-4D97-AF65-F5344CB8AC3E}">
+        <p14:creationId xmlns:p14="http://schemas.microsoft.com/office/powerpoint/2010/main" val="3198760752"/>
+      </p:ext>
+    </p:extLst>
+  </p:cSld>
+  <p:clrMapOvr>
+    <a:masterClrMapping/>
+  </p:clrMapOvr>
+</p:sld>
+</file>
+
+<file path=ppt/slides/slide7.xml><?xml version="1.0" encoding="utf-8"?>
+<p:sld xmlns:a="http://schemas.openxmlformats.org/drawingml/2006/main" xmlns:r="http://schemas.openxmlformats.org/officeDocument/2006/relationships" xmlns:p="http://schemas.openxmlformats.org/presentationml/2006/main">
+  <p:cSld>
+    <p:spTree>
+      <p:nvGrpSpPr>
+        <p:cNvPr id="1" name=""/>
+        <p:cNvGrpSpPr/>
+        <p:nvPr/>
+      </p:nvGrpSpPr>
+      <p:grpSpPr>
+        <a:xfrm>
+          <a:off x="0" y="0"/>
+          <a:ext cx="0" cy="0"/>
+          <a:chOff x="0" y="0"/>
+          <a:chExt cx="0" cy="0"/>
+        </a:xfrm>
+      </p:grpSpPr>
+      <p:sp>
+        <p:nvSpPr>
+          <p:cNvPr id="2" name="Titolo 1">
+            <a:extLst>
+              <a:ext uri="{FF2B5EF4-FFF2-40B4-BE49-F238E27FC236}">
+                <a16:creationId xmlns:a16="http://schemas.microsoft.com/office/drawing/2014/main" id="{96966719-826B-4DBF-AD56-D3B3DC0FDBD4}"/>
+              </a:ext>
+            </a:extLst>
+          </p:cNvPr>
+          <p:cNvSpPr>
+            <a:spLocks noGrp="1"/>
+          </p:cNvSpPr>
+          <p:nvPr>
+            <p:ph type="title"/>
+          </p:nvPr>
+        </p:nvSpPr>
+        <p:spPr/>
+        <p:txBody>
+          <a:bodyPr/>
+          <a:lstStyle/>
+          <a:p>
+            <a:r>
+              <a:rPr lang="en-US"/>
+              <a:t>skin output</a:t>
+            </a:r>
+          </a:p>
+        </p:txBody>
+      </p:sp>
+      <p:sp>
+        <p:nvSpPr>
+          <p:cNvPr id="3" name="Segnaposto contenuto 2">
+            <a:extLst>
+              <a:ext uri="{FF2B5EF4-FFF2-40B4-BE49-F238E27FC236}">
+                <a16:creationId xmlns:a16="http://schemas.microsoft.com/office/drawing/2014/main" id="{A1DA1AC7-F5BA-4E6A-B800-4865F045D68E}"/>
+              </a:ext>
+            </a:extLst>
+          </p:cNvPr>
+          <p:cNvSpPr>
+            <a:spLocks noGrp="1"/>
+          </p:cNvSpPr>
+          <p:nvPr>
+            <p:ph idx="1"/>
+          </p:nvPr>
+        </p:nvSpPr>
+        <p:spPr/>
+        <p:txBody>
+          <a:bodyPr>
+            <a:normAutofit/>
+          </a:bodyPr>
+          <a:lstStyle/>
+          <a:p>
+            <a:pPr marL="0" indent="0">
+              <a:buNone/>
+            </a:pPr>
+            <a:r>
+              <a:rPr lang="en-US"/>
+              <a:t>The </a:t>
+            </a:r>
+            <a:r>
+              <a:rPr lang="en-US" err="1"/>
+              <a:t>taxel</a:t>
+            </a:r>
+            <a:r>
+              <a:rPr lang="en-US"/>
+              <a:t> output can be read </a:t>
+            </a:r>
+            <a:r>
+              <a:rPr lang="en-US" b="1"/>
+              <a:t>raw</a:t>
+            </a:r>
+            <a:r>
+              <a:rPr lang="en-US"/>
+              <a:t> or </a:t>
+            </a:r>
+            <a:r>
+              <a:rPr lang="en-US" b="1"/>
+              <a:t>compensated</a:t>
+            </a:r>
+            <a:r>
+              <a:rPr lang="en-US"/>
+              <a:t>. The output </a:t>
+            </a:r>
+            <a:r>
+              <a:rPr lang="en-US" b="1"/>
+              <a:t>raw</a:t>
+            </a:r>
+            <a:r>
+              <a:rPr lang="en-US"/>
+              <a:t> is expressed by a byte, 240 (i.e. 0xF0) is the value when there is no pressure. When a pressure is applied, the value is </a:t>
+            </a:r>
+            <a:r>
+              <a:rPr lang="en-US" b="1"/>
+              <a:t>decreased</a:t>
+            </a:r>
+            <a:r>
+              <a:rPr lang="en-US"/>
+              <a:t> until 0.</a:t>
+            </a:r>
+          </a:p>
+          <a:p>
+            <a:pPr marL="0" indent="0">
+              <a:buNone/>
+            </a:pPr>
+            <a:r>
+              <a:rPr lang="en-US"/>
+              <a:t>The skin raw output is streamed by the ports </a:t>
+            </a:r>
+            <a:r>
+              <a:rPr lang="en-US" b="1">
+                <a:latin typeface="Consolas" panose="020B0609020204030204" pitchFamily="49" charset="0"/>
+              </a:rPr>
+              <a:t>/</a:t>
+            </a:r>
+            <a:r>
+              <a:rPr lang="en-US" b="1" err="1">
+                <a:latin typeface="Consolas" panose="020B0609020204030204" pitchFamily="49" charset="0"/>
+              </a:rPr>
+              <a:t>icub</a:t>
+            </a:r>
+            <a:r>
+              <a:rPr lang="en-US" b="1">
+                <a:latin typeface="Consolas" panose="020B0609020204030204" pitchFamily="49" charset="0"/>
+              </a:rPr>
+              <a:t>/skin/&lt;</a:t>
+            </a:r>
+            <a:r>
+              <a:rPr lang="en-US" b="1" err="1">
+                <a:latin typeface="Consolas" panose="020B0609020204030204" pitchFamily="49" charset="0"/>
+              </a:rPr>
+              <a:t>part_name</a:t>
+            </a:r>
+            <a:r>
+              <a:rPr lang="en-US" b="1">
+                <a:latin typeface="Consolas" panose="020B0609020204030204" pitchFamily="49" charset="0"/>
+              </a:rPr>
+              <a:t>&gt; </a:t>
+            </a:r>
+            <a:r>
+              <a:rPr lang="en-US"/>
+              <a:t>and it is published by the firmware of </a:t>
+            </a:r>
+            <a:r>
+              <a:rPr lang="en-US" err="1"/>
+              <a:t>mtb</a:t>
+            </a:r>
+            <a:r>
+              <a:rPr lang="en-US"/>
+              <a:t> boards.</a:t>
+            </a:r>
+          </a:p>
+          <a:p>
+            <a:pPr marL="0" indent="0">
+              <a:buNone/>
+            </a:pPr>
+            <a:r>
+              <a:rPr lang="en-US"/>
+              <a:t>The </a:t>
+            </a:r>
+            <a:r>
+              <a:rPr lang="en-US" b="1"/>
+              <a:t>compensated</a:t>
+            </a:r>
+            <a:r>
+              <a:rPr lang="en-US"/>
+              <a:t> one is expressed by a double(between 0.0 and 255.0) and when a pressure is applied the output </a:t>
+            </a:r>
+            <a:r>
+              <a:rPr lang="en-US" b="1"/>
+              <a:t>increases. </a:t>
+            </a:r>
+            <a:r>
+              <a:rPr lang="en-US"/>
+              <a:t>This kind of compensation </a:t>
+            </a:r>
+            <a:r>
+              <a:rPr lang="en-US" err="1"/>
+              <a:t>si</a:t>
+            </a:r>
+            <a:r>
+              <a:rPr lang="en-US"/>
+              <a:t> performed by the </a:t>
+            </a:r>
+            <a:r>
+              <a:rPr lang="en-US" err="1"/>
+              <a:t>skinManager</a:t>
+            </a:r>
+            <a:r>
+              <a:rPr lang="en-US"/>
+              <a:t> that streams this data </a:t>
+            </a:r>
+            <a:r>
+              <a:rPr lang="en-US" err="1"/>
+              <a:t>throught</a:t>
+            </a:r>
+            <a:r>
+              <a:rPr lang="en-US"/>
+              <a:t> the ports </a:t>
+            </a:r>
+            <a:r>
+              <a:rPr lang="en-US" b="1">
+                <a:latin typeface="Consolas" panose="020B0609020204030204" pitchFamily="49" charset="0"/>
+              </a:rPr>
+              <a:t>/</a:t>
+            </a:r>
+            <a:r>
+              <a:rPr lang="en-US" b="1" err="1">
+                <a:latin typeface="Consolas" panose="020B0609020204030204" pitchFamily="49" charset="0"/>
+              </a:rPr>
+              <a:t>icub</a:t>
+            </a:r>
+            <a:r>
+              <a:rPr lang="en-US" b="1">
+                <a:latin typeface="Consolas" panose="020B0609020204030204" pitchFamily="49" charset="0"/>
+              </a:rPr>
+              <a:t>/skin/&lt;</a:t>
+            </a:r>
+            <a:r>
+              <a:rPr lang="en-US" b="1" err="1">
+                <a:latin typeface="Consolas" panose="020B0609020204030204" pitchFamily="49" charset="0"/>
+              </a:rPr>
+              <a:t>part_name</a:t>
+            </a:r>
+            <a:r>
+              <a:rPr lang="en-US" b="1">
+                <a:latin typeface="Consolas" panose="020B0609020204030204" pitchFamily="49" charset="0"/>
+              </a:rPr>
+              <a:t>&gt;_comp</a:t>
+            </a:r>
+          </a:p>
+        </p:txBody>
+      </p:sp>
+      <p:pic>
+        <p:nvPicPr>
+          <p:cNvPr id="5" name="Picture 2" descr="A close up of a sign&#10;&#10;Description automatically generated">
+            <a:extLst>
+              <a:ext uri="{FF2B5EF4-FFF2-40B4-BE49-F238E27FC236}">
+                <a16:creationId xmlns:a16="http://schemas.microsoft.com/office/drawing/2014/main" id="{445DAE2F-ECE5-43AE-BC57-3A0B3C0FF7CB}"/>
+              </a:ext>
+            </a:extLst>
+          </p:cNvPr>
+          <p:cNvPicPr>
+            <a:picLocks noChangeAspect="1"/>
+          </p:cNvPicPr>
+          <p:nvPr/>
+        </p:nvPicPr>
+        <p:blipFill>
+          <a:blip r:embed="rId2"/>
+          <a:stretch>
+            <a:fillRect/>
+          </a:stretch>
+        </p:blipFill>
+        <p:spPr>
+          <a:xfrm>
+            <a:off x="10756810" y="0"/>
+            <a:ext cx="1639471" cy="1639471"/>
+          </a:xfrm>
+          <a:prstGeom prst="rect">
+            <a:avLst/>
+          </a:prstGeom>
+        </p:spPr>
+      </p:pic>
+    </p:spTree>
+    <p:extLst>
+      <p:ext uri="{BB962C8B-B14F-4D97-AF65-F5344CB8AC3E}">
+        <p14:creationId xmlns:p14="http://schemas.microsoft.com/office/powerpoint/2010/main" val="613325231"/>
+      </p:ext>
+    </p:extLst>
+  </p:cSld>
+  <p:clrMapOvr>
+    <a:masterClrMapping/>
+  </p:clrMapOvr>
+</p:sld>
+</file>
+
+<file path=ppt/slides/slide8.xml><?xml version="1.0" encoding="utf-8"?>
+<p:sld xmlns:a="http://schemas.openxmlformats.org/drawingml/2006/main" xmlns:r="http://schemas.openxmlformats.org/officeDocument/2006/relationships" xmlns:p="http://schemas.openxmlformats.org/presentationml/2006/main">
+  <p:cSld>
+    <p:spTree>
+      <p:nvGrpSpPr>
+        <p:cNvPr id="1" name=""/>
+        <p:cNvGrpSpPr/>
+        <p:nvPr/>
+      </p:nvGrpSpPr>
+      <p:grpSpPr>
+        <a:xfrm>
+          <a:off x="0" y="0"/>
+          <a:ext cx="0" cy="0"/>
+          <a:chOff x="0" y="0"/>
+          <a:chExt cx="0" cy="0"/>
+        </a:xfrm>
+      </p:grpSpPr>
+      <p:sp>
+        <p:nvSpPr>
+          <p:cNvPr id="2" name="Titolo 1">
+            <a:extLst>
+              <a:ext uri="{FF2B5EF4-FFF2-40B4-BE49-F238E27FC236}">
+                <a16:creationId xmlns:a16="http://schemas.microsoft.com/office/drawing/2014/main" id="{96966719-826B-4DBF-AD56-D3B3DC0FDBD4}"/>
+              </a:ext>
+            </a:extLst>
+          </p:cNvPr>
+          <p:cNvSpPr>
+            <a:spLocks noGrp="1"/>
+          </p:cNvSpPr>
+          <p:nvPr>
+            <p:ph type="title"/>
+          </p:nvPr>
+        </p:nvSpPr>
+        <p:spPr/>
+        <p:txBody>
+          <a:bodyPr/>
+          <a:lstStyle/>
+          <a:p>
+            <a:r>
+              <a:rPr lang="en-US"/>
+              <a:t>Thermal drift</a:t>
+            </a:r>
+          </a:p>
+        </p:txBody>
+      </p:sp>
+      <p:sp>
+        <p:nvSpPr>
+          <p:cNvPr id="3" name="Segnaposto contenuto 2">
+            <a:extLst>
+              <a:ext uri="{FF2B5EF4-FFF2-40B4-BE49-F238E27FC236}">
+                <a16:creationId xmlns:a16="http://schemas.microsoft.com/office/drawing/2014/main" id="{A1DA1AC7-F5BA-4E6A-B800-4865F045D68E}"/>
+              </a:ext>
+            </a:extLst>
+          </p:cNvPr>
+          <p:cNvSpPr>
+            <a:spLocks noGrp="1"/>
+          </p:cNvSpPr>
+          <p:nvPr>
+            <p:ph idx="1"/>
+          </p:nvPr>
+        </p:nvSpPr>
+        <p:spPr>
+          <a:xfrm>
+            <a:off x="1451579" y="2015732"/>
+            <a:ext cx="9770543" cy="780516"/>
+          </a:xfrm>
+        </p:spPr>
+        <p:txBody>
+          <a:bodyPr>
+            <a:normAutofit lnSpcReduction="10000"/>
+          </a:bodyPr>
+          <a:lstStyle/>
+          <a:p>
+            <a:pPr marL="0" indent="0">
+              <a:buNone/>
+            </a:pPr>
+            <a:r>
+              <a:rPr lang="en-US"/>
+              <a:t>The </a:t>
+            </a:r>
+            <a:r>
+              <a:rPr lang="en-US" err="1"/>
+              <a:t>taxels</a:t>
+            </a:r>
+            <a:r>
+              <a:rPr lang="en-US"/>
+              <a:t> measures in case a power electronics is near the skin, are affected by thermal drift, this can be compensated both by </a:t>
+            </a:r>
+            <a:r>
+              <a:rPr lang="en-US" err="1"/>
+              <a:t>skinManager</a:t>
+            </a:r>
+            <a:r>
+              <a:rPr lang="en-US"/>
+              <a:t> or onboard the MTB </a:t>
+            </a:r>
+          </a:p>
+        </p:txBody>
+      </p:sp>
+      <p:pic>
+        <p:nvPicPr>
+          <p:cNvPr id="5" name="Picture 2" descr="A close up of a sign&#10;&#10;Description automatically generated">
+            <a:extLst>
+              <a:ext uri="{FF2B5EF4-FFF2-40B4-BE49-F238E27FC236}">
+                <a16:creationId xmlns:a16="http://schemas.microsoft.com/office/drawing/2014/main" id="{445DAE2F-ECE5-43AE-BC57-3A0B3C0FF7CB}"/>
+              </a:ext>
+            </a:extLst>
+          </p:cNvPr>
+          <p:cNvPicPr>
+            <a:picLocks noChangeAspect="1"/>
+          </p:cNvPicPr>
+          <p:nvPr/>
+        </p:nvPicPr>
+        <p:blipFill>
+          <a:blip r:embed="rId2"/>
+          <a:stretch>
+            <a:fillRect/>
+          </a:stretch>
+        </p:blipFill>
+        <p:spPr>
+          <a:xfrm>
+            <a:off x="10756810" y="0"/>
+            <a:ext cx="1639471" cy="1639471"/>
+          </a:xfrm>
+          <a:prstGeom prst="rect">
+            <a:avLst/>
+          </a:prstGeom>
+        </p:spPr>
+      </p:pic>
+      <p:pic>
+        <p:nvPicPr>
+          <p:cNvPr id="6" name="Immagine 5">
+            <a:extLst>
+              <a:ext uri="{FF2B5EF4-FFF2-40B4-BE49-F238E27FC236}">
+                <a16:creationId xmlns:a16="http://schemas.microsoft.com/office/drawing/2014/main" id="{98BD9245-CCE0-48A8-B8A3-C5BD8748FEC1}"/>
+              </a:ext>
+            </a:extLst>
+          </p:cNvPr>
+          <p:cNvPicPr>
+            <a:picLocks noChangeAspect="1"/>
+          </p:cNvPicPr>
+          <p:nvPr/>
+        </p:nvPicPr>
+        <p:blipFill>
+          <a:blip r:embed="rId3"/>
+          <a:stretch>
+            <a:fillRect/>
+          </a:stretch>
+        </p:blipFill>
+        <p:spPr>
+          <a:xfrm>
+            <a:off x="869606" y="2979989"/>
+            <a:ext cx="2389895" cy="1741508"/>
+          </a:xfrm>
+          <a:prstGeom prst="rect">
+            <a:avLst/>
+          </a:prstGeom>
+        </p:spPr>
+      </p:pic>
+      <p:pic>
+        <p:nvPicPr>
+          <p:cNvPr id="8" name="Immagine 7">
+            <a:extLst>
+              <a:ext uri="{FF2B5EF4-FFF2-40B4-BE49-F238E27FC236}">
+                <a16:creationId xmlns:a16="http://schemas.microsoft.com/office/drawing/2014/main" id="{960EDCD3-FBB7-42F9-9ABB-25FF076DBF5E}"/>
+              </a:ext>
+            </a:extLst>
+          </p:cNvPr>
+          <p:cNvPicPr>
+            <a:picLocks noChangeAspect="1"/>
+          </p:cNvPicPr>
+          <p:nvPr/>
+        </p:nvPicPr>
+        <p:blipFill>
+          <a:blip r:embed="rId4"/>
+          <a:stretch>
+            <a:fillRect/>
+          </a:stretch>
+        </p:blipFill>
+        <p:spPr>
+          <a:xfrm>
+            <a:off x="8170681" y="2797756"/>
+            <a:ext cx="2561048" cy="2501321"/>
+          </a:xfrm>
+          <a:prstGeom prst="rect">
+            <a:avLst/>
+          </a:prstGeom>
+        </p:spPr>
+      </p:pic>
+      <p:sp>
+        <p:nvSpPr>
+          <p:cNvPr id="4" name="CasellaDiTesto 3">
+            <a:extLst>
+              <a:ext uri="{FF2B5EF4-FFF2-40B4-BE49-F238E27FC236}">
+                <a16:creationId xmlns:a16="http://schemas.microsoft.com/office/drawing/2014/main" id="{960E8B61-74E5-49F0-B9AF-3A14EA83B14F}"/>
+              </a:ext>
+            </a:extLst>
+          </p:cNvPr>
+          <p:cNvSpPr txBox="1"/>
+          <p:nvPr/>
+        </p:nvSpPr>
+        <p:spPr>
+          <a:xfrm>
+            <a:off x="8308072" y="5301579"/>
+            <a:ext cx="2743200" cy="369332"/>
+          </a:xfrm>
+          <a:prstGeom prst="rect">
+            <a:avLst/>
+          </a:prstGeom>
+          <a:noFill/>
+        </p:spPr>
+        <p:txBody>
+          <a:bodyPr rot="0" spcFirstLastPara="0" vertOverflow="overflow" horzOverflow="overflow" vert="horz" wrap="square" lIns="91440" tIns="45720" rIns="91440" bIns="45720" numCol="1" spcCol="0" rtlCol="0" fromWordArt="0" anchor="t" anchorCtr="0" forceAA="0" compatLnSpc="1">
+            <a:prstTxWarp prst="textNoShape">
+              <a:avLst/>
+            </a:prstTxWarp>
+            <a:spAutoFit/>
+          </a:bodyPr>
+          <a:lstStyle/>
+          <a:p>
+            <a:r>
+              <a:rPr lang="it-IT" err="1"/>
+              <a:t>Compensation</a:t>
+            </a:r>
+            <a:r>
+              <a:rPr lang="it-IT"/>
+              <a:t> works!</a:t>
+            </a:r>
+          </a:p>
+        </p:txBody>
+      </p:sp>
+      <p:sp>
+        <p:nvSpPr>
+          <p:cNvPr id="7" name="CasellaDiTesto 6">
+            <a:extLst>
+              <a:ext uri="{FF2B5EF4-FFF2-40B4-BE49-F238E27FC236}">
+                <a16:creationId xmlns:a16="http://schemas.microsoft.com/office/drawing/2014/main" id="{A803EC35-284F-4A9F-A77D-0112B063D699}"/>
+              </a:ext>
+            </a:extLst>
+          </p:cNvPr>
+          <p:cNvSpPr txBox="1"/>
+          <p:nvPr/>
+        </p:nvSpPr>
+        <p:spPr>
+          <a:xfrm>
+            <a:off x="695437" y="4838757"/>
+            <a:ext cx="2743200" cy="369332"/>
+          </a:xfrm>
+          <a:prstGeom prst="rect">
+            <a:avLst/>
+          </a:prstGeom>
+          <a:noFill/>
+        </p:spPr>
+        <p:txBody>
+          <a:bodyPr rot="0" spcFirstLastPara="0" vertOverflow="overflow" horzOverflow="overflow" vert="horz" wrap="square" lIns="91440" tIns="45720" rIns="91440" bIns="45720" numCol="1" spcCol="0" rtlCol="0" fromWordArt="0" anchor="t" anchorCtr="0" forceAA="0" compatLnSpc="1">
+            <a:prstTxWarp prst="textNoShape">
+              <a:avLst/>
+            </a:prstTxWarp>
+            <a:spAutoFit/>
+          </a:bodyPr>
+          <a:lstStyle/>
+          <a:p>
+            <a:r>
+              <a:rPr lang="it-IT" err="1"/>
+              <a:t>Typical</a:t>
+            </a:r>
+            <a:r>
+              <a:rPr lang="it-IT"/>
+              <a:t> </a:t>
+            </a:r>
+            <a:r>
+              <a:rPr lang="it-IT" err="1"/>
+              <a:t>thermal</a:t>
+            </a:r>
+            <a:r>
+              <a:rPr lang="it-IT"/>
+              <a:t> </a:t>
+            </a:r>
+            <a:r>
+              <a:rPr lang="it-IT" err="1"/>
+              <a:t>drift</a:t>
+            </a:r>
+          </a:p>
+        </p:txBody>
+      </p:sp>
+      <p:pic>
+        <p:nvPicPr>
+          <p:cNvPr id="9" name="Immagine 9">
+            <a:extLst>
+              <a:ext uri="{FF2B5EF4-FFF2-40B4-BE49-F238E27FC236}">
+                <a16:creationId xmlns:a16="http://schemas.microsoft.com/office/drawing/2014/main" id="{8DD97453-ACCF-4700-9438-58062D2E1173}"/>
+              </a:ext>
+            </a:extLst>
+          </p:cNvPr>
+          <p:cNvPicPr>
+            <a:picLocks noChangeAspect="1"/>
+          </p:cNvPicPr>
+          <p:nvPr/>
+        </p:nvPicPr>
+        <p:blipFill>
+          <a:blip r:embed="rId5"/>
+          <a:stretch>
+            <a:fillRect/>
+          </a:stretch>
+        </p:blipFill>
+        <p:spPr>
+          <a:xfrm>
+            <a:off x="3800196" y="2917643"/>
+            <a:ext cx="2743200" cy="1906812"/>
+          </a:xfrm>
+          <a:prstGeom prst="rect">
+            <a:avLst/>
+          </a:prstGeom>
+        </p:spPr>
+      </p:pic>
+      <p:sp>
+        <p:nvSpPr>
+          <p:cNvPr id="10" name="CasellaDiTesto 9">
+            <a:extLst>
+              <a:ext uri="{FF2B5EF4-FFF2-40B4-BE49-F238E27FC236}">
+                <a16:creationId xmlns:a16="http://schemas.microsoft.com/office/drawing/2014/main" id="{0703F7C0-27B3-4500-9D1A-C6D6AA023C2D}"/>
+              </a:ext>
+            </a:extLst>
+          </p:cNvPr>
+          <p:cNvSpPr txBox="1"/>
+          <p:nvPr/>
+        </p:nvSpPr>
+        <p:spPr>
+          <a:xfrm>
+            <a:off x="4203755" y="4853461"/>
+            <a:ext cx="3149600" cy="646331"/>
+          </a:xfrm>
+          <a:prstGeom prst="rect">
+            <a:avLst/>
+          </a:prstGeom>
+          <a:noFill/>
+        </p:spPr>
+        <p:txBody>
+          <a:bodyPr rot="0" spcFirstLastPara="0" vertOverflow="overflow" horzOverflow="overflow" vert="horz" wrap="square" lIns="91440" tIns="45720" rIns="91440" bIns="45720" numCol="1" spcCol="0" rtlCol="0" fromWordArt="0" anchor="t" anchorCtr="0" forceAA="0" compatLnSpc="1">
+            <a:prstTxWarp prst="textNoShape">
+              <a:avLst/>
+            </a:prstTxWarp>
+            <a:spAutoFit/>
+          </a:bodyPr>
+          <a:lstStyle/>
+          <a:p>
+            <a:r>
+              <a:rPr lang="it-IT" err="1"/>
+              <a:t>Calibration</a:t>
+            </a:r>
+            <a:r>
+              <a:rPr lang="it-IT"/>
+              <a:t> in </a:t>
+            </a:r>
+            <a:r>
+              <a:rPr lang="it-IT" err="1"/>
+              <a:t>climatic</a:t>
+            </a:r>
+            <a:r>
+              <a:rPr lang="it-IT"/>
+              <a:t> </a:t>
+            </a:r>
+            <a:r>
+              <a:rPr lang="it-IT" err="1"/>
+              <a:t>chamber</a:t>
+            </a:r>
+            <a:r>
+              <a:rPr lang="it-IT"/>
+              <a:t> of the temperature </a:t>
+            </a:r>
+            <a:r>
+              <a:rPr lang="it-IT" err="1"/>
+              <a:t>coefficients</a:t>
+            </a:r>
+            <a:endParaRPr lang="it-IT"/>
+          </a:p>
+        </p:txBody>
+      </p:sp>
+      <p:pic>
+        <p:nvPicPr>
+          <p:cNvPr id="11" name="Immagine 11">
+            <a:extLst>
+              <a:ext uri="{FF2B5EF4-FFF2-40B4-BE49-F238E27FC236}">
+                <a16:creationId xmlns:a16="http://schemas.microsoft.com/office/drawing/2014/main" id="{80716E80-E5E8-4E61-BCAD-769CC705C671}"/>
+              </a:ext>
+            </a:extLst>
+          </p:cNvPr>
+          <p:cNvPicPr>
+            <a:picLocks noChangeAspect="1"/>
+          </p:cNvPicPr>
+          <p:nvPr/>
+        </p:nvPicPr>
+        <p:blipFill>
+          <a:blip r:embed="rId6"/>
+          <a:stretch>
+            <a:fillRect/>
+          </a:stretch>
+        </p:blipFill>
+        <p:spPr>
+          <a:xfrm>
+            <a:off x="5959195" y="2919492"/>
+            <a:ext cx="1574801" cy="1920048"/>
+          </a:xfrm>
+          <a:prstGeom prst="rect">
+            <a:avLst/>
+          </a:prstGeom>
+        </p:spPr>
+      </p:pic>
+    </p:spTree>
+    <p:extLst>
+      <p:ext uri="{BB962C8B-B14F-4D97-AF65-F5344CB8AC3E}">
+        <p14:creationId xmlns:p14="http://schemas.microsoft.com/office/powerpoint/2010/main" val="4139619729"/>
+      </p:ext>
+    </p:extLst>
+  </p:cSld>
+  <p:clrMapOvr>
+    <a:masterClrMapping/>
+  </p:clrMapOvr>
+</p:sld>
+</file>
+
+<file path=ppt/slides/slide9.xml><?xml version="1.0" encoding="utf-8"?>
+<p:sld xmlns:a="http://schemas.openxmlformats.org/drawingml/2006/main" xmlns:r="http://schemas.openxmlformats.org/officeDocument/2006/relationships" xmlns:p="http://schemas.openxmlformats.org/presentationml/2006/main">
+  <p:cSld>
+    <p:spTree>
+      <p:nvGrpSpPr>
+        <p:cNvPr id="1" name=""/>
+        <p:cNvGrpSpPr/>
+        <p:nvPr/>
+      </p:nvGrpSpPr>
+      <p:grpSpPr>
+        <a:xfrm>
+          <a:off x="0" y="0"/>
+          <a:ext cx="0" cy="0"/>
+          <a:chOff x="0" y="0"/>
+          <a:chExt cx="0" cy="0"/>
+        </a:xfrm>
+      </p:grpSpPr>
+      <p:sp>
+        <p:nvSpPr>
+          <p:cNvPr id="2" name="Titolo 1">
+            <a:extLst>
+              <a:ext uri="{FF2B5EF4-FFF2-40B4-BE49-F238E27FC236}">
+                <a16:creationId xmlns:a16="http://schemas.microsoft.com/office/drawing/2014/main" id="{96966719-826B-4DBF-AD56-D3B3DC0FDBD4}"/>
+              </a:ext>
+            </a:extLst>
+          </p:cNvPr>
+          <p:cNvSpPr>
+            <a:spLocks noGrp="1"/>
+          </p:cNvSpPr>
+          <p:nvPr>
+            <p:ph type="title"/>
+          </p:nvPr>
+        </p:nvSpPr>
+        <p:spPr/>
+        <p:txBody>
+          <a:bodyPr/>
+          <a:lstStyle/>
+          <a:p>
+            <a:r>
+              <a:rPr lang="en-US" err="1"/>
+              <a:t>SKINmanager</a:t>
+            </a:r>
+            <a:endParaRPr lang="en-US"/>
+          </a:p>
+        </p:txBody>
+      </p:sp>
+      <p:sp>
+        <p:nvSpPr>
+          <p:cNvPr id="3" name="Segnaposto contenuto 2">
+            <a:extLst>
+              <a:ext uri="{FF2B5EF4-FFF2-40B4-BE49-F238E27FC236}">
+                <a16:creationId xmlns:a16="http://schemas.microsoft.com/office/drawing/2014/main" id="{A1DA1AC7-F5BA-4E6A-B800-4865F045D68E}"/>
+              </a:ext>
+            </a:extLst>
+          </p:cNvPr>
+          <p:cNvSpPr>
+            <a:spLocks noGrp="1"/>
+          </p:cNvSpPr>
+          <p:nvPr>
+            <p:ph idx="1"/>
+          </p:nvPr>
+        </p:nvSpPr>
+        <p:spPr/>
+        <p:txBody>
+          <a:bodyPr/>
+          <a:lstStyle/>
+          <a:p>
+            <a:pPr marL="0" indent="0">
+              <a:buNone/>
+            </a:pPr>
+            <a:r>
+              <a:rPr lang="en-US"/>
+              <a:t>The </a:t>
+            </a:r>
+            <a:r>
+              <a:rPr lang="en-US" i="1" err="1"/>
+              <a:t>skinManager</a:t>
+            </a:r>
+            <a:r>
+              <a:rPr lang="en-US"/>
+              <a:t> is an executable included in the </a:t>
+            </a:r>
+            <a:r>
+              <a:rPr lang="en-US">
+                <a:hlinkClick r:id="rId2"/>
+              </a:rPr>
+              <a:t>icub-main repository</a:t>
+            </a:r>
+            <a:r>
+              <a:rPr lang="en-US"/>
+              <a:t>. </a:t>
+            </a:r>
+          </a:p>
+          <a:p>
+            <a:pPr marL="0" indent="0">
+              <a:buNone/>
+            </a:pPr>
+            <a:r>
+              <a:rPr lang="en-US"/>
+              <a:t>Can handles multiple skin patches, it is used for handle and refine the data coming from the firmware.</a:t>
+            </a:r>
+          </a:p>
+          <a:p>
+            <a:pPr marL="0" indent="0">
+              <a:buNone/>
+            </a:pPr>
+            <a:r>
+              <a:rPr lang="en-US"/>
+              <a:t>It allows to:</a:t>
+            </a:r>
+          </a:p>
+          <a:p>
+            <a:r>
+              <a:rPr lang="en-US"/>
+              <a:t>Set a low pass filter to the data</a:t>
+            </a:r>
+          </a:p>
+          <a:p>
+            <a:r>
+              <a:rPr lang="en-US"/>
+              <a:t>Compute touch threshold for the </a:t>
+            </a:r>
+            <a:r>
+              <a:rPr lang="en-US" err="1"/>
+              <a:t>taxels</a:t>
+            </a:r>
+            <a:r>
+              <a:rPr lang="en-US"/>
+              <a:t> used by the binarization</a:t>
+            </a:r>
+          </a:p>
+          <a:p>
+            <a:r>
+              <a:rPr lang="en-US"/>
+              <a:t>Define </a:t>
+            </a:r>
+            <a:r>
+              <a:rPr lang="en-US" err="1"/>
+              <a:t>skinContacts</a:t>
+            </a:r>
+            <a:endParaRPr lang="en-US"/>
+          </a:p>
+        </p:txBody>
+      </p:sp>
+      <p:pic>
+        <p:nvPicPr>
+          <p:cNvPr id="5" name="Picture 2" descr="A close up of a sign&#10;&#10;Description automatically generated">
+            <a:extLst>
+              <a:ext uri="{FF2B5EF4-FFF2-40B4-BE49-F238E27FC236}">
+                <a16:creationId xmlns:a16="http://schemas.microsoft.com/office/drawing/2014/main" id="{445DAE2F-ECE5-43AE-BC57-3A0B3C0FF7CB}"/>
+              </a:ext>
+            </a:extLst>
+          </p:cNvPr>
+          <p:cNvPicPr>
+            <a:picLocks noChangeAspect="1"/>
+          </p:cNvPicPr>
+          <p:nvPr/>
+        </p:nvPicPr>
+        <p:blipFill>
+          <a:blip r:embed="rId3"/>
+          <a:stretch>
+            <a:fillRect/>
+          </a:stretch>
+        </p:blipFill>
+        <p:spPr>
+          <a:xfrm>
+            <a:off x="10756810" y="0"/>
+            <a:ext cx="1639471" cy="1639471"/>
+          </a:xfrm>
+          <a:prstGeom prst="rect">
+            <a:avLst/>
+          </a:prstGeom>
+        </p:spPr>
+      </p:pic>
+    </p:spTree>
+    <p:extLst>
+      <p:ext uri="{BB962C8B-B14F-4D97-AF65-F5344CB8AC3E}">
+        <p14:creationId xmlns:p14="http://schemas.microsoft.com/office/powerpoint/2010/main" val="553797636"/>
+      </p:ext>
+    </p:extLst>
+  </p:cSld>
+  <p:clrMapOvr>
+    <a:masterClrMapping/>
+  </p:clrMapOvr>
+</p:sld>
+</file>
+
 <file path=ppt/theme/theme1.xml><?xml version="1.0" encoding="utf-8"?>
-<a:theme xmlns:a="http://purl.oclc.org/ooxml/drawingml/main" name="Raccolta">
+<a:theme xmlns:a="http://schemas.openxmlformats.org/drawingml/2006/main" name="Raccolta">
   <a:themeElements>
     <a:clrScheme name="Gallery">
       <a:dk1>
@@ -6337,20 +10015,20 @@
         </a:solidFill>
         <a:gradFill rotWithShape="1">
           <a:gsLst>
-            <a:gs pos="0%">
+            <a:gs pos="0">
               <a:schemeClr val="phClr">
-                <a:tint val="54%"/>
-                <a:alpha val="100%"/>
-                <a:satMod val="105%"/>
-                <a:lumMod val="110%"/>
+                <a:tint val="54000"/>
+                <a:alpha val="100000"/>
+                <a:satMod val="105000"/>
+                <a:lumMod val="110000"/>
               </a:schemeClr>
             </a:gs>
-            <a:gs pos="100%">
+            <a:gs pos="100000">
               <a:schemeClr val="phClr">
-                <a:tint val="78%"/>
-                <a:alpha val="92%"/>
-                <a:satMod val="109%"/>
-                <a:lumMod val="100%"/>
+                <a:tint val="78000"/>
+                <a:alpha val="92000"/>
+                <a:satMod val="109000"/>
+                <a:lumMod val="100000"/>
               </a:schemeClr>
             </a:gs>
           </a:gsLst>
@@ -6358,25 +10036,25 @@
         </a:gradFill>
         <a:gradFill rotWithShape="1">
           <a:gsLst>
-            <a:gs pos="0%">
+            <a:gs pos="0">
               <a:schemeClr val="phClr">
-                <a:tint val="98%"/>
-                <a:satMod val="110%"/>
-                <a:lumMod val="104%"/>
+                <a:tint val="98000"/>
+                <a:satMod val="110000"/>
+                <a:lumMod val="104000"/>
               </a:schemeClr>
             </a:gs>
-            <a:gs pos="69%">
+            <a:gs pos="69000">
               <a:schemeClr val="phClr">
-                <a:shade val="88%"/>
-                <a:satMod val="130%"/>
-                <a:lumMod val="92%"/>
+                <a:shade val="88000"/>
+                <a:satMod val="130000"/>
+                <a:lumMod val="92000"/>
               </a:schemeClr>
             </a:gs>
-            <a:gs pos="100%">
+            <a:gs pos="100000">
               <a:schemeClr val="phClr">
-                <a:shade val="78%"/>
-                <a:satMod val="130%"/>
-                <a:lumMod val="92%"/>
+                <a:shade val="78000"/>
+                <a:satMod val="130000"/>
+                <a:lumMod val="92000"/>
               </a:schemeClr>
             </a:gs>
           </a:gsLst>
@@ -6412,9 +10090,9 @@
         </a:effectStyle>
         <a:effectStyle>
           <a:effectLst>
-            <a:outerShdw blurRad="50800" dist="50800" dir="5400000" sx="96%" sy="96%" rotWithShape="0">
+            <a:outerShdw blurRad="50800" dist="50800" dir="5400000" sx="96000" sy="96000" rotWithShape="0">
               <a:srgbClr val="000000">
-                <a:alpha val="48%"/>
+                <a:alpha val="48000"/>
               </a:srgbClr>
             </a:outerShdw>
           </a:effectLst>
@@ -6440,21 +10118,21 @@
         </a:solidFill>
         <a:gradFill rotWithShape="1">
           <a:gsLst>
-            <a:gs pos="0%">
+            <a:gs pos="0">
               <a:schemeClr val="phClr">
-                <a:tint val="94%"/>
-                <a:satMod val="80%"/>
-                <a:lumMod val="106%"/>
+                <a:tint val="94000"/>
+                <a:satMod val="80000"/>
+                <a:lumMod val="106000"/>
               </a:schemeClr>
             </a:gs>
-            <a:gs pos="100%">
+            <a:gs pos="100000">
               <a:schemeClr val="phClr">
-                <a:shade val="80%"/>
+                <a:shade val="80000"/>
               </a:schemeClr>
             </a:gs>
           </a:gsLst>
           <a:path path="circle">
-            <a:fillToRect l="50%" t="50%" r="50%" b="50%"/>
+            <a:fillToRect l="50000" t="50000" r="50000" b="50000"/>
           </a:path>
         </a:gradFill>
       </a:bgFillStyleLst>
